--- a/Stronicowanie.pptx
+++ b/Stronicowanie.pptx
@@ -1,25 +1,128 @@
 
 <file path=ppt/presentation.xml><?xml version="1.0" encoding="utf-8"?>
-<p:presentation xmlns:a="http://schemas.openxmlformats.org/drawingml/2006/main" xmlns:p="http://schemas.openxmlformats.org/presentationml/2006/main" xmlns:r="http://schemas.openxmlformats.org/officeDocument/2006/relationships" xmlns:p14="http://schemas.microsoft.com/office/powerpoint/2010/main" xmlns:p15="http://schemas.microsoft.com/office/powerpoint/2012/main" xmlns:mc="http://schemas.openxmlformats.org/markup-compatibility/2006">
+<p:presentation xmlns:a="http://schemas.openxmlformats.org/drawingml/2006/main" xmlns:r="http://schemas.openxmlformats.org/officeDocument/2006/relationships" xmlns:p="http://schemas.openxmlformats.org/presentationml/2006/main">
   <p:sldMasterIdLst>
-    <p:sldMasterId id="2147483648" r:id="rId2"/>
-    <p:sldMasterId id="2147483661" r:id="rId3"/>
+    <p:sldMasterId id="2147483648" r:id="rId1"/>
+    <p:sldMasterId id="2147483661" r:id="rId2"/>
   </p:sldMasterIdLst>
   <p:sldIdLst>
-    <p:sldId id="256" r:id="rId4"/>
-    <p:sldId id="257" r:id="rId5"/>
-    <p:sldId id="258" r:id="rId6"/>
-    <p:sldId id="259" r:id="rId7"/>
-    <p:sldId id="260" r:id="rId8"/>
-    <p:sldId id="261" r:id="rId9"/>
+    <p:sldId id="256" r:id="rId3"/>
+    <p:sldId id="257" r:id="rId4"/>
+    <p:sldId id="258" r:id="rId5"/>
+    <p:sldId id="259" r:id="rId6"/>
+    <p:sldId id="260" r:id="rId7"/>
+    <p:sldId id="261" r:id="rId8"/>
   </p:sldIdLst>
   <p:sldSz cx="12192000" cy="6858000"/>
   <p:notesSz cx="7559675" cy="10691813"/>
+  <p:defaultTextStyle>
+    <a:defPPr>
+      <a:defRPr lang="pl-PL"/>
+    </a:defPPr>
+    <a:lvl1pPr marL="0" algn="l" defTabSz="914400" rtl="0" eaLnBrk="1" latinLnBrk="0" hangingPunct="1">
+      <a:defRPr sz="1800" kern="1200">
+        <a:solidFill>
+          <a:schemeClr val="tx1"/>
+        </a:solidFill>
+        <a:latin typeface="+mn-lt"/>
+        <a:ea typeface="+mn-ea"/>
+        <a:cs typeface="+mn-cs"/>
+      </a:defRPr>
+    </a:lvl1pPr>
+    <a:lvl2pPr marL="457200" algn="l" defTabSz="914400" rtl="0" eaLnBrk="1" latinLnBrk="0" hangingPunct="1">
+      <a:defRPr sz="1800" kern="1200">
+        <a:solidFill>
+          <a:schemeClr val="tx1"/>
+        </a:solidFill>
+        <a:latin typeface="+mn-lt"/>
+        <a:ea typeface="+mn-ea"/>
+        <a:cs typeface="+mn-cs"/>
+      </a:defRPr>
+    </a:lvl2pPr>
+    <a:lvl3pPr marL="914400" algn="l" defTabSz="914400" rtl="0" eaLnBrk="1" latinLnBrk="0" hangingPunct="1">
+      <a:defRPr sz="1800" kern="1200">
+        <a:solidFill>
+          <a:schemeClr val="tx1"/>
+        </a:solidFill>
+        <a:latin typeface="+mn-lt"/>
+        <a:ea typeface="+mn-ea"/>
+        <a:cs typeface="+mn-cs"/>
+      </a:defRPr>
+    </a:lvl3pPr>
+    <a:lvl4pPr marL="1371600" algn="l" defTabSz="914400" rtl="0" eaLnBrk="1" latinLnBrk="0" hangingPunct="1">
+      <a:defRPr sz="1800" kern="1200">
+        <a:solidFill>
+          <a:schemeClr val="tx1"/>
+        </a:solidFill>
+        <a:latin typeface="+mn-lt"/>
+        <a:ea typeface="+mn-ea"/>
+        <a:cs typeface="+mn-cs"/>
+      </a:defRPr>
+    </a:lvl4pPr>
+    <a:lvl5pPr marL="1828800" algn="l" defTabSz="914400" rtl="0" eaLnBrk="1" latinLnBrk="0" hangingPunct="1">
+      <a:defRPr sz="1800" kern="1200">
+        <a:solidFill>
+          <a:schemeClr val="tx1"/>
+        </a:solidFill>
+        <a:latin typeface="+mn-lt"/>
+        <a:ea typeface="+mn-ea"/>
+        <a:cs typeface="+mn-cs"/>
+      </a:defRPr>
+    </a:lvl5pPr>
+    <a:lvl6pPr marL="2286000" algn="l" defTabSz="914400" rtl="0" eaLnBrk="1" latinLnBrk="0" hangingPunct="1">
+      <a:defRPr sz="1800" kern="1200">
+        <a:solidFill>
+          <a:schemeClr val="tx1"/>
+        </a:solidFill>
+        <a:latin typeface="+mn-lt"/>
+        <a:ea typeface="+mn-ea"/>
+        <a:cs typeface="+mn-cs"/>
+      </a:defRPr>
+    </a:lvl6pPr>
+    <a:lvl7pPr marL="2743200" algn="l" defTabSz="914400" rtl="0" eaLnBrk="1" latinLnBrk="0" hangingPunct="1">
+      <a:defRPr sz="1800" kern="1200">
+        <a:solidFill>
+          <a:schemeClr val="tx1"/>
+        </a:solidFill>
+        <a:latin typeface="+mn-lt"/>
+        <a:ea typeface="+mn-ea"/>
+        <a:cs typeface="+mn-cs"/>
+      </a:defRPr>
+    </a:lvl7pPr>
+    <a:lvl8pPr marL="3200400" algn="l" defTabSz="914400" rtl="0" eaLnBrk="1" latinLnBrk="0" hangingPunct="1">
+      <a:defRPr sz="1800" kern="1200">
+        <a:solidFill>
+          <a:schemeClr val="tx1"/>
+        </a:solidFill>
+        <a:latin typeface="+mn-lt"/>
+        <a:ea typeface="+mn-ea"/>
+        <a:cs typeface="+mn-cs"/>
+      </a:defRPr>
+    </a:lvl8pPr>
+    <a:lvl9pPr marL="3657600" algn="l" defTabSz="914400" rtl="0" eaLnBrk="1" latinLnBrk="0" hangingPunct="1">
+      <a:defRPr sz="1800" kern="1200">
+        <a:solidFill>
+          <a:schemeClr val="tx1"/>
+        </a:solidFill>
+        <a:latin typeface="+mn-lt"/>
+        <a:ea typeface="+mn-ea"/>
+        <a:cs typeface="+mn-cs"/>
+      </a:defRPr>
+    </a:lvl9pPr>
+  </p:defaultTextStyle>
 </p:presentation>
 </file>
 
+<file path=ppt/revisionInfo.xml><?xml version="1.0" encoding="utf-8"?>
+<p1510:revInfo xmlns:a="http://schemas.openxmlformats.org/drawingml/2006/main" xmlns:r="http://schemas.openxmlformats.org/officeDocument/2006/relationships" xmlns:p1510="http://schemas.microsoft.com/office/powerpoint/2015/10/main">
+  <p1510:revLst>
+    <p1510:client id="{6B605C48-7E72-7E6F-FC38-D8F912ECA04E}" v="28" dt="2025-05-22T12:33:10.783"/>
+  </p1510:revLst>
+</p1510:revInfo>
+</file>
+
 <file path=ppt/slideLayouts/slideLayout1.xml><?xml version="1.0" encoding="utf-8"?>
-<p:sldLayout xmlns:a="http://schemas.openxmlformats.org/drawingml/2006/main" xmlns:p="http://schemas.openxmlformats.org/presentationml/2006/main" xmlns:r="http://schemas.openxmlformats.org/officeDocument/2006/relationships" xmlns:p14="http://schemas.microsoft.com/office/powerpoint/2010/main" xmlns:p15="http://schemas.microsoft.com/office/powerpoint/2012/main" xmlns:mc="http://schemas.openxmlformats.org/markup-compatibility/2006" type="blank" preserve="1">
+<p:sldLayout xmlns:a="http://schemas.openxmlformats.org/drawingml/2006/main" xmlns:r="http://schemas.openxmlformats.org/officeDocument/2006/relationships" xmlns:p="http://schemas.openxmlformats.org/presentationml/2006/main" type="blank" preserve="1">
   <p:cSld name="Blank Slide">
     <p:spTree>
       <p:nvGrpSpPr>
@@ -48,6 +151,7 @@
         <p:spPr/>
         <p:txBody>
           <a:bodyPr/>
+          <a:lstStyle/>
           <a:p>
             <a:r>
               <a:t>Footer</a:t>
@@ -68,10 +172,12 @@
         <p:spPr/>
         <p:txBody>
           <a:bodyPr/>
+          <a:lstStyle/>
           <a:p>
             <a:fld id="{DCF59D93-E852-4701-A314-0EB704CA8BDB}" type="slidenum">
-              <a:t>&lt;#&gt;</a:t>
+              <a:t>‹#›</a:t>
             </a:fld>
+            <a:endParaRPr/>
           </a:p>
         </p:txBody>
       </p:sp>
@@ -88,21 +194,22 @@
         <p:spPr/>
         <p:txBody>
           <a:bodyPr/>
-          <a:p>
-            <a:r>
-              <a:rPr lang="pl-PL"/>
-              <a:t/>
-            </a:r>
+          <a:lstStyle/>
+          <a:p>
+            <a:endParaRPr/>
           </a:p>
         </p:txBody>
       </p:sp>
     </p:spTree>
   </p:cSld>
+  <p:clrMapOvr>
+    <a:masterClrMapping/>
+  </p:clrMapOvr>
 </p:sldLayout>
 </file>
 
 <file path=ppt/slideLayouts/slideLayout10.xml><?xml version="1.0" encoding="utf-8"?>
-<p:sldLayout xmlns:a="http://schemas.openxmlformats.org/drawingml/2006/main" xmlns:p="http://schemas.openxmlformats.org/presentationml/2006/main" xmlns:r="http://schemas.openxmlformats.org/officeDocument/2006/relationships" xmlns:p14="http://schemas.microsoft.com/office/powerpoint/2010/main" xmlns:p15="http://schemas.microsoft.com/office/powerpoint/2012/main" xmlns:mc="http://schemas.openxmlformats.org/markup-compatibility/2006" type="objOverTx" preserve="1">
+<p:sldLayout xmlns:a="http://schemas.openxmlformats.org/drawingml/2006/main" xmlns:r="http://schemas.openxmlformats.org/officeDocument/2006/relationships" xmlns:p="http://schemas.openxmlformats.org/presentationml/2006/main" type="objOverTx" preserve="1">
   <p:cSld name="Title, Content over Content">
     <p:spTree>
       <p:nvGrpSpPr>
@@ -142,14 +249,15 @@
           </a:ln>
         </p:spPr>
         <p:txBody>
-          <a:bodyPr lIns="0" rIns="0" tIns="0" bIns="0" anchor="ctr">
+          <a:bodyPr lIns="0" tIns="0" rIns="0" bIns="0" anchor="ctr">
             <a:noAutofit/>
           </a:bodyPr>
+          <a:lstStyle/>
           <a:p>
             <a:pPr indent="0" algn="ctr">
               <a:buNone/>
             </a:pPr>
-            <a:endParaRPr b="0" lang="pl-PL" sz="4400" spc="-1" strike="noStrike">
+            <a:endParaRPr lang="pl-PL" sz="4400" b="0" strike="noStrike" spc="-1">
               <a:solidFill>
                 <a:srgbClr val="000000"/>
               </a:solidFill>
@@ -182,9 +290,10 @@
           </a:ln>
         </p:spPr>
         <p:txBody>
-          <a:bodyPr lIns="0" rIns="0" tIns="0" bIns="0" anchor="t">
+          <a:bodyPr lIns="0" tIns="0" rIns="0" bIns="0" anchor="t">
             <a:normAutofit/>
           </a:bodyPr>
+          <a:lstStyle/>
           <a:p>
             <a:pPr indent="0">
               <a:spcBef>
@@ -192,7 +301,7 @@
               </a:spcBef>
               <a:buNone/>
             </a:pPr>
-            <a:endParaRPr b="0" lang="pl-PL" sz="3200" spc="-1" strike="noStrike">
+            <a:endParaRPr lang="pl-PL" sz="3200" b="0" strike="noStrike" spc="-1">
               <a:solidFill>
                 <a:srgbClr val="000000"/>
               </a:solidFill>
@@ -225,9 +334,10 @@
           </a:ln>
         </p:spPr>
         <p:txBody>
-          <a:bodyPr lIns="0" rIns="0" tIns="0" bIns="0" anchor="t">
+          <a:bodyPr lIns="0" tIns="0" rIns="0" bIns="0" anchor="t">
             <a:normAutofit/>
           </a:bodyPr>
+          <a:lstStyle/>
           <a:p>
             <a:pPr indent="0">
               <a:spcBef>
@@ -235,7 +345,7 @@
               </a:spcBef>
               <a:buNone/>
             </a:pPr>
-            <a:endParaRPr b="0" lang="pl-PL" sz="3200" spc="-1" strike="noStrike">
+            <a:endParaRPr lang="pl-PL" sz="3200" b="0" strike="noStrike" spc="-1">
               <a:solidFill>
                 <a:srgbClr val="000000"/>
               </a:solidFill>
@@ -257,6 +367,7 @@
         <p:spPr/>
         <p:txBody>
           <a:bodyPr/>
+          <a:lstStyle/>
           <a:p>
             <a:r>
               <a:t>Footer</a:t>
@@ -277,10 +388,12 @@
         <p:spPr/>
         <p:txBody>
           <a:bodyPr/>
+          <a:lstStyle/>
           <a:p>
             <a:fld id="{8D3D6A8D-6DB9-40D7-BE48-9637F546D5BE}" type="slidenum">
-              <a:t>&lt;#&gt;</a:t>
+              <a:t>‹#›</a:t>
             </a:fld>
+            <a:endParaRPr/>
           </a:p>
         </p:txBody>
       </p:sp>
@@ -297,21 +410,22 @@
         <p:spPr/>
         <p:txBody>
           <a:bodyPr/>
-          <a:p>
-            <a:r>
-              <a:rPr lang="pl-PL"/>
-              <a:t/>
-            </a:r>
+          <a:lstStyle/>
+          <a:p>
+            <a:endParaRPr/>
           </a:p>
         </p:txBody>
       </p:sp>
     </p:spTree>
   </p:cSld>
+  <p:clrMapOvr>
+    <a:masterClrMapping/>
+  </p:clrMapOvr>
 </p:sldLayout>
 </file>
 
 <file path=ppt/slideLayouts/slideLayout11.xml><?xml version="1.0" encoding="utf-8"?>
-<p:sldLayout xmlns:a="http://schemas.openxmlformats.org/drawingml/2006/main" xmlns:p="http://schemas.openxmlformats.org/presentationml/2006/main" xmlns:r="http://schemas.openxmlformats.org/officeDocument/2006/relationships" xmlns:p14="http://schemas.microsoft.com/office/powerpoint/2010/main" xmlns:p15="http://schemas.microsoft.com/office/powerpoint/2012/main" xmlns:mc="http://schemas.openxmlformats.org/markup-compatibility/2006" type="fourObj" preserve="1">
+<p:sldLayout xmlns:a="http://schemas.openxmlformats.org/drawingml/2006/main" xmlns:r="http://schemas.openxmlformats.org/officeDocument/2006/relationships" xmlns:p="http://schemas.openxmlformats.org/presentationml/2006/main" type="fourObj" preserve="1">
   <p:cSld name="Title, 4 Content">
     <p:spTree>
       <p:nvGrpSpPr>
@@ -351,14 +465,15 @@
           </a:ln>
         </p:spPr>
         <p:txBody>
-          <a:bodyPr lIns="0" rIns="0" tIns="0" bIns="0" anchor="ctr">
+          <a:bodyPr lIns="0" tIns="0" rIns="0" bIns="0" anchor="ctr">
             <a:noAutofit/>
           </a:bodyPr>
+          <a:lstStyle/>
           <a:p>
             <a:pPr indent="0" algn="ctr">
               <a:buNone/>
             </a:pPr>
-            <a:endParaRPr b="0" lang="pl-PL" sz="4400" spc="-1" strike="noStrike">
+            <a:endParaRPr lang="pl-PL" sz="4400" b="0" strike="noStrike" spc="-1">
               <a:solidFill>
                 <a:srgbClr val="000000"/>
               </a:solidFill>
@@ -391,9 +506,10 @@
           </a:ln>
         </p:spPr>
         <p:txBody>
-          <a:bodyPr lIns="0" rIns="0" tIns="0" bIns="0" anchor="t">
+          <a:bodyPr lIns="0" tIns="0" rIns="0" bIns="0" anchor="t">
             <a:normAutofit/>
           </a:bodyPr>
+          <a:lstStyle/>
           <a:p>
             <a:pPr indent="0">
               <a:spcBef>
@@ -401,7 +517,7 @@
               </a:spcBef>
               <a:buNone/>
             </a:pPr>
-            <a:endParaRPr b="0" lang="pl-PL" sz="3200" spc="-1" strike="noStrike">
+            <a:endParaRPr lang="pl-PL" sz="3200" b="0" strike="noStrike" spc="-1">
               <a:solidFill>
                 <a:srgbClr val="000000"/>
               </a:solidFill>
@@ -434,9 +550,10 @@
           </a:ln>
         </p:spPr>
         <p:txBody>
-          <a:bodyPr lIns="0" rIns="0" tIns="0" bIns="0" anchor="t">
+          <a:bodyPr lIns="0" tIns="0" rIns="0" bIns="0" anchor="t">
             <a:normAutofit/>
           </a:bodyPr>
+          <a:lstStyle/>
           <a:p>
             <a:pPr indent="0">
               <a:spcBef>
@@ -444,7 +561,7 @@
               </a:spcBef>
               <a:buNone/>
             </a:pPr>
-            <a:endParaRPr b="0" lang="pl-PL" sz="3200" spc="-1" strike="noStrike">
+            <a:endParaRPr lang="pl-PL" sz="3200" b="0" strike="noStrike" spc="-1">
               <a:solidFill>
                 <a:srgbClr val="000000"/>
               </a:solidFill>
@@ -477,9 +594,10 @@
           </a:ln>
         </p:spPr>
         <p:txBody>
-          <a:bodyPr lIns="0" rIns="0" tIns="0" bIns="0" anchor="t">
+          <a:bodyPr lIns="0" tIns="0" rIns="0" bIns="0" anchor="t">
             <a:normAutofit/>
           </a:bodyPr>
+          <a:lstStyle/>
           <a:p>
             <a:pPr indent="0">
               <a:spcBef>
@@ -487,7 +605,7 @@
               </a:spcBef>
               <a:buNone/>
             </a:pPr>
-            <a:endParaRPr b="0" lang="pl-PL" sz="3200" spc="-1" strike="noStrike">
+            <a:endParaRPr lang="pl-PL" sz="3200" b="0" strike="noStrike" spc="-1">
               <a:solidFill>
                 <a:srgbClr val="000000"/>
               </a:solidFill>
@@ -520,9 +638,10 @@
           </a:ln>
         </p:spPr>
         <p:txBody>
-          <a:bodyPr lIns="0" rIns="0" tIns="0" bIns="0" anchor="t">
+          <a:bodyPr lIns="0" tIns="0" rIns="0" bIns="0" anchor="t">
             <a:normAutofit/>
           </a:bodyPr>
+          <a:lstStyle/>
           <a:p>
             <a:pPr indent="0">
               <a:spcBef>
@@ -530,7 +649,7 @@
               </a:spcBef>
               <a:buNone/>
             </a:pPr>
-            <a:endParaRPr b="0" lang="pl-PL" sz="3200" spc="-1" strike="noStrike">
+            <a:endParaRPr lang="pl-PL" sz="3200" b="0" strike="noStrike" spc="-1">
               <a:solidFill>
                 <a:srgbClr val="000000"/>
               </a:solidFill>
@@ -552,6 +671,7 @@
         <p:spPr/>
         <p:txBody>
           <a:bodyPr/>
+          <a:lstStyle/>
           <a:p>
             <a:r>
               <a:t>Footer</a:t>
@@ -572,10 +692,12 @@
         <p:spPr/>
         <p:txBody>
           <a:bodyPr/>
+          <a:lstStyle/>
           <a:p>
             <a:fld id="{831B1607-1ECA-4A63-AF83-30EDFFFF73E2}" type="slidenum">
-              <a:t>&lt;#&gt;</a:t>
+              <a:t>‹#›</a:t>
             </a:fld>
+            <a:endParaRPr/>
           </a:p>
         </p:txBody>
       </p:sp>
@@ -592,21 +714,22 @@
         <p:spPr/>
         <p:txBody>
           <a:bodyPr/>
-          <a:p>
-            <a:r>
-              <a:rPr lang="pl-PL"/>
-              <a:t/>
-            </a:r>
+          <a:lstStyle/>
+          <a:p>
+            <a:endParaRPr/>
           </a:p>
         </p:txBody>
       </p:sp>
     </p:spTree>
   </p:cSld>
+  <p:clrMapOvr>
+    <a:masterClrMapping/>
+  </p:clrMapOvr>
 </p:sldLayout>
 </file>
 
 <file path=ppt/slideLayouts/slideLayout12.xml><?xml version="1.0" encoding="utf-8"?>
-<p:sldLayout xmlns:a="http://schemas.openxmlformats.org/drawingml/2006/main" xmlns:p="http://schemas.openxmlformats.org/presentationml/2006/main" xmlns:r="http://schemas.openxmlformats.org/officeDocument/2006/relationships" xmlns:p14="http://schemas.microsoft.com/office/powerpoint/2010/main" xmlns:p15="http://schemas.microsoft.com/office/powerpoint/2012/main" xmlns:mc="http://schemas.openxmlformats.org/markup-compatibility/2006" type="blank" preserve="1">
+<p:sldLayout xmlns:a="http://schemas.openxmlformats.org/drawingml/2006/main" xmlns:r="http://schemas.openxmlformats.org/officeDocument/2006/relationships" xmlns:p="http://schemas.openxmlformats.org/presentationml/2006/main" type="blank" preserve="1">
   <p:cSld name="Title, 6 Content">
     <p:spTree>
       <p:nvGrpSpPr>
@@ -646,14 +769,15 @@
           </a:ln>
         </p:spPr>
         <p:txBody>
-          <a:bodyPr lIns="0" rIns="0" tIns="0" bIns="0" anchor="ctr">
+          <a:bodyPr lIns="0" tIns="0" rIns="0" bIns="0" anchor="ctr">
             <a:noAutofit/>
           </a:bodyPr>
+          <a:lstStyle/>
           <a:p>
             <a:pPr indent="0" algn="ctr">
               <a:buNone/>
             </a:pPr>
-            <a:endParaRPr b="0" lang="pl-PL" sz="4400" spc="-1" strike="noStrike">
+            <a:endParaRPr lang="pl-PL" sz="4400" b="0" strike="noStrike" spc="-1">
               <a:solidFill>
                 <a:srgbClr val="000000"/>
               </a:solidFill>
@@ -686,9 +810,10 @@
           </a:ln>
         </p:spPr>
         <p:txBody>
-          <a:bodyPr lIns="0" rIns="0" tIns="0" bIns="0" anchor="t">
+          <a:bodyPr lIns="0" tIns="0" rIns="0" bIns="0" anchor="t">
             <a:normAutofit/>
           </a:bodyPr>
+          <a:lstStyle/>
           <a:p>
             <a:pPr indent="0">
               <a:spcBef>
@@ -696,7 +821,7 @@
               </a:spcBef>
               <a:buNone/>
             </a:pPr>
-            <a:endParaRPr b="0" lang="pl-PL" sz="3200" spc="-1" strike="noStrike">
+            <a:endParaRPr lang="pl-PL" sz="3200" b="0" strike="noStrike" spc="-1">
               <a:solidFill>
                 <a:srgbClr val="000000"/>
               </a:solidFill>
@@ -729,9 +854,10 @@
           </a:ln>
         </p:spPr>
         <p:txBody>
-          <a:bodyPr lIns="0" rIns="0" tIns="0" bIns="0" anchor="t">
+          <a:bodyPr lIns="0" tIns="0" rIns="0" bIns="0" anchor="t">
             <a:normAutofit/>
           </a:bodyPr>
+          <a:lstStyle/>
           <a:p>
             <a:pPr indent="0">
               <a:spcBef>
@@ -739,7 +865,7 @@
               </a:spcBef>
               <a:buNone/>
             </a:pPr>
-            <a:endParaRPr b="0" lang="pl-PL" sz="3200" spc="-1" strike="noStrike">
+            <a:endParaRPr lang="pl-PL" sz="3200" b="0" strike="noStrike" spc="-1">
               <a:solidFill>
                 <a:srgbClr val="000000"/>
               </a:solidFill>
@@ -772,9 +898,10 @@
           </a:ln>
         </p:spPr>
         <p:txBody>
-          <a:bodyPr lIns="0" rIns="0" tIns="0" bIns="0" anchor="t">
+          <a:bodyPr lIns="0" tIns="0" rIns="0" bIns="0" anchor="t">
             <a:normAutofit/>
           </a:bodyPr>
+          <a:lstStyle/>
           <a:p>
             <a:pPr indent="0">
               <a:spcBef>
@@ -782,7 +909,7 @@
               </a:spcBef>
               <a:buNone/>
             </a:pPr>
-            <a:endParaRPr b="0" lang="pl-PL" sz="3200" spc="-1" strike="noStrike">
+            <a:endParaRPr lang="pl-PL" sz="3200" b="0" strike="noStrike" spc="-1">
               <a:solidFill>
                 <a:srgbClr val="000000"/>
               </a:solidFill>
@@ -815,9 +942,10 @@
           </a:ln>
         </p:spPr>
         <p:txBody>
-          <a:bodyPr lIns="0" rIns="0" tIns="0" bIns="0" anchor="t">
+          <a:bodyPr lIns="0" tIns="0" rIns="0" bIns="0" anchor="t">
             <a:normAutofit/>
           </a:bodyPr>
+          <a:lstStyle/>
           <a:p>
             <a:pPr indent="0">
               <a:spcBef>
@@ -825,7 +953,7 @@
               </a:spcBef>
               <a:buNone/>
             </a:pPr>
-            <a:endParaRPr b="0" lang="pl-PL" sz="3200" spc="-1" strike="noStrike">
+            <a:endParaRPr lang="pl-PL" sz="3200" b="0" strike="noStrike" spc="-1">
               <a:solidFill>
                 <a:srgbClr val="000000"/>
               </a:solidFill>
@@ -858,9 +986,10 @@
           </a:ln>
         </p:spPr>
         <p:txBody>
-          <a:bodyPr lIns="0" rIns="0" tIns="0" bIns="0" anchor="t">
+          <a:bodyPr lIns="0" tIns="0" rIns="0" bIns="0" anchor="t">
             <a:normAutofit/>
           </a:bodyPr>
+          <a:lstStyle/>
           <a:p>
             <a:pPr indent="0">
               <a:spcBef>
@@ -868,7 +997,7 @@
               </a:spcBef>
               <a:buNone/>
             </a:pPr>
-            <a:endParaRPr b="0" lang="pl-PL" sz="3200" spc="-1" strike="noStrike">
+            <a:endParaRPr lang="pl-PL" sz="3200" b="0" strike="noStrike" spc="-1">
               <a:solidFill>
                 <a:srgbClr val="000000"/>
               </a:solidFill>
@@ -901,9 +1030,10 @@
           </a:ln>
         </p:spPr>
         <p:txBody>
-          <a:bodyPr lIns="0" rIns="0" tIns="0" bIns="0" anchor="t">
+          <a:bodyPr lIns="0" tIns="0" rIns="0" bIns="0" anchor="t">
             <a:normAutofit/>
           </a:bodyPr>
+          <a:lstStyle/>
           <a:p>
             <a:pPr indent="0">
               <a:spcBef>
@@ -911,7 +1041,7 @@
               </a:spcBef>
               <a:buNone/>
             </a:pPr>
-            <a:endParaRPr b="0" lang="pl-PL" sz="3200" spc="-1" strike="noStrike">
+            <a:endParaRPr lang="pl-PL" sz="3200" b="0" strike="noStrike" spc="-1">
               <a:solidFill>
                 <a:srgbClr val="000000"/>
               </a:solidFill>
@@ -933,6 +1063,7 @@
         <p:spPr/>
         <p:txBody>
           <a:bodyPr/>
+          <a:lstStyle/>
           <a:p>
             <a:r>
               <a:t>Footer</a:t>
@@ -953,10 +1084,12 @@
         <p:spPr/>
         <p:txBody>
           <a:bodyPr/>
+          <a:lstStyle/>
           <a:p>
             <a:fld id="{25B1B3CD-9D5D-4474-ADE6-6B4AB589A974}" type="slidenum">
-              <a:t>&lt;#&gt;</a:t>
+              <a:t>‹#›</a:t>
             </a:fld>
+            <a:endParaRPr/>
           </a:p>
         </p:txBody>
       </p:sp>
@@ -973,21 +1106,22 @@
         <p:spPr/>
         <p:txBody>
           <a:bodyPr/>
-          <a:p>
-            <a:r>
-              <a:rPr lang="pl-PL"/>
-              <a:t/>
-            </a:r>
+          <a:lstStyle/>
+          <a:p>
+            <a:endParaRPr/>
           </a:p>
         </p:txBody>
       </p:sp>
     </p:spTree>
   </p:cSld>
+  <p:clrMapOvr>
+    <a:masterClrMapping/>
+  </p:clrMapOvr>
 </p:sldLayout>
 </file>
 
 <file path=ppt/slideLayouts/slideLayout13.xml><?xml version="1.0" encoding="utf-8"?>
-<p:sldLayout xmlns:a="http://schemas.openxmlformats.org/drawingml/2006/main" xmlns:p="http://schemas.openxmlformats.org/presentationml/2006/main" xmlns:r="http://schemas.openxmlformats.org/officeDocument/2006/relationships" xmlns:p14="http://schemas.microsoft.com/office/powerpoint/2010/main" xmlns:p15="http://schemas.microsoft.com/office/powerpoint/2012/main" xmlns:mc="http://schemas.openxmlformats.org/markup-compatibility/2006" type="blank" preserve="1">
+<p:sldLayout xmlns:a="http://schemas.openxmlformats.org/drawingml/2006/main" xmlns:r="http://schemas.openxmlformats.org/officeDocument/2006/relationships" xmlns:p="http://schemas.openxmlformats.org/presentationml/2006/main" type="blank" preserve="1">
   <p:cSld name="Blank Slide">
     <p:spTree>
       <p:nvGrpSpPr>
@@ -1016,6 +1150,7 @@
         <p:spPr/>
         <p:txBody>
           <a:bodyPr/>
+          <a:lstStyle/>
           <a:p>
             <a:r>
               <a:t>Footer</a:t>
@@ -1036,10 +1171,12 @@
         <p:spPr/>
         <p:txBody>
           <a:bodyPr/>
+          <a:lstStyle/>
           <a:p>
             <a:fld id="{4879559D-7919-47A0-A088-D6935D153B10}" type="slidenum">
-              <a:t>&lt;#&gt;</a:t>
+              <a:t>‹#›</a:t>
             </a:fld>
+            <a:endParaRPr/>
           </a:p>
         </p:txBody>
       </p:sp>
@@ -1056,21 +1193,22 @@
         <p:spPr/>
         <p:txBody>
           <a:bodyPr/>
-          <a:p>
-            <a:r>
-              <a:rPr lang="pl-PL"/>
-              <a:t/>
-            </a:r>
+          <a:lstStyle/>
+          <a:p>
+            <a:endParaRPr/>
           </a:p>
         </p:txBody>
       </p:sp>
     </p:spTree>
   </p:cSld>
+  <p:clrMapOvr>
+    <a:masterClrMapping/>
+  </p:clrMapOvr>
 </p:sldLayout>
 </file>
 
 <file path=ppt/slideLayouts/slideLayout14.xml><?xml version="1.0" encoding="utf-8"?>
-<p:sldLayout xmlns:a="http://schemas.openxmlformats.org/drawingml/2006/main" xmlns:p="http://schemas.openxmlformats.org/presentationml/2006/main" xmlns:r="http://schemas.openxmlformats.org/officeDocument/2006/relationships" xmlns:p14="http://schemas.microsoft.com/office/powerpoint/2010/main" xmlns:p15="http://schemas.microsoft.com/office/powerpoint/2012/main" xmlns:mc="http://schemas.openxmlformats.org/markup-compatibility/2006" type="tx" preserve="1">
+<p:sldLayout xmlns:a="http://schemas.openxmlformats.org/drawingml/2006/main" xmlns:r="http://schemas.openxmlformats.org/officeDocument/2006/relationships" xmlns:p="http://schemas.openxmlformats.org/presentationml/2006/main" type="tx" preserve="1">
   <p:cSld name="Title Slide">
     <p:spTree>
       <p:nvGrpSpPr>
@@ -1110,14 +1248,15 @@
           </a:ln>
         </p:spPr>
         <p:txBody>
-          <a:bodyPr lIns="0" rIns="0" tIns="0" bIns="0" anchor="ctr">
+          <a:bodyPr lIns="0" tIns="0" rIns="0" bIns="0" anchor="ctr">
             <a:noAutofit/>
           </a:bodyPr>
+          <a:lstStyle/>
           <a:p>
             <a:pPr indent="0" algn="ctr">
               <a:buNone/>
             </a:pPr>
-            <a:endParaRPr b="0" lang="pl-PL" sz="4400" spc="-1" strike="noStrike">
+            <a:endParaRPr lang="pl-PL" sz="4400" b="0" strike="noStrike" spc="-1">
               <a:solidFill>
                 <a:srgbClr val="000000"/>
               </a:solidFill>
@@ -1150,14 +1289,15 @@
           </a:ln>
         </p:spPr>
         <p:txBody>
-          <a:bodyPr lIns="0" rIns="0" tIns="0" bIns="0" anchor="ctr">
+          <a:bodyPr lIns="0" tIns="0" rIns="0" bIns="0" anchor="ctr">
             <a:noAutofit/>
           </a:bodyPr>
+          <a:lstStyle/>
           <a:p>
             <a:pPr indent="0" algn="ctr">
               <a:buNone/>
             </a:pPr>
-            <a:endParaRPr b="0" lang="pl-PL" sz="3200" spc="-1" strike="noStrike">
+            <a:endParaRPr lang="pl-PL" sz="3200" b="0" strike="noStrike" spc="-1">
               <a:solidFill>
                 <a:srgbClr val="000000"/>
               </a:solidFill>
@@ -1179,6 +1319,7 @@
         <p:spPr/>
         <p:txBody>
           <a:bodyPr/>
+          <a:lstStyle/>
           <a:p>
             <a:r>
               <a:t>Footer</a:t>
@@ -1199,10 +1340,12 @@
         <p:spPr/>
         <p:txBody>
           <a:bodyPr/>
+          <a:lstStyle/>
           <a:p>
             <a:fld id="{5BCE4FBB-82D1-4AA2-98B7-2533E7B727A8}" type="slidenum">
-              <a:t>&lt;#&gt;</a:t>
+              <a:t>‹#›</a:t>
             </a:fld>
+            <a:endParaRPr/>
           </a:p>
         </p:txBody>
       </p:sp>
@@ -1219,21 +1362,22 @@
         <p:spPr/>
         <p:txBody>
           <a:bodyPr/>
-          <a:p>
-            <a:r>
-              <a:rPr lang="pl-PL"/>
-              <a:t/>
-            </a:r>
+          <a:lstStyle/>
+          <a:p>
+            <a:endParaRPr/>
           </a:p>
         </p:txBody>
       </p:sp>
     </p:spTree>
   </p:cSld>
+  <p:clrMapOvr>
+    <a:masterClrMapping/>
+  </p:clrMapOvr>
 </p:sldLayout>
 </file>
 
 <file path=ppt/slideLayouts/slideLayout15.xml><?xml version="1.0" encoding="utf-8"?>
-<p:sldLayout xmlns:a="http://schemas.openxmlformats.org/drawingml/2006/main" xmlns:p="http://schemas.openxmlformats.org/presentationml/2006/main" xmlns:r="http://schemas.openxmlformats.org/officeDocument/2006/relationships" xmlns:p14="http://schemas.microsoft.com/office/powerpoint/2010/main" xmlns:p15="http://schemas.microsoft.com/office/powerpoint/2012/main" xmlns:mc="http://schemas.openxmlformats.org/markup-compatibility/2006" type="obj" preserve="1">
+<p:sldLayout xmlns:a="http://schemas.openxmlformats.org/drawingml/2006/main" xmlns:r="http://schemas.openxmlformats.org/officeDocument/2006/relationships" xmlns:p="http://schemas.openxmlformats.org/presentationml/2006/main" type="obj" preserve="1">
   <p:cSld name="Title, Content">
     <p:spTree>
       <p:nvGrpSpPr>
@@ -1273,14 +1417,15 @@
           </a:ln>
         </p:spPr>
         <p:txBody>
-          <a:bodyPr lIns="0" rIns="0" tIns="0" bIns="0" anchor="ctr">
+          <a:bodyPr lIns="0" tIns="0" rIns="0" bIns="0" anchor="ctr">
             <a:noAutofit/>
           </a:bodyPr>
+          <a:lstStyle/>
           <a:p>
             <a:pPr indent="0" algn="ctr">
               <a:buNone/>
             </a:pPr>
-            <a:endParaRPr b="0" lang="pl-PL" sz="4400" spc="-1" strike="noStrike">
+            <a:endParaRPr lang="pl-PL" sz="4400" b="0" strike="noStrike" spc="-1">
               <a:solidFill>
                 <a:srgbClr val="000000"/>
               </a:solidFill>
@@ -1313,9 +1458,10 @@
           </a:ln>
         </p:spPr>
         <p:txBody>
-          <a:bodyPr lIns="0" rIns="0" tIns="0" bIns="0" anchor="t">
+          <a:bodyPr lIns="0" tIns="0" rIns="0" bIns="0" anchor="t">
             <a:normAutofit/>
           </a:bodyPr>
+          <a:lstStyle/>
           <a:p>
             <a:pPr indent="0">
               <a:spcBef>
@@ -1323,7 +1469,7 @@
               </a:spcBef>
               <a:buNone/>
             </a:pPr>
-            <a:endParaRPr b="0" lang="pl-PL" sz="3200" spc="-1" strike="noStrike">
+            <a:endParaRPr lang="pl-PL" sz="3200" b="0" strike="noStrike" spc="-1">
               <a:solidFill>
                 <a:srgbClr val="000000"/>
               </a:solidFill>
@@ -1345,6 +1491,7 @@
         <p:spPr/>
         <p:txBody>
           <a:bodyPr/>
+          <a:lstStyle/>
           <a:p>
             <a:r>
               <a:t>Footer</a:t>
@@ -1365,10 +1512,12 @@
         <p:spPr/>
         <p:txBody>
           <a:bodyPr/>
+          <a:lstStyle/>
           <a:p>
             <a:fld id="{0928C275-84C9-408C-AEC3-CE99A152C973}" type="slidenum">
-              <a:t>&lt;#&gt;</a:t>
+              <a:t>‹#›</a:t>
             </a:fld>
+            <a:endParaRPr/>
           </a:p>
         </p:txBody>
       </p:sp>
@@ -1385,21 +1534,22 @@
         <p:spPr/>
         <p:txBody>
           <a:bodyPr/>
-          <a:p>
-            <a:r>
-              <a:rPr lang="pl-PL"/>
-              <a:t/>
-            </a:r>
+          <a:lstStyle/>
+          <a:p>
+            <a:endParaRPr/>
           </a:p>
         </p:txBody>
       </p:sp>
     </p:spTree>
   </p:cSld>
+  <p:clrMapOvr>
+    <a:masterClrMapping/>
+  </p:clrMapOvr>
 </p:sldLayout>
 </file>
 
 <file path=ppt/slideLayouts/slideLayout16.xml><?xml version="1.0" encoding="utf-8"?>
-<p:sldLayout xmlns:a="http://schemas.openxmlformats.org/drawingml/2006/main" xmlns:p="http://schemas.openxmlformats.org/presentationml/2006/main" xmlns:r="http://schemas.openxmlformats.org/officeDocument/2006/relationships" xmlns:p14="http://schemas.microsoft.com/office/powerpoint/2010/main" xmlns:p15="http://schemas.microsoft.com/office/powerpoint/2012/main" xmlns:mc="http://schemas.openxmlformats.org/markup-compatibility/2006" type="twoObj" preserve="1">
+<p:sldLayout xmlns:a="http://schemas.openxmlformats.org/drawingml/2006/main" xmlns:r="http://schemas.openxmlformats.org/officeDocument/2006/relationships" xmlns:p="http://schemas.openxmlformats.org/presentationml/2006/main" type="twoObj" preserve="1">
   <p:cSld name="Title, 2 Content">
     <p:spTree>
       <p:nvGrpSpPr>
@@ -1439,14 +1589,15 @@
           </a:ln>
         </p:spPr>
         <p:txBody>
-          <a:bodyPr lIns="0" rIns="0" tIns="0" bIns="0" anchor="ctr">
+          <a:bodyPr lIns="0" tIns="0" rIns="0" bIns="0" anchor="ctr">
             <a:noAutofit/>
           </a:bodyPr>
+          <a:lstStyle/>
           <a:p>
             <a:pPr indent="0" algn="ctr">
               <a:buNone/>
             </a:pPr>
-            <a:endParaRPr b="0" lang="pl-PL" sz="4400" spc="-1" strike="noStrike">
+            <a:endParaRPr lang="pl-PL" sz="4400" b="0" strike="noStrike" spc="-1">
               <a:solidFill>
                 <a:srgbClr val="000000"/>
               </a:solidFill>
@@ -1479,9 +1630,10 @@
           </a:ln>
         </p:spPr>
         <p:txBody>
-          <a:bodyPr lIns="0" rIns="0" tIns="0" bIns="0" anchor="t">
+          <a:bodyPr lIns="0" tIns="0" rIns="0" bIns="0" anchor="t">
             <a:normAutofit/>
           </a:bodyPr>
+          <a:lstStyle/>
           <a:p>
             <a:pPr indent="0">
               <a:spcBef>
@@ -1489,7 +1641,7 @@
               </a:spcBef>
               <a:buNone/>
             </a:pPr>
-            <a:endParaRPr b="0" lang="pl-PL" sz="3200" spc="-1" strike="noStrike">
+            <a:endParaRPr lang="pl-PL" sz="3200" b="0" strike="noStrike" spc="-1">
               <a:solidFill>
                 <a:srgbClr val="000000"/>
               </a:solidFill>
@@ -1522,9 +1674,10 @@
           </a:ln>
         </p:spPr>
         <p:txBody>
-          <a:bodyPr lIns="0" rIns="0" tIns="0" bIns="0" anchor="t">
+          <a:bodyPr lIns="0" tIns="0" rIns="0" bIns="0" anchor="t">
             <a:normAutofit/>
           </a:bodyPr>
+          <a:lstStyle/>
           <a:p>
             <a:pPr indent="0">
               <a:spcBef>
@@ -1532,7 +1685,7 @@
               </a:spcBef>
               <a:buNone/>
             </a:pPr>
-            <a:endParaRPr b="0" lang="pl-PL" sz="3200" spc="-1" strike="noStrike">
+            <a:endParaRPr lang="pl-PL" sz="3200" b="0" strike="noStrike" spc="-1">
               <a:solidFill>
                 <a:srgbClr val="000000"/>
               </a:solidFill>
@@ -1554,6 +1707,7 @@
         <p:spPr/>
         <p:txBody>
           <a:bodyPr/>
+          <a:lstStyle/>
           <a:p>
             <a:r>
               <a:t>Footer</a:t>
@@ -1574,10 +1728,12 @@
         <p:spPr/>
         <p:txBody>
           <a:bodyPr/>
+          <a:lstStyle/>
           <a:p>
             <a:fld id="{0FE36AB3-FF93-4D76-BEBC-9D2D131F9DE4}" type="slidenum">
-              <a:t>&lt;#&gt;</a:t>
+              <a:t>‹#›</a:t>
             </a:fld>
+            <a:endParaRPr/>
           </a:p>
         </p:txBody>
       </p:sp>
@@ -1594,21 +1750,22 @@
         <p:spPr/>
         <p:txBody>
           <a:bodyPr/>
-          <a:p>
-            <a:r>
-              <a:rPr lang="pl-PL"/>
-              <a:t/>
-            </a:r>
+          <a:lstStyle/>
+          <a:p>
+            <a:endParaRPr/>
           </a:p>
         </p:txBody>
       </p:sp>
     </p:spTree>
   </p:cSld>
+  <p:clrMapOvr>
+    <a:masterClrMapping/>
+  </p:clrMapOvr>
 </p:sldLayout>
 </file>
 
 <file path=ppt/slideLayouts/slideLayout17.xml><?xml version="1.0" encoding="utf-8"?>
-<p:sldLayout xmlns:a="http://schemas.openxmlformats.org/drawingml/2006/main" xmlns:p="http://schemas.openxmlformats.org/presentationml/2006/main" xmlns:r="http://schemas.openxmlformats.org/officeDocument/2006/relationships" xmlns:p14="http://schemas.microsoft.com/office/powerpoint/2010/main" xmlns:p15="http://schemas.microsoft.com/office/powerpoint/2012/main" xmlns:mc="http://schemas.openxmlformats.org/markup-compatibility/2006" type="titleOnly" preserve="1">
+<p:sldLayout xmlns:a="http://schemas.openxmlformats.org/drawingml/2006/main" xmlns:r="http://schemas.openxmlformats.org/officeDocument/2006/relationships" xmlns:p="http://schemas.openxmlformats.org/presentationml/2006/main" type="titleOnly" preserve="1">
   <p:cSld name="Title Only">
     <p:spTree>
       <p:nvGrpSpPr>
@@ -1648,14 +1805,15 @@
           </a:ln>
         </p:spPr>
         <p:txBody>
-          <a:bodyPr lIns="0" rIns="0" tIns="0" bIns="0" anchor="ctr">
+          <a:bodyPr lIns="0" tIns="0" rIns="0" bIns="0" anchor="ctr">
             <a:noAutofit/>
           </a:bodyPr>
+          <a:lstStyle/>
           <a:p>
             <a:pPr indent="0" algn="ctr">
               <a:buNone/>
             </a:pPr>
-            <a:endParaRPr b="0" lang="pl-PL" sz="4400" spc="-1" strike="noStrike">
+            <a:endParaRPr lang="pl-PL" sz="4400" b="0" strike="noStrike" spc="-1">
               <a:solidFill>
                 <a:srgbClr val="000000"/>
               </a:solidFill>
@@ -1677,6 +1835,7 @@
         <p:spPr/>
         <p:txBody>
           <a:bodyPr/>
+          <a:lstStyle/>
           <a:p>
             <a:r>
               <a:t>Footer</a:t>
@@ -1697,10 +1856,12 @@
         <p:spPr/>
         <p:txBody>
           <a:bodyPr/>
+          <a:lstStyle/>
           <a:p>
             <a:fld id="{C62B5710-7DCC-41D4-8BA0-1848D5936B6E}" type="slidenum">
-              <a:t>&lt;#&gt;</a:t>
+              <a:t>‹#›</a:t>
             </a:fld>
+            <a:endParaRPr/>
           </a:p>
         </p:txBody>
       </p:sp>
@@ -1717,21 +1878,22 @@
         <p:spPr/>
         <p:txBody>
           <a:bodyPr/>
-          <a:p>
-            <a:r>
-              <a:rPr lang="pl-PL"/>
-              <a:t/>
-            </a:r>
+          <a:lstStyle/>
+          <a:p>
+            <a:endParaRPr/>
           </a:p>
         </p:txBody>
       </p:sp>
     </p:spTree>
   </p:cSld>
+  <p:clrMapOvr>
+    <a:masterClrMapping/>
+  </p:clrMapOvr>
 </p:sldLayout>
 </file>
 
 <file path=ppt/slideLayouts/slideLayout18.xml><?xml version="1.0" encoding="utf-8"?>
-<p:sldLayout xmlns:a="http://schemas.openxmlformats.org/drawingml/2006/main" xmlns:p="http://schemas.openxmlformats.org/presentationml/2006/main" xmlns:r="http://schemas.openxmlformats.org/officeDocument/2006/relationships" xmlns:p14="http://schemas.microsoft.com/office/powerpoint/2010/main" xmlns:p15="http://schemas.microsoft.com/office/powerpoint/2012/main" xmlns:mc="http://schemas.openxmlformats.org/markup-compatibility/2006" type="objOnly" preserve="1">
+<p:sldLayout xmlns:a="http://schemas.openxmlformats.org/drawingml/2006/main" xmlns:r="http://schemas.openxmlformats.org/officeDocument/2006/relationships" xmlns:p="http://schemas.openxmlformats.org/presentationml/2006/main" type="objOnly" preserve="1">
   <p:cSld name="Centered Text">
     <p:spTree>
       <p:nvGrpSpPr>
@@ -1771,12 +1933,13 @@
           </a:ln>
         </p:spPr>
         <p:txBody>
-          <a:bodyPr lIns="0" rIns="0" tIns="0" bIns="0" anchor="ctr">
+          <a:bodyPr lIns="0" tIns="0" rIns="0" bIns="0" anchor="ctr">
             <a:noAutofit/>
           </a:bodyPr>
+          <a:lstStyle/>
           <a:p>
             <a:pPr algn="ctr"/>
-            <a:endParaRPr b="0" lang="pl-PL" sz="3200" spc="-1" strike="noStrike">
+            <a:endParaRPr lang="pl-PL" sz="3200" b="0" strike="noStrike" spc="-1">
               <a:solidFill>
                 <a:srgbClr val="000000"/>
               </a:solidFill>
@@ -1798,6 +1961,7 @@
         <p:spPr/>
         <p:txBody>
           <a:bodyPr/>
+          <a:lstStyle/>
           <a:p>
             <a:r>
               <a:t>Footer</a:t>
@@ -1818,10 +1982,12 @@
         <p:spPr/>
         <p:txBody>
           <a:bodyPr/>
+          <a:lstStyle/>
           <a:p>
             <a:fld id="{4283770C-B445-47D0-91C4-1D2A3AF420BB}" type="slidenum">
-              <a:t>&lt;#&gt;</a:t>
+              <a:t>‹#›</a:t>
             </a:fld>
+            <a:endParaRPr/>
           </a:p>
         </p:txBody>
       </p:sp>
@@ -1838,21 +2004,22 @@
         <p:spPr/>
         <p:txBody>
           <a:bodyPr/>
-          <a:p>
-            <a:r>
-              <a:rPr lang="pl-PL"/>
-              <a:t/>
-            </a:r>
+          <a:lstStyle/>
+          <a:p>
+            <a:endParaRPr/>
           </a:p>
         </p:txBody>
       </p:sp>
     </p:spTree>
   </p:cSld>
+  <p:clrMapOvr>
+    <a:masterClrMapping/>
+  </p:clrMapOvr>
 </p:sldLayout>
 </file>
 
 <file path=ppt/slideLayouts/slideLayout19.xml><?xml version="1.0" encoding="utf-8"?>
-<p:sldLayout xmlns:a="http://schemas.openxmlformats.org/drawingml/2006/main" xmlns:p="http://schemas.openxmlformats.org/presentationml/2006/main" xmlns:r="http://schemas.openxmlformats.org/officeDocument/2006/relationships" xmlns:p14="http://schemas.microsoft.com/office/powerpoint/2010/main" xmlns:p15="http://schemas.microsoft.com/office/powerpoint/2012/main" xmlns:mc="http://schemas.openxmlformats.org/markup-compatibility/2006" type="twoObjAndObj" preserve="1">
+<p:sldLayout xmlns:a="http://schemas.openxmlformats.org/drawingml/2006/main" xmlns:r="http://schemas.openxmlformats.org/officeDocument/2006/relationships" xmlns:p="http://schemas.openxmlformats.org/presentationml/2006/main" type="twoObjAndObj" preserve="1">
   <p:cSld name="Title, 2 Content and Content">
     <p:spTree>
       <p:nvGrpSpPr>
@@ -1892,14 +2059,15 @@
           </a:ln>
         </p:spPr>
         <p:txBody>
-          <a:bodyPr lIns="0" rIns="0" tIns="0" bIns="0" anchor="ctr">
+          <a:bodyPr lIns="0" tIns="0" rIns="0" bIns="0" anchor="ctr">
             <a:noAutofit/>
           </a:bodyPr>
+          <a:lstStyle/>
           <a:p>
             <a:pPr indent="0" algn="ctr">
               <a:buNone/>
             </a:pPr>
-            <a:endParaRPr b="0" lang="pl-PL" sz="4400" spc="-1" strike="noStrike">
+            <a:endParaRPr lang="pl-PL" sz="4400" b="0" strike="noStrike" spc="-1">
               <a:solidFill>
                 <a:srgbClr val="000000"/>
               </a:solidFill>
@@ -1932,9 +2100,10 @@
           </a:ln>
         </p:spPr>
         <p:txBody>
-          <a:bodyPr lIns="0" rIns="0" tIns="0" bIns="0" anchor="t">
+          <a:bodyPr lIns="0" tIns="0" rIns="0" bIns="0" anchor="t">
             <a:normAutofit/>
           </a:bodyPr>
+          <a:lstStyle/>
           <a:p>
             <a:pPr indent="0">
               <a:spcBef>
@@ -1942,7 +2111,7 @@
               </a:spcBef>
               <a:buNone/>
             </a:pPr>
-            <a:endParaRPr b="0" lang="pl-PL" sz="3200" spc="-1" strike="noStrike">
+            <a:endParaRPr lang="pl-PL" sz="3200" b="0" strike="noStrike" spc="-1">
               <a:solidFill>
                 <a:srgbClr val="000000"/>
               </a:solidFill>
@@ -1975,9 +2144,10 @@
           </a:ln>
         </p:spPr>
         <p:txBody>
-          <a:bodyPr lIns="0" rIns="0" tIns="0" bIns="0" anchor="t">
+          <a:bodyPr lIns="0" tIns="0" rIns="0" bIns="0" anchor="t">
             <a:normAutofit/>
           </a:bodyPr>
+          <a:lstStyle/>
           <a:p>
             <a:pPr indent="0">
               <a:spcBef>
@@ -1985,7 +2155,7 @@
               </a:spcBef>
               <a:buNone/>
             </a:pPr>
-            <a:endParaRPr b="0" lang="pl-PL" sz="3200" spc="-1" strike="noStrike">
+            <a:endParaRPr lang="pl-PL" sz="3200" b="0" strike="noStrike" spc="-1">
               <a:solidFill>
                 <a:srgbClr val="000000"/>
               </a:solidFill>
@@ -2018,9 +2188,10 @@
           </a:ln>
         </p:spPr>
         <p:txBody>
-          <a:bodyPr lIns="0" rIns="0" tIns="0" bIns="0" anchor="t">
+          <a:bodyPr lIns="0" tIns="0" rIns="0" bIns="0" anchor="t">
             <a:normAutofit/>
           </a:bodyPr>
+          <a:lstStyle/>
           <a:p>
             <a:pPr indent="0">
               <a:spcBef>
@@ -2028,7 +2199,7 @@
               </a:spcBef>
               <a:buNone/>
             </a:pPr>
-            <a:endParaRPr b="0" lang="pl-PL" sz="3200" spc="-1" strike="noStrike">
+            <a:endParaRPr lang="pl-PL" sz="3200" b="0" strike="noStrike" spc="-1">
               <a:solidFill>
                 <a:srgbClr val="000000"/>
               </a:solidFill>
@@ -2050,6 +2221,7 @@
         <p:spPr/>
         <p:txBody>
           <a:bodyPr/>
+          <a:lstStyle/>
           <a:p>
             <a:r>
               <a:t>Footer</a:t>
@@ -2070,10 +2242,12 @@
         <p:spPr/>
         <p:txBody>
           <a:bodyPr/>
+          <a:lstStyle/>
           <a:p>
             <a:fld id="{E7FE966B-C800-40F9-B2D9-EBBD7F2F65DB}" type="slidenum">
-              <a:t>&lt;#&gt;</a:t>
+              <a:t>‹#›</a:t>
             </a:fld>
+            <a:endParaRPr/>
           </a:p>
         </p:txBody>
       </p:sp>
@@ -2090,21 +2264,22 @@
         <p:spPr/>
         <p:txBody>
           <a:bodyPr/>
-          <a:p>
-            <a:r>
-              <a:rPr lang="pl-PL"/>
-              <a:t/>
-            </a:r>
+          <a:lstStyle/>
+          <a:p>
+            <a:endParaRPr/>
           </a:p>
         </p:txBody>
       </p:sp>
     </p:spTree>
   </p:cSld>
+  <p:clrMapOvr>
+    <a:masterClrMapping/>
+  </p:clrMapOvr>
 </p:sldLayout>
 </file>
 
 <file path=ppt/slideLayouts/slideLayout2.xml><?xml version="1.0" encoding="utf-8"?>
-<p:sldLayout xmlns:a="http://schemas.openxmlformats.org/drawingml/2006/main" xmlns:p="http://schemas.openxmlformats.org/presentationml/2006/main" xmlns:r="http://schemas.openxmlformats.org/officeDocument/2006/relationships" xmlns:p14="http://schemas.microsoft.com/office/powerpoint/2010/main" xmlns:p15="http://schemas.microsoft.com/office/powerpoint/2012/main" xmlns:mc="http://schemas.openxmlformats.org/markup-compatibility/2006" type="tx" preserve="1">
+<p:sldLayout xmlns:a="http://schemas.openxmlformats.org/drawingml/2006/main" xmlns:r="http://schemas.openxmlformats.org/officeDocument/2006/relationships" xmlns:p="http://schemas.openxmlformats.org/presentationml/2006/main" type="tx" preserve="1">
   <p:cSld name="Title Slide">
     <p:spTree>
       <p:nvGrpSpPr>
@@ -2144,14 +2319,15 @@
           </a:ln>
         </p:spPr>
         <p:txBody>
-          <a:bodyPr lIns="0" rIns="0" tIns="0" bIns="0" anchor="ctr">
+          <a:bodyPr lIns="0" tIns="0" rIns="0" bIns="0" anchor="ctr">
             <a:noAutofit/>
           </a:bodyPr>
+          <a:lstStyle/>
           <a:p>
             <a:pPr indent="0" algn="ctr">
               <a:buNone/>
             </a:pPr>
-            <a:endParaRPr b="0" lang="pl-PL" sz="4400" spc="-1" strike="noStrike">
+            <a:endParaRPr lang="pl-PL" sz="4400" b="0" strike="noStrike" spc="-1">
               <a:solidFill>
                 <a:srgbClr val="000000"/>
               </a:solidFill>
@@ -2184,14 +2360,15 @@
           </a:ln>
         </p:spPr>
         <p:txBody>
-          <a:bodyPr lIns="0" rIns="0" tIns="0" bIns="0" anchor="ctr">
+          <a:bodyPr lIns="0" tIns="0" rIns="0" bIns="0" anchor="ctr">
             <a:noAutofit/>
           </a:bodyPr>
+          <a:lstStyle/>
           <a:p>
             <a:pPr indent="0" algn="ctr">
               <a:buNone/>
             </a:pPr>
-            <a:endParaRPr b="0" lang="pl-PL" sz="3200" spc="-1" strike="noStrike">
+            <a:endParaRPr lang="pl-PL" sz="3200" b="0" strike="noStrike" spc="-1">
               <a:solidFill>
                 <a:srgbClr val="000000"/>
               </a:solidFill>
@@ -2213,6 +2390,7 @@
         <p:spPr/>
         <p:txBody>
           <a:bodyPr/>
+          <a:lstStyle/>
           <a:p>
             <a:r>
               <a:t>Footer</a:t>
@@ -2222,7 +2400,7 @@
       </p:sp>
       <p:sp>
         <p:nvSpPr>
-          <p:cNvPr id="5" name="PlaceHolder 4"/>
+          <p:cNvPr id="2" name="PlaceHolder 4"/>
           <p:cNvSpPr>
             <a:spLocks noGrp="1"/>
           </p:cNvSpPr>
@@ -2233,16 +2411,18 @@
         <p:spPr/>
         <p:txBody>
           <a:bodyPr/>
+          <a:lstStyle/>
           <a:p>
             <a:fld id="{EE7875A7-C5E1-43F6-8CCD-1B2389F75670}" type="slidenum">
-              <a:t>&lt;#&gt;</a:t>
+              <a:t>‹#›</a:t>
             </a:fld>
-          </a:p>
-        </p:txBody>
-      </p:sp>
-      <p:sp>
-        <p:nvSpPr>
-          <p:cNvPr id="6" name="PlaceHolder 5"/>
+            <a:endParaRPr/>
+          </a:p>
+        </p:txBody>
+      </p:sp>
+      <p:sp>
+        <p:nvSpPr>
+          <p:cNvPr id="3" name="PlaceHolder 5"/>
           <p:cNvSpPr>
             <a:spLocks noGrp="1"/>
           </p:cNvSpPr>
@@ -2253,21 +2433,22 @@
         <p:spPr/>
         <p:txBody>
           <a:bodyPr/>
-          <a:p>
-            <a:r>
-              <a:rPr lang="pl-PL"/>
-              <a:t/>
-            </a:r>
+          <a:lstStyle/>
+          <a:p>
+            <a:endParaRPr/>
           </a:p>
         </p:txBody>
       </p:sp>
     </p:spTree>
   </p:cSld>
+  <p:clrMapOvr>
+    <a:masterClrMapping/>
+  </p:clrMapOvr>
 </p:sldLayout>
 </file>
 
 <file path=ppt/slideLayouts/slideLayout20.xml><?xml version="1.0" encoding="utf-8"?>
-<p:sldLayout xmlns:a="http://schemas.openxmlformats.org/drawingml/2006/main" xmlns:p="http://schemas.openxmlformats.org/presentationml/2006/main" xmlns:r="http://schemas.openxmlformats.org/officeDocument/2006/relationships" xmlns:p14="http://schemas.microsoft.com/office/powerpoint/2010/main" xmlns:p15="http://schemas.microsoft.com/office/powerpoint/2012/main" xmlns:mc="http://schemas.openxmlformats.org/markup-compatibility/2006" type="objAndTwoObj" preserve="1">
+<p:sldLayout xmlns:a="http://schemas.openxmlformats.org/drawingml/2006/main" xmlns:r="http://schemas.openxmlformats.org/officeDocument/2006/relationships" xmlns:p="http://schemas.openxmlformats.org/presentationml/2006/main" type="objAndTwoObj" preserve="1">
   <p:cSld name="Title Content and 2 Content">
     <p:spTree>
       <p:nvGrpSpPr>
@@ -2307,14 +2488,15 @@
           </a:ln>
         </p:spPr>
         <p:txBody>
-          <a:bodyPr lIns="0" rIns="0" tIns="0" bIns="0" anchor="ctr">
+          <a:bodyPr lIns="0" tIns="0" rIns="0" bIns="0" anchor="ctr">
             <a:noAutofit/>
           </a:bodyPr>
+          <a:lstStyle/>
           <a:p>
             <a:pPr indent="0" algn="ctr">
               <a:buNone/>
             </a:pPr>
-            <a:endParaRPr b="0" lang="pl-PL" sz="4400" spc="-1" strike="noStrike">
+            <a:endParaRPr lang="pl-PL" sz="4400" b="0" strike="noStrike" spc="-1">
               <a:solidFill>
                 <a:srgbClr val="000000"/>
               </a:solidFill>
@@ -2347,9 +2529,10 @@
           </a:ln>
         </p:spPr>
         <p:txBody>
-          <a:bodyPr lIns="0" rIns="0" tIns="0" bIns="0" anchor="t">
+          <a:bodyPr lIns="0" tIns="0" rIns="0" bIns="0" anchor="t">
             <a:normAutofit/>
           </a:bodyPr>
+          <a:lstStyle/>
           <a:p>
             <a:pPr indent="0">
               <a:spcBef>
@@ -2357,7 +2540,7 @@
               </a:spcBef>
               <a:buNone/>
             </a:pPr>
-            <a:endParaRPr b="0" lang="pl-PL" sz="3200" spc="-1" strike="noStrike">
+            <a:endParaRPr lang="pl-PL" sz="3200" b="0" strike="noStrike" spc="-1">
               <a:solidFill>
                 <a:srgbClr val="000000"/>
               </a:solidFill>
@@ -2390,9 +2573,10 @@
           </a:ln>
         </p:spPr>
         <p:txBody>
-          <a:bodyPr lIns="0" rIns="0" tIns="0" bIns="0" anchor="t">
+          <a:bodyPr lIns="0" tIns="0" rIns="0" bIns="0" anchor="t">
             <a:normAutofit/>
           </a:bodyPr>
+          <a:lstStyle/>
           <a:p>
             <a:pPr indent="0">
               <a:spcBef>
@@ -2400,7 +2584,7 @@
               </a:spcBef>
               <a:buNone/>
             </a:pPr>
-            <a:endParaRPr b="0" lang="pl-PL" sz="3200" spc="-1" strike="noStrike">
+            <a:endParaRPr lang="pl-PL" sz="3200" b="0" strike="noStrike" spc="-1">
               <a:solidFill>
                 <a:srgbClr val="000000"/>
               </a:solidFill>
@@ -2433,9 +2617,10 @@
           </a:ln>
         </p:spPr>
         <p:txBody>
-          <a:bodyPr lIns="0" rIns="0" tIns="0" bIns="0" anchor="t">
+          <a:bodyPr lIns="0" tIns="0" rIns="0" bIns="0" anchor="t">
             <a:normAutofit/>
           </a:bodyPr>
+          <a:lstStyle/>
           <a:p>
             <a:pPr indent="0">
               <a:spcBef>
@@ -2443,7 +2628,7 @@
               </a:spcBef>
               <a:buNone/>
             </a:pPr>
-            <a:endParaRPr b="0" lang="pl-PL" sz="3200" spc="-1" strike="noStrike">
+            <a:endParaRPr lang="pl-PL" sz="3200" b="0" strike="noStrike" spc="-1">
               <a:solidFill>
                 <a:srgbClr val="000000"/>
               </a:solidFill>
@@ -2465,6 +2650,7 @@
         <p:spPr/>
         <p:txBody>
           <a:bodyPr/>
+          <a:lstStyle/>
           <a:p>
             <a:r>
               <a:t>Footer</a:t>
@@ -2485,10 +2671,12 @@
         <p:spPr/>
         <p:txBody>
           <a:bodyPr/>
+          <a:lstStyle/>
           <a:p>
             <a:fld id="{68D3F09A-B33B-4D12-A98D-E2DF331B3287}" type="slidenum">
-              <a:t>&lt;#&gt;</a:t>
+              <a:t>‹#›</a:t>
             </a:fld>
+            <a:endParaRPr/>
           </a:p>
         </p:txBody>
       </p:sp>
@@ -2505,21 +2693,22 @@
         <p:spPr/>
         <p:txBody>
           <a:bodyPr/>
-          <a:p>
-            <a:r>
-              <a:rPr lang="pl-PL"/>
-              <a:t/>
-            </a:r>
+          <a:lstStyle/>
+          <a:p>
+            <a:endParaRPr/>
           </a:p>
         </p:txBody>
       </p:sp>
     </p:spTree>
   </p:cSld>
+  <p:clrMapOvr>
+    <a:masterClrMapping/>
+  </p:clrMapOvr>
 </p:sldLayout>
 </file>
 
 <file path=ppt/slideLayouts/slideLayout21.xml><?xml version="1.0" encoding="utf-8"?>
-<p:sldLayout xmlns:a="http://schemas.openxmlformats.org/drawingml/2006/main" xmlns:p="http://schemas.openxmlformats.org/presentationml/2006/main" xmlns:r="http://schemas.openxmlformats.org/officeDocument/2006/relationships" xmlns:p14="http://schemas.microsoft.com/office/powerpoint/2010/main" xmlns:p15="http://schemas.microsoft.com/office/powerpoint/2012/main" xmlns:mc="http://schemas.openxmlformats.org/markup-compatibility/2006" type="twoObjOverTx" preserve="1">
+<p:sldLayout xmlns:a="http://schemas.openxmlformats.org/drawingml/2006/main" xmlns:r="http://schemas.openxmlformats.org/officeDocument/2006/relationships" xmlns:p="http://schemas.openxmlformats.org/presentationml/2006/main" type="twoObjOverTx" preserve="1">
   <p:cSld name="Title, 2 Content over Content">
     <p:spTree>
       <p:nvGrpSpPr>
@@ -2559,14 +2748,15 @@
           </a:ln>
         </p:spPr>
         <p:txBody>
-          <a:bodyPr lIns="0" rIns="0" tIns="0" bIns="0" anchor="ctr">
+          <a:bodyPr lIns="0" tIns="0" rIns="0" bIns="0" anchor="ctr">
             <a:noAutofit/>
           </a:bodyPr>
+          <a:lstStyle/>
           <a:p>
             <a:pPr indent="0" algn="ctr">
               <a:buNone/>
             </a:pPr>
-            <a:endParaRPr b="0" lang="pl-PL" sz="4400" spc="-1" strike="noStrike">
+            <a:endParaRPr lang="pl-PL" sz="4400" b="0" strike="noStrike" spc="-1">
               <a:solidFill>
                 <a:srgbClr val="000000"/>
               </a:solidFill>
@@ -2599,9 +2789,10 @@
           </a:ln>
         </p:spPr>
         <p:txBody>
-          <a:bodyPr lIns="0" rIns="0" tIns="0" bIns="0" anchor="t">
+          <a:bodyPr lIns="0" tIns="0" rIns="0" bIns="0" anchor="t">
             <a:normAutofit/>
           </a:bodyPr>
+          <a:lstStyle/>
           <a:p>
             <a:pPr indent="0">
               <a:spcBef>
@@ -2609,7 +2800,7 @@
               </a:spcBef>
               <a:buNone/>
             </a:pPr>
-            <a:endParaRPr b="0" lang="pl-PL" sz="3200" spc="-1" strike="noStrike">
+            <a:endParaRPr lang="pl-PL" sz="3200" b="0" strike="noStrike" spc="-1">
               <a:solidFill>
                 <a:srgbClr val="000000"/>
               </a:solidFill>
@@ -2642,9 +2833,10 @@
           </a:ln>
         </p:spPr>
         <p:txBody>
-          <a:bodyPr lIns="0" rIns="0" tIns="0" bIns="0" anchor="t">
+          <a:bodyPr lIns="0" tIns="0" rIns="0" bIns="0" anchor="t">
             <a:normAutofit/>
           </a:bodyPr>
+          <a:lstStyle/>
           <a:p>
             <a:pPr indent="0">
               <a:spcBef>
@@ -2652,7 +2844,7 @@
               </a:spcBef>
               <a:buNone/>
             </a:pPr>
-            <a:endParaRPr b="0" lang="pl-PL" sz="3200" spc="-1" strike="noStrike">
+            <a:endParaRPr lang="pl-PL" sz="3200" b="0" strike="noStrike" spc="-1">
               <a:solidFill>
                 <a:srgbClr val="000000"/>
               </a:solidFill>
@@ -2685,9 +2877,10 @@
           </a:ln>
         </p:spPr>
         <p:txBody>
-          <a:bodyPr lIns="0" rIns="0" tIns="0" bIns="0" anchor="t">
+          <a:bodyPr lIns="0" tIns="0" rIns="0" bIns="0" anchor="t">
             <a:normAutofit/>
           </a:bodyPr>
+          <a:lstStyle/>
           <a:p>
             <a:pPr indent="0">
               <a:spcBef>
@@ -2695,7 +2888,7 @@
               </a:spcBef>
               <a:buNone/>
             </a:pPr>
-            <a:endParaRPr b="0" lang="pl-PL" sz="3200" spc="-1" strike="noStrike">
+            <a:endParaRPr lang="pl-PL" sz="3200" b="0" strike="noStrike" spc="-1">
               <a:solidFill>
                 <a:srgbClr val="000000"/>
               </a:solidFill>
@@ -2717,6 +2910,7 @@
         <p:spPr/>
         <p:txBody>
           <a:bodyPr/>
+          <a:lstStyle/>
           <a:p>
             <a:r>
               <a:t>Footer</a:t>
@@ -2737,10 +2931,12 @@
         <p:spPr/>
         <p:txBody>
           <a:bodyPr/>
+          <a:lstStyle/>
           <a:p>
             <a:fld id="{5445626E-2E26-4258-99AF-9E7781164B20}" type="slidenum">
-              <a:t>&lt;#&gt;</a:t>
+              <a:t>‹#›</a:t>
             </a:fld>
+            <a:endParaRPr/>
           </a:p>
         </p:txBody>
       </p:sp>
@@ -2757,21 +2953,22 @@
         <p:spPr/>
         <p:txBody>
           <a:bodyPr/>
-          <a:p>
-            <a:r>
-              <a:rPr lang="pl-PL"/>
-              <a:t/>
-            </a:r>
+          <a:lstStyle/>
+          <a:p>
+            <a:endParaRPr/>
           </a:p>
         </p:txBody>
       </p:sp>
     </p:spTree>
   </p:cSld>
+  <p:clrMapOvr>
+    <a:masterClrMapping/>
+  </p:clrMapOvr>
 </p:sldLayout>
 </file>
 
 <file path=ppt/slideLayouts/slideLayout22.xml><?xml version="1.0" encoding="utf-8"?>
-<p:sldLayout xmlns:a="http://schemas.openxmlformats.org/drawingml/2006/main" xmlns:p="http://schemas.openxmlformats.org/presentationml/2006/main" xmlns:r="http://schemas.openxmlformats.org/officeDocument/2006/relationships" xmlns:p14="http://schemas.microsoft.com/office/powerpoint/2010/main" xmlns:p15="http://schemas.microsoft.com/office/powerpoint/2012/main" xmlns:mc="http://schemas.openxmlformats.org/markup-compatibility/2006" type="objOverTx" preserve="1">
+<p:sldLayout xmlns:a="http://schemas.openxmlformats.org/drawingml/2006/main" xmlns:r="http://schemas.openxmlformats.org/officeDocument/2006/relationships" xmlns:p="http://schemas.openxmlformats.org/presentationml/2006/main" type="objOverTx" preserve="1">
   <p:cSld name="Title, Content over Content">
     <p:spTree>
       <p:nvGrpSpPr>
@@ -2811,14 +3008,15 @@
           </a:ln>
         </p:spPr>
         <p:txBody>
-          <a:bodyPr lIns="0" rIns="0" tIns="0" bIns="0" anchor="ctr">
+          <a:bodyPr lIns="0" tIns="0" rIns="0" bIns="0" anchor="ctr">
             <a:noAutofit/>
           </a:bodyPr>
+          <a:lstStyle/>
           <a:p>
             <a:pPr indent="0" algn="ctr">
               <a:buNone/>
             </a:pPr>
-            <a:endParaRPr b="0" lang="pl-PL" sz="4400" spc="-1" strike="noStrike">
+            <a:endParaRPr lang="pl-PL" sz="4400" b="0" strike="noStrike" spc="-1">
               <a:solidFill>
                 <a:srgbClr val="000000"/>
               </a:solidFill>
@@ -2851,9 +3049,10 @@
           </a:ln>
         </p:spPr>
         <p:txBody>
-          <a:bodyPr lIns="0" rIns="0" tIns="0" bIns="0" anchor="t">
+          <a:bodyPr lIns="0" tIns="0" rIns="0" bIns="0" anchor="t">
             <a:normAutofit/>
           </a:bodyPr>
+          <a:lstStyle/>
           <a:p>
             <a:pPr indent="0">
               <a:spcBef>
@@ -2861,7 +3060,7 @@
               </a:spcBef>
               <a:buNone/>
             </a:pPr>
-            <a:endParaRPr b="0" lang="pl-PL" sz="3200" spc="-1" strike="noStrike">
+            <a:endParaRPr lang="pl-PL" sz="3200" b="0" strike="noStrike" spc="-1">
               <a:solidFill>
                 <a:srgbClr val="000000"/>
               </a:solidFill>
@@ -2894,9 +3093,10 @@
           </a:ln>
         </p:spPr>
         <p:txBody>
-          <a:bodyPr lIns="0" rIns="0" tIns="0" bIns="0" anchor="t">
+          <a:bodyPr lIns="0" tIns="0" rIns="0" bIns="0" anchor="t">
             <a:normAutofit/>
           </a:bodyPr>
+          <a:lstStyle/>
           <a:p>
             <a:pPr indent="0">
               <a:spcBef>
@@ -2904,7 +3104,7 @@
               </a:spcBef>
               <a:buNone/>
             </a:pPr>
-            <a:endParaRPr b="0" lang="pl-PL" sz="3200" spc="-1" strike="noStrike">
+            <a:endParaRPr lang="pl-PL" sz="3200" b="0" strike="noStrike" spc="-1">
               <a:solidFill>
                 <a:srgbClr val="000000"/>
               </a:solidFill>
@@ -2926,6 +3126,7 @@
         <p:spPr/>
         <p:txBody>
           <a:bodyPr/>
+          <a:lstStyle/>
           <a:p>
             <a:r>
               <a:t>Footer</a:t>
@@ -2946,10 +3147,12 @@
         <p:spPr/>
         <p:txBody>
           <a:bodyPr/>
+          <a:lstStyle/>
           <a:p>
             <a:fld id="{485916F9-5A6E-4D64-87EB-C05174F2AE3A}" type="slidenum">
-              <a:t>&lt;#&gt;</a:t>
+              <a:t>‹#›</a:t>
             </a:fld>
+            <a:endParaRPr/>
           </a:p>
         </p:txBody>
       </p:sp>
@@ -2966,21 +3169,22 @@
         <p:spPr/>
         <p:txBody>
           <a:bodyPr/>
-          <a:p>
-            <a:r>
-              <a:rPr lang="pl-PL"/>
-              <a:t/>
-            </a:r>
+          <a:lstStyle/>
+          <a:p>
+            <a:endParaRPr/>
           </a:p>
         </p:txBody>
       </p:sp>
     </p:spTree>
   </p:cSld>
+  <p:clrMapOvr>
+    <a:masterClrMapping/>
+  </p:clrMapOvr>
 </p:sldLayout>
 </file>
 
 <file path=ppt/slideLayouts/slideLayout23.xml><?xml version="1.0" encoding="utf-8"?>
-<p:sldLayout xmlns:a="http://schemas.openxmlformats.org/drawingml/2006/main" xmlns:p="http://schemas.openxmlformats.org/presentationml/2006/main" xmlns:r="http://schemas.openxmlformats.org/officeDocument/2006/relationships" xmlns:p14="http://schemas.microsoft.com/office/powerpoint/2010/main" xmlns:p15="http://schemas.microsoft.com/office/powerpoint/2012/main" xmlns:mc="http://schemas.openxmlformats.org/markup-compatibility/2006" type="fourObj" preserve="1">
+<p:sldLayout xmlns:a="http://schemas.openxmlformats.org/drawingml/2006/main" xmlns:r="http://schemas.openxmlformats.org/officeDocument/2006/relationships" xmlns:p="http://schemas.openxmlformats.org/presentationml/2006/main" type="fourObj" preserve="1">
   <p:cSld name="Title, 4 Content">
     <p:spTree>
       <p:nvGrpSpPr>
@@ -3020,14 +3224,15 @@
           </a:ln>
         </p:spPr>
         <p:txBody>
-          <a:bodyPr lIns="0" rIns="0" tIns="0" bIns="0" anchor="ctr">
+          <a:bodyPr lIns="0" tIns="0" rIns="0" bIns="0" anchor="ctr">
             <a:noAutofit/>
           </a:bodyPr>
+          <a:lstStyle/>
           <a:p>
             <a:pPr indent="0" algn="ctr">
               <a:buNone/>
             </a:pPr>
-            <a:endParaRPr b="0" lang="pl-PL" sz="4400" spc="-1" strike="noStrike">
+            <a:endParaRPr lang="pl-PL" sz="4400" b="0" strike="noStrike" spc="-1">
               <a:solidFill>
                 <a:srgbClr val="000000"/>
               </a:solidFill>
@@ -3060,9 +3265,10 @@
           </a:ln>
         </p:spPr>
         <p:txBody>
-          <a:bodyPr lIns="0" rIns="0" tIns="0" bIns="0" anchor="t">
+          <a:bodyPr lIns="0" tIns="0" rIns="0" bIns="0" anchor="t">
             <a:normAutofit/>
           </a:bodyPr>
+          <a:lstStyle/>
           <a:p>
             <a:pPr indent="0">
               <a:spcBef>
@@ -3070,7 +3276,7 @@
               </a:spcBef>
               <a:buNone/>
             </a:pPr>
-            <a:endParaRPr b="0" lang="pl-PL" sz="3200" spc="-1" strike="noStrike">
+            <a:endParaRPr lang="pl-PL" sz="3200" b="0" strike="noStrike" spc="-1">
               <a:solidFill>
                 <a:srgbClr val="000000"/>
               </a:solidFill>
@@ -3103,9 +3309,10 @@
           </a:ln>
         </p:spPr>
         <p:txBody>
-          <a:bodyPr lIns="0" rIns="0" tIns="0" bIns="0" anchor="t">
+          <a:bodyPr lIns="0" tIns="0" rIns="0" bIns="0" anchor="t">
             <a:normAutofit/>
           </a:bodyPr>
+          <a:lstStyle/>
           <a:p>
             <a:pPr indent="0">
               <a:spcBef>
@@ -3113,7 +3320,7 @@
               </a:spcBef>
               <a:buNone/>
             </a:pPr>
-            <a:endParaRPr b="0" lang="pl-PL" sz="3200" spc="-1" strike="noStrike">
+            <a:endParaRPr lang="pl-PL" sz="3200" b="0" strike="noStrike" spc="-1">
               <a:solidFill>
                 <a:srgbClr val="000000"/>
               </a:solidFill>
@@ -3146,9 +3353,10 @@
           </a:ln>
         </p:spPr>
         <p:txBody>
-          <a:bodyPr lIns="0" rIns="0" tIns="0" bIns="0" anchor="t">
+          <a:bodyPr lIns="0" tIns="0" rIns="0" bIns="0" anchor="t">
             <a:normAutofit/>
           </a:bodyPr>
+          <a:lstStyle/>
           <a:p>
             <a:pPr indent="0">
               <a:spcBef>
@@ -3156,7 +3364,7 @@
               </a:spcBef>
               <a:buNone/>
             </a:pPr>
-            <a:endParaRPr b="0" lang="pl-PL" sz="3200" spc="-1" strike="noStrike">
+            <a:endParaRPr lang="pl-PL" sz="3200" b="0" strike="noStrike" spc="-1">
               <a:solidFill>
                 <a:srgbClr val="000000"/>
               </a:solidFill>
@@ -3189,9 +3397,10 @@
           </a:ln>
         </p:spPr>
         <p:txBody>
-          <a:bodyPr lIns="0" rIns="0" tIns="0" bIns="0" anchor="t">
+          <a:bodyPr lIns="0" tIns="0" rIns="0" bIns="0" anchor="t">
             <a:normAutofit/>
           </a:bodyPr>
+          <a:lstStyle/>
           <a:p>
             <a:pPr indent="0">
               <a:spcBef>
@@ -3199,7 +3408,7 @@
               </a:spcBef>
               <a:buNone/>
             </a:pPr>
-            <a:endParaRPr b="0" lang="pl-PL" sz="3200" spc="-1" strike="noStrike">
+            <a:endParaRPr lang="pl-PL" sz="3200" b="0" strike="noStrike" spc="-1">
               <a:solidFill>
                 <a:srgbClr val="000000"/>
               </a:solidFill>
@@ -3221,6 +3430,7 @@
         <p:spPr/>
         <p:txBody>
           <a:bodyPr/>
+          <a:lstStyle/>
           <a:p>
             <a:r>
               <a:t>Footer</a:t>
@@ -3241,10 +3451,12 @@
         <p:spPr/>
         <p:txBody>
           <a:bodyPr/>
+          <a:lstStyle/>
           <a:p>
             <a:fld id="{DFA57AF9-4D98-4312-8AD0-EF5AA19BEC2D}" type="slidenum">
-              <a:t>&lt;#&gt;</a:t>
+              <a:t>‹#›</a:t>
             </a:fld>
+            <a:endParaRPr/>
           </a:p>
         </p:txBody>
       </p:sp>
@@ -3261,21 +3473,22 @@
         <p:spPr/>
         <p:txBody>
           <a:bodyPr/>
-          <a:p>
-            <a:r>
-              <a:rPr lang="pl-PL"/>
-              <a:t/>
-            </a:r>
+          <a:lstStyle/>
+          <a:p>
+            <a:endParaRPr/>
           </a:p>
         </p:txBody>
       </p:sp>
     </p:spTree>
   </p:cSld>
+  <p:clrMapOvr>
+    <a:masterClrMapping/>
+  </p:clrMapOvr>
 </p:sldLayout>
 </file>
 
 <file path=ppt/slideLayouts/slideLayout24.xml><?xml version="1.0" encoding="utf-8"?>
-<p:sldLayout xmlns:a="http://schemas.openxmlformats.org/drawingml/2006/main" xmlns:p="http://schemas.openxmlformats.org/presentationml/2006/main" xmlns:r="http://schemas.openxmlformats.org/officeDocument/2006/relationships" xmlns:p14="http://schemas.microsoft.com/office/powerpoint/2010/main" xmlns:p15="http://schemas.microsoft.com/office/powerpoint/2012/main" xmlns:mc="http://schemas.openxmlformats.org/markup-compatibility/2006" type="blank" preserve="1">
+<p:sldLayout xmlns:a="http://schemas.openxmlformats.org/drawingml/2006/main" xmlns:r="http://schemas.openxmlformats.org/officeDocument/2006/relationships" xmlns:p="http://schemas.openxmlformats.org/presentationml/2006/main" type="blank" preserve="1">
   <p:cSld name="Title, 6 Content">
     <p:spTree>
       <p:nvGrpSpPr>
@@ -3315,14 +3528,15 @@
           </a:ln>
         </p:spPr>
         <p:txBody>
-          <a:bodyPr lIns="0" rIns="0" tIns="0" bIns="0" anchor="ctr">
+          <a:bodyPr lIns="0" tIns="0" rIns="0" bIns="0" anchor="ctr">
             <a:noAutofit/>
           </a:bodyPr>
+          <a:lstStyle/>
           <a:p>
             <a:pPr indent="0" algn="ctr">
               <a:buNone/>
             </a:pPr>
-            <a:endParaRPr b="0" lang="pl-PL" sz="4400" spc="-1" strike="noStrike">
+            <a:endParaRPr lang="pl-PL" sz="4400" b="0" strike="noStrike" spc="-1">
               <a:solidFill>
                 <a:srgbClr val="000000"/>
               </a:solidFill>
@@ -3355,9 +3569,10 @@
           </a:ln>
         </p:spPr>
         <p:txBody>
-          <a:bodyPr lIns="0" rIns="0" tIns="0" bIns="0" anchor="t">
+          <a:bodyPr lIns="0" tIns="0" rIns="0" bIns="0" anchor="t">
             <a:normAutofit/>
           </a:bodyPr>
+          <a:lstStyle/>
           <a:p>
             <a:pPr indent="0">
               <a:spcBef>
@@ -3365,7 +3580,7 @@
               </a:spcBef>
               <a:buNone/>
             </a:pPr>
-            <a:endParaRPr b="0" lang="pl-PL" sz="3200" spc="-1" strike="noStrike">
+            <a:endParaRPr lang="pl-PL" sz="3200" b="0" strike="noStrike" spc="-1">
               <a:solidFill>
                 <a:srgbClr val="000000"/>
               </a:solidFill>
@@ -3398,9 +3613,10 @@
           </a:ln>
         </p:spPr>
         <p:txBody>
-          <a:bodyPr lIns="0" rIns="0" tIns="0" bIns="0" anchor="t">
+          <a:bodyPr lIns="0" tIns="0" rIns="0" bIns="0" anchor="t">
             <a:normAutofit/>
           </a:bodyPr>
+          <a:lstStyle/>
           <a:p>
             <a:pPr indent="0">
               <a:spcBef>
@@ -3408,7 +3624,7 @@
               </a:spcBef>
               <a:buNone/>
             </a:pPr>
-            <a:endParaRPr b="0" lang="pl-PL" sz="3200" spc="-1" strike="noStrike">
+            <a:endParaRPr lang="pl-PL" sz="3200" b="0" strike="noStrike" spc="-1">
               <a:solidFill>
                 <a:srgbClr val="000000"/>
               </a:solidFill>
@@ -3441,9 +3657,10 @@
           </a:ln>
         </p:spPr>
         <p:txBody>
-          <a:bodyPr lIns="0" rIns="0" tIns="0" bIns="0" anchor="t">
+          <a:bodyPr lIns="0" tIns="0" rIns="0" bIns="0" anchor="t">
             <a:normAutofit/>
           </a:bodyPr>
+          <a:lstStyle/>
           <a:p>
             <a:pPr indent="0">
               <a:spcBef>
@@ -3451,7 +3668,7 @@
               </a:spcBef>
               <a:buNone/>
             </a:pPr>
-            <a:endParaRPr b="0" lang="pl-PL" sz="3200" spc="-1" strike="noStrike">
+            <a:endParaRPr lang="pl-PL" sz="3200" b="0" strike="noStrike" spc="-1">
               <a:solidFill>
                 <a:srgbClr val="000000"/>
               </a:solidFill>
@@ -3484,9 +3701,10 @@
           </a:ln>
         </p:spPr>
         <p:txBody>
-          <a:bodyPr lIns="0" rIns="0" tIns="0" bIns="0" anchor="t">
+          <a:bodyPr lIns="0" tIns="0" rIns="0" bIns="0" anchor="t">
             <a:normAutofit/>
           </a:bodyPr>
+          <a:lstStyle/>
           <a:p>
             <a:pPr indent="0">
               <a:spcBef>
@@ -3494,7 +3712,7 @@
               </a:spcBef>
               <a:buNone/>
             </a:pPr>
-            <a:endParaRPr b="0" lang="pl-PL" sz="3200" spc="-1" strike="noStrike">
+            <a:endParaRPr lang="pl-PL" sz="3200" b="0" strike="noStrike" spc="-1">
               <a:solidFill>
                 <a:srgbClr val="000000"/>
               </a:solidFill>
@@ -3527,9 +3745,10 @@
           </a:ln>
         </p:spPr>
         <p:txBody>
-          <a:bodyPr lIns="0" rIns="0" tIns="0" bIns="0" anchor="t">
+          <a:bodyPr lIns="0" tIns="0" rIns="0" bIns="0" anchor="t">
             <a:normAutofit/>
           </a:bodyPr>
+          <a:lstStyle/>
           <a:p>
             <a:pPr indent="0">
               <a:spcBef>
@@ -3537,7 +3756,7 @@
               </a:spcBef>
               <a:buNone/>
             </a:pPr>
-            <a:endParaRPr b="0" lang="pl-PL" sz="3200" spc="-1" strike="noStrike">
+            <a:endParaRPr lang="pl-PL" sz="3200" b="0" strike="noStrike" spc="-1">
               <a:solidFill>
                 <a:srgbClr val="000000"/>
               </a:solidFill>
@@ -3570,9 +3789,10 @@
           </a:ln>
         </p:spPr>
         <p:txBody>
-          <a:bodyPr lIns="0" rIns="0" tIns="0" bIns="0" anchor="t">
+          <a:bodyPr lIns="0" tIns="0" rIns="0" bIns="0" anchor="t">
             <a:normAutofit/>
           </a:bodyPr>
+          <a:lstStyle/>
           <a:p>
             <a:pPr indent="0">
               <a:spcBef>
@@ -3580,7 +3800,7 @@
               </a:spcBef>
               <a:buNone/>
             </a:pPr>
-            <a:endParaRPr b="0" lang="pl-PL" sz="3200" spc="-1" strike="noStrike">
+            <a:endParaRPr lang="pl-PL" sz="3200" b="0" strike="noStrike" spc="-1">
               <a:solidFill>
                 <a:srgbClr val="000000"/>
               </a:solidFill>
@@ -3602,6 +3822,7 @@
         <p:spPr/>
         <p:txBody>
           <a:bodyPr/>
+          <a:lstStyle/>
           <a:p>
             <a:r>
               <a:t>Footer</a:t>
@@ -3622,10 +3843,12 @@
         <p:spPr/>
         <p:txBody>
           <a:bodyPr/>
+          <a:lstStyle/>
           <a:p>
             <a:fld id="{60B2D8FD-52D1-43CC-9E0A-3949AC31B3D2}" type="slidenum">
-              <a:t>&lt;#&gt;</a:t>
+              <a:t>‹#›</a:t>
             </a:fld>
+            <a:endParaRPr/>
           </a:p>
         </p:txBody>
       </p:sp>
@@ -3642,21 +3865,22 @@
         <p:spPr/>
         <p:txBody>
           <a:bodyPr/>
-          <a:p>
-            <a:r>
-              <a:rPr lang="pl-PL"/>
-              <a:t/>
-            </a:r>
+          <a:lstStyle/>
+          <a:p>
+            <a:endParaRPr/>
           </a:p>
         </p:txBody>
       </p:sp>
     </p:spTree>
   </p:cSld>
+  <p:clrMapOvr>
+    <a:masterClrMapping/>
+  </p:clrMapOvr>
 </p:sldLayout>
 </file>
 
 <file path=ppt/slideLayouts/slideLayout3.xml><?xml version="1.0" encoding="utf-8"?>
-<p:sldLayout xmlns:a="http://schemas.openxmlformats.org/drawingml/2006/main" xmlns:p="http://schemas.openxmlformats.org/presentationml/2006/main" xmlns:r="http://schemas.openxmlformats.org/officeDocument/2006/relationships" xmlns:p14="http://schemas.microsoft.com/office/powerpoint/2010/main" xmlns:p15="http://schemas.microsoft.com/office/powerpoint/2012/main" xmlns:mc="http://schemas.openxmlformats.org/markup-compatibility/2006" type="obj" preserve="1">
+<p:sldLayout xmlns:a="http://schemas.openxmlformats.org/drawingml/2006/main" xmlns:r="http://schemas.openxmlformats.org/officeDocument/2006/relationships" xmlns:p="http://schemas.openxmlformats.org/presentationml/2006/main" type="obj" preserve="1">
   <p:cSld name="Title, Content">
     <p:spTree>
       <p:nvGrpSpPr>
@@ -3696,14 +3920,15 @@
           </a:ln>
         </p:spPr>
         <p:txBody>
-          <a:bodyPr lIns="0" rIns="0" tIns="0" bIns="0" anchor="ctr">
+          <a:bodyPr lIns="0" tIns="0" rIns="0" bIns="0" anchor="ctr">
             <a:noAutofit/>
           </a:bodyPr>
+          <a:lstStyle/>
           <a:p>
             <a:pPr indent="0" algn="ctr">
               <a:buNone/>
             </a:pPr>
-            <a:endParaRPr b="0" lang="pl-PL" sz="4400" spc="-1" strike="noStrike">
+            <a:endParaRPr lang="pl-PL" sz="4400" b="0" strike="noStrike" spc="-1">
               <a:solidFill>
                 <a:srgbClr val="000000"/>
               </a:solidFill>
@@ -3736,9 +3961,10 @@
           </a:ln>
         </p:spPr>
         <p:txBody>
-          <a:bodyPr lIns="0" rIns="0" tIns="0" bIns="0" anchor="t">
+          <a:bodyPr lIns="0" tIns="0" rIns="0" bIns="0" anchor="t">
             <a:normAutofit/>
           </a:bodyPr>
+          <a:lstStyle/>
           <a:p>
             <a:pPr indent="0">
               <a:spcBef>
@@ -3746,7 +3972,7 @@
               </a:spcBef>
               <a:buNone/>
             </a:pPr>
-            <a:endParaRPr b="0" lang="pl-PL" sz="3200" spc="-1" strike="noStrike">
+            <a:endParaRPr lang="pl-PL" sz="3200" b="0" strike="noStrike" spc="-1">
               <a:solidFill>
                 <a:srgbClr val="000000"/>
               </a:solidFill>
@@ -3768,6 +3994,7 @@
         <p:spPr/>
         <p:txBody>
           <a:bodyPr/>
+          <a:lstStyle/>
           <a:p>
             <a:r>
               <a:t>Footer</a:t>
@@ -3788,10 +4015,12 @@
         <p:spPr/>
         <p:txBody>
           <a:bodyPr/>
+          <a:lstStyle/>
           <a:p>
             <a:fld id="{EC95699C-DF3D-4C04-861E-A87F10A9C319}" type="slidenum">
-              <a:t>&lt;#&gt;</a:t>
+              <a:t>‹#›</a:t>
             </a:fld>
+            <a:endParaRPr/>
           </a:p>
         </p:txBody>
       </p:sp>
@@ -3808,21 +4037,22 @@
         <p:spPr/>
         <p:txBody>
           <a:bodyPr/>
-          <a:p>
-            <a:r>
-              <a:rPr lang="pl-PL"/>
-              <a:t/>
-            </a:r>
+          <a:lstStyle/>
+          <a:p>
+            <a:endParaRPr/>
           </a:p>
         </p:txBody>
       </p:sp>
     </p:spTree>
   </p:cSld>
+  <p:clrMapOvr>
+    <a:masterClrMapping/>
+  </p:clrMapOvr>
 </p:sldLayout>
 </file>
 
 <file path=ppt/slideLayouts/slideLayout4.xml><?xml version="1.0" encoding="utf-8"?>
-<p:sldLayout xmlns:a="http://schemas.openxmlformats.org/drawingml/2006/main" xmlns:p="http://schemas.openxmlformats.org/presentationml/2006/main" xmlns:r="http://schemas.openxmlformats.org/officeDocument/2006/relationships" xmlns:p14="http://schemas.microsoft.com/office/powerpoint/2010/main" xmlns:p15="http://schemas.microsoft.com/office/powerpoint/2012/main" xmlns:mc="http://schemas.openxmlformats.org/markup-compatibility/2006" type="twoObj" preserve="1">
+<p:sldLayout xmlns:a="http://schemas.openxmlformats.org/drawingml/2006/main" xmlns:r="http://schemas.openxmlformats.org/officeDocument/2006/relationships" xmlns:p="http://schemas.openxmlformats.org/presentationml/2006/main" type="twoObj" preserve="1">
   <p:cSld name="Title, 2 Content">
     <p:spTree>
       <p:nvGrpSpPr>
@@ -3862,14 +4092,15 @@
           </a:ln>
         </p:spPr>
         <p:txBody>
-          <a:bodyPr lIns="0" rIns="0" tIns="0" bIns="0" anchor="ctr">
+          <a:bodyPr lIns="0" tIns="0" rIns="0" bIns="0" anchor="ctr">
             <a:noAutofit/>
           </a:bodyPr>
+          <a:lstStyle/>
           <a:p>
             <a:pPr indent="0" algn="ctr">
               <a:buNone/>
             </a:pPr>
-            <a:endParaRPr b="0" lang="pl-PL" sz="4400" spc="-1" strike="noStrike">
+            <a:endParaRPr lang="pl-PL" sz="4400" b="0" strike="noStrike" spc="-1">
               <a:solidFill>
                 <a:srgbClr val="000000"/>
               </a:solidFill>
@@ -3902,9 +4133,10 @@
           </a:ln>
         </p:spPr>
         <p:txBody>
-          <a:bodyPr lIns="0" rIns="0" tIns="0" bIns="0" anchor="t">
+          <a:bodyPr lIns="0" tIns="0" rIns="0" bIns="0" anchor="t">
             <a:normAutofit/>
           </a:bodyPr>
+          <a:lstStyle/>
           <a:p>
             <a:pPr indent="0">
               <a:spcBef>
@@ -3912,7 +4144,7 @@
               </a:spcBef>
               <a:buNone/>
             </a:pPr>
-            <a:endParaRPr b="0" lang="pl-PL" sz="3200" spc="-1" strike="noStrike">
+            <a:endParaRPr lang="pl-PL" sz="3200" b="0" strike="noStrike" spc="-1">
               <a:solidFill>
                 <a:srgbClr val="000000"/>
               </a:solidFill>
@@ -3945,9 +4177,10 @@
           </a:ln>
         </p:spPr>
         <p:txBody>
-          <a:bodyPr lIns="0" rIns="0" tIns="0" bIns="0" anchor="t">
+          <a:bodyPr lIns="0" tIns="0" rIns="0" bIns="0" anchor="t">
             <a:normAutofit/>
           </a:bodyPr>
+          <a:lstStyle/>
           <a:p>
             <a:pPr indent="0">
               <a:spcBef>
@@ -3955,7 +4188,7 @@
               </a:spcBef>
               <a:buNone/>
             </a:pPr>
-            <a:endParaRPr b="0" lang="pl-PL" sz="3200" spc="-1" strike="noStrike">
+            <a:endParaRPr lang="pl-PL" sz="3200" b="0" strike="noStrike" spc="-1">
               <a:solidFill>
                 <a:srgbClr val="000000"/>
               </a:solidFill>
@@ -3977,6 +4210,7 @@
         <p:spPr/>
         <p:txBody>
           <a:bodyPr/>
+          <a:lstStyle/>
           <a:p>
             <a:r>
               <a:t>Footer</a:t>
@@ -3997,10 +4231,12 @@
         <p:spPr/>
         <p:txBody>
           <a:bodyPr/>
+          <a:lstStyle/>
           <a:p>
             <a:fld id="{A9A46741-AA24-4BA8-9DEB-2FD9FBBFFEAD}" type="slidenum">
-              <a:t>&lt;#&gt;</a:t>
+              <a:t>‹#›</a:t>
             </a:fld>
+            <a:endParaRPr/>
           </a:p>
         </p:txBody>
       </p:sp>
@@ -4017,21 +4253,22 @@
         <p:spPr/>
         <p:txBody>
           <a:bodyPr/>
-          <a:p>
-            <a:r>
-              <a:rPr lang="pl-PL"/>
-              <a:t/>
-            </a:r>
+          <a:lstStyle/>
+          <a:p>
+            <a:endParaRPr/>
           </a:p>
         </p:txBody>
       </p:sp>
     </p:spTree>
   </p:cSld>
+  <p:clrMapOvr>
+    <a:masterClrMapping/>
+  </p:clrMapOvr>
 </p:sldLayout>
 </file>
 
 <file path=ppt/slideLayouts/slideLayout5.xml><?xml version="1.0" encoding="utf-8"?>
-<p:sldLayout xmlns:a="http://schemas.openxmlformats.org/drawingml/2006/main" xmlns:p="http://schemas.openxmlformats.org/presentationml/2006/main" xmlns:r="http://schemas.openxmlformats.org/officeDocument/2006/relationships" xmlns:p14="http://schemas.microsoft.com/office/powerpoint/2010/main" xmlns:p15="http://schemas.microsoft.com/office/powerpoint/2012/main" xmlns:mc="http://schemas.openxmlformats.org/markup-compatibility/2006" type="titleOnly" preserve="1">
+<p:sldLayout xmlns:a="http://schemas.openxmlformats.org/drawingml/2006/main" xmlns:r="http://schemas.openxmlformats.org/officeDocument/2006/relationships" xmlns:p="http://schemas.openxmlformats.org/presentationml/2006/main" type="titleOnly" preserve="1">
   <p:cSld name="Title Only">
     <p:spTree>
       <p:nvGrpSpPr>
@@ -4071,14 +4308,15 @@
           </a:ln>
         </p:spPr>
         <p:txBody>
-          <a:bodyPr lIns="0" rIns="0" tIns="0" bIns="0" anchor="ctr">
+          <a:bodyPr lIns="0" tIns="0" rIns="0" bIns="0" anchor="ctr">
             <a:noAutofit/>
           </a:bodyPr>
+          <a:lstStyle/>
           <a:p>
             <a:pPr indent="0" algn="ctr">
               <a:buNone/>
             </a:pPr>
-            <a:endParaRPr b="0" lang="pl-PL" sz="4400" spc="-1" strike="noStrike">
+            <a:endParaRPr lang="pl-PL" sz="4400" b="0" strike="noStrike" spc="-1">
               <a:solidFill>
                 <a:srgbClr val="000000"/>
               </a:solidFill>
@@ -4100,6 +4338,7 @@
         <p:spPr/>
         <p:txBody>
           <a:bodyPr/>
+          <a:lstStyle/>
           <a:p>
             <a:r>
               <a:t>Footer</a:t>
@@ -4120,10 +4359,12 @@
         <p:spPr/>
         <p:txBody>
           <a:bodyPr/>
+          <a:lstStyle/>
           <a:p>
             <a:fld id="{10C2E98A-77BF-440F-BAFB-06C468ADA42A}" type="slidenum">
-              <a:t>&lt;#&gt;</a:t>
+              <a:t>‹#›</a:t>
             </a:fld>
+            <a:endParaRPr/>
           </a:p>
         </p:txBody>
       </p:sp>
@@ -4140,21 +4381,22 @@
         <p:spPr/>
         <p:txBody>
           <a:bodyPr/>
-          <a:p>
-            <a:r>
-              <a:rPr lang="pl-PL"/>
-              <a:t/>
-            </a:r>
+          <a:lstStyle/>
+          <a:p>
+            <a:endParaRPr/>
           </a:p>
         </p:txBody>
       </p:sp>
     </p:spTree>
   </p:cSld>
+  <p:clrMapOvr>
+    <a:masterClrMapping/>
+  </p:clrMapOvr>
 </p:sldLayout>
 </file>
 
 <file path=ppt/slideLayouts/slideLayout6.xml><?xml version="1.0" encoding="utf-8"?>
-<p:sldLayout xmlns:a="http://schemas.openxmlformats.org/drawingml/2006/main" xmlns:p="http://schemas.openxmlformats.org/presentationml/2006/main" xmlns:r="http://schemas.openxmlformats.org/officeDocument/2006/relationships" xmlns:p14="http://schemas.microsoft.com/office/powerpoint/2010/main" xmlns:p15="http://schemas.microsoft.com/office/powerpoint/2012/main" xmlns:mc="http://schemas.openxmlformats.org/markup-compatibility/2006" type="objOnly" preserve="1">
+<p:sldLayout xmlns:a="http://schemas.openxmlformats.org/drawingml/2006/main" xmlns:r="http://schemas.openxmlformats.org/officeDocument/2006/relationships" xmlns:p="http://schemas.openxmlformats.org/presentationml/2006/main" type="objOnly" preserve="1">
   <p:cSld name="Centered Text">
     <p:spTree>
       <p:nvGrpSpPr>
@@ -4194,12 +4436,13 @@
           </a:ln>
         </p:spPr>
         <p:txBody>
-          <a:bodyPr lIns="0" rIns="0" tIns="0" bIns="0" anchor="ctr">
+          <a:bodyPr lIns="0" tIns="0" rIns="0" bIns="0" anchor="ctr">
             <a:noAutofit/>
           </a:bodyPr>
+          <a:lstStyle/>
           <a:p>
             <a:pPr algn="ctr"/>
-            <a:endParaRPr b="0" lang="pl-PL" sz="3200" spc="-1" strike="noStrike">
+            <a:endParaRPr lang="pl-PL" sz="3200" b="0" strike="noStrike" spc="-1">
               <a:solidFill>
                 <a:srgbClr val="000000"/>
               </a:solidFill>
@@ -4221,6 +4464,7 @@
         <p:spPr/>
         <p:txBody>
           <a:bodyPr/>
+          <a:lstStyle/>
           <a:p>
             <a:r>
               <a:t>Footer</a:t>
@@ -4241,10 +4485,12 @@
         <p:spPr/>
         <p:txBody>
           <a:bodyPr/>
+          <a:lstStyle/>
           <a:p>
             <a:fld id="{D650C055-CE15-432D-9F05-C497A74314B5}" type="slidenum">
-              <a:t>&lt;#&gt;</a:t>
+              <a:t>‹#›</a:t>
             </a:fld>
+            <a:endParaRPr/>
           </a:p>
         </p:txBody>
       </p:sp>
@@ -4261,21 +4507,22 @@
         <p:spPr/>
         <p:txBody>
           <a:bodyPr/>
-          <a:p>
-            <a:r>
-              <a:rPr lang="pl-PL"/>
-              <a:t/>
-            </a:r>
+          <a:lstStyle/>
+          <a:p>
+            <a:endParaRPr/>
           </a:p>
         </p:txBody>
       </p:sp>
     </p:spTree>
   </p:cSld>
+  <p:clrMapOvr>
+    <a:masterClrMapping/>
+  </p:clrMapOvr>
 </p:sldLayout>
 </file>
 
 <file path=ppt/slideLayouts/slideLayout7.xml><?xml version="1.0" encoding="utf-8"?>
-<p:sldLayout xmlns:a="http://schemas.openxmlformats.org/drawingml/2006/main" xmlns:p="http://schemas.openxmlformats.org/presentationml/2006/main" xmlns:r="http://schemas.openxmlformats.org/officeDocument/2006/relationships" xmlns:p14="http://schemas.microsoft.com/office/powerpoint/2010/main" xmlns:p15="http://schemas.microsoft.com/office/powerpoint/2012/main" xmlns:mc="http://schemas.openxmlformats.org/markup-compatibility/2006" type="twoObjAndObj" preserve="1">
+<p:sldLayout xmlns:a="http://schemas.openxmlformats.org/drawingml/2006/main" xmlns:r="http://schemas.openxmlformats.org/officeDocument/2006/relationships" xmlns:p="http://schemas.openxmlformats.org/presentationml/2006/main" type="twoObjAndObj" preserve="1">
   <p:cSld name="Title, 2 Content and Content">
     <p:spTree>
       <p:nvGrpSpPr>
@@ -4315,14 +4562,15 @@
           </a:ln>
         </p:spPr>
         <p:txBody>
-          <a:bodyPr lIns="0" rIns="0" tIns="0" bIns="0" anchor="ctr">
+          <a:bodyPr lIns="0" tIns="0" rIns="0" bIns="0" anchor="ctr">
             <a:noAutofit/>
           </a:bodyPr>
+          <a:lstStyle/>
           <a:p>
             <a:pPr indent="0" algn="ctr">
               <a:buNone/>
             </a:pPr>
-            <a:endParaRPr b="0" lang="pl-PL" sz="4400" spc="-1" strike="noStrike">
+            <a:endParaRPr lang="pl-PL" sz="4400" b="0" strike="noStrike" spc="-1">
               <a:solidFill>
                 <a:srgbClr val="000000"/>
               </a:solidFill>
@@ -4355,9 +4603,10 @@
           </a:ln>
         </p:spPr>
         <p:txBody>
-          <a:bodyPr lIns="0" rIns="0" tIns="0" bIns="0" anchor="t">
+          <a:bodyPr lIns="0" tIns="0" rIns="0" bIns="0" anchor="t">
             <a:normAutofit/>
           </a:bodyPr>
+          <a:lstStyle/>
           <a:p>
             <a:pPr indent="0">
               <a:spcBef>
@@ -4365,7 +4614,7 @@
               </a:spcBef>
               <a:buNone/>
             </a:pPr>
-            <a:endParaRPr b="0" lang="pl-PL" sz="3200" spc="-1" strike="noStrike">
+            <a:endParaRPr lang="pl-PL" sz="3200" b="0" strike="noStrike" spc="-1">
               <a:solidFill>
                 <a:srgbClr val="000000"/>
               </a:solidFill>
@@ -4398,9 +4647,10 @@
           </a:ln>
         </p:spPr>
         <p:txBody>
-          <a:bodyPr lIns="0" rIns="0" tIns="0" bIns="0" anchor="t">
+          <a:bodyPr lIns="0" tIns="0" rIns="0" bIns="0" anchor="t">
             <a:normAutofit/>
           </a:bodyPr>
+          <a:lstStyle/>
           <a:p>
             <a:pPr indent="0">
               <a:spcBef>
@@ -4408,7 +4658,7 @@
               </a:spcBef>
               <a:buNone/>
             </a:pPr>
-            <a:endParaRPr b="0" lang="pl-PL" sz="3200" spc="-1" strike="noStrike">
+            <a:endParaRPr lang="pl-PL" sz="3200" b="0" strike="noStrike" spc="-1">
               <a:solidFill>
                 <a:srgbClr val="000000"/>
               </a:solidFill>
@@ -4441,9 +4691,10 @@
           </a:ln>
         </p:spPr>
         <p:txBody>
-          <a:bodyPr lIns="0" rIns="0" tIns="0" bIns="0" anchor="t">
+          <a:bodyPr lIns="0" tIns="0" rIns="0" bIns="0" anchor="t">
             <a:normAutofit/>
           </a:bodyPr>
+          <a:lstStyle/>
           <a:p>
             <a:pPr indent="0">
               <a:spcBef>
@@ -4451,7 +4702,7 @@
               </a:spcBef>
               <a:buNone/>
             </a:pPr>
-            <a:endParaRPr b="0" lang="pl-PL" sz="3200" spc="-1" strike="noStrike">
+            <a:endParaRPr lang="pl-PL" sz="3200" b="0" strike="noStrike" spc="-1">
               <a:solidFill>
                 <a:srgbClr val="000000"/>
               </a:solidFill>
@@ -4473,6 +4724,7 @@
         <p:spPr/>
         <p:txBody>
           <a:bodyPr/>
+          <a:lstStyle/>
           <a:p>
             <a:r>
               <a:t>Footer</a:t>
@@ -4493,10 +4745,12 @@
         <p:spPr/>
         <p:txBody>
           <a:bodyPr/>
+          <a:lstStyle/>
           <a:p>
             <a:fld id="{7990C169-5185-49AA-93AF-F2165168E6C7}" type="slidenum">
-              <a:t>&lt;#&gt;</a:t>
+              <a:t>‹#›</a:t>
             </a:fld>
+            <a:endParaRPr/>
           </a:p>
         </p:txBody>
       </p:sp>
@@ -4513,21 +4767,22 @@
         <p:spPr/>
         <p:txBody>
           <a:bodyPr/>
-          <a:p>
-            <a:r>
-              <a:rPr lang="pl-PL"/>
-              <a:t/>
-            </a:r>
+          <a:lstStyle/>
+          <a:p>
+            <a:endParaRPr/>
           </a:p>
         </p:txBody>
       </p:sp>
     </p:spTree>
   </p:cSld>
+  <p:clrMapOvr>
+    <a:masterClrMapping/>
+  </p:clrMapOvr>
 </p:sldLayout>
 </file>
 
 <file path=ppt/slideLayouts/slideLayout8.xml><?xml version="1.0" encoding="utf-8"?>
-<p:sldLayout xmlns:a="http://schemas.openxmlformats.org/drawingml/2006/main" xmlns:p="http://schemas.openxmlformats.org/presentationml/2006/main" xmlns:r="http://schemas.openxmlformats.org/officeDocument/2006/relationships" xmlns:p14="http://schemas.microsoft.com/office/powerpoint/2010/main" xmlns:p15="http://schemas.microsoft.com/office/powerpoint/2012/main" xmlns:mc="http://schemas.openxmlformats.org/markup-compatibility/2006" type="objAndTwoObj" preserve="1">
+<p:sldLayout xmlns:a="http://schemas.openxmlformats.org/drawingml/2006/main" xmlns:r="http://schemas.openxmlformats.org/officeDocument/2006/relationships" xmlns:p="http://schemas.openxmlformats.org/presentationml/2006/main" type="objAndTwoObj" preserve="1">
   <p:cSld name="Title Content and 2 Content">
     <p:spTree>
       <p:nvGrpSpPr>
@@ -4567,14 +4822,15 @@
           </a:ln>
         </p:spPr>
         <p:txBody>
-          <a:bodyPr lIns="0" rIns="0" tIns="0" bIns="0" anchor="ctr">
+          <a:bodyPr lIns="0" tIns="0" rIns="0" bIns="0" anchor="ctr">
             <a:noAutofit/>
           </a:bodyPr>
+          <a:lstStyle/>
           <a:p>
             <a:pPr indent="0" algn="ctr">
               <a:buNone/>
             </a:pPr>
-            <a:endParaRPr b="0" lang="pl-PL" sz="4400" spc="-1" strike="noStrike">
+            <a:endParaRPr lang="pl-PL" sz="4400" b="0" strike="noStrike" spc="-1">
               <a:solidFill>
                 <a:srgbClr val="000000"/>
               </a:solidFill>
@@ -4607,9 +4863,10 @@
           </a:ln>
         </p:spPr>
         <p:txBody>
-          <a:bodyPr lIns="0" rIns="0" tIns="0" bIns="0" anchor="t">
+          <a:bodyPr lIns="0" tIns="0" rIns="0" bIns="0" anchor="t">
             <a:normAutofit/>
           </a:bodyPr>
+          <a:lstStyle/>
           <a:p>
             <a:pPr indent="0">
               <a:spcBef>
@@ -4617,7 +4874,7 @@
               </a:spcBef>
               <a:buNone/>
             </a:pPr>
-            <a:endParaRPr b="0" lang="pl-PL" sz="3200" spc="-1" strike="noStrike">
+            <a:endParaRPr lang="pl-PL" sz="3200" b="0" strike="noStrike" spc="-1">
               <a:solidFill>
                 <a:srgbClr val="000000"/>
               </a:solidFill>
@@ -4650,9 +4907,10 @@
           </a:ln>
         </p:spPr>
         <p:txBody>
-          <a:bodyPr lIns="0" rIns="0" tIns="0" bIns="0" anchor="t">
+          <a:bodyPr lIns="0" tIns="0" rIns="0" bIns="0" anchor="t">
             <a:normAutofit/>
           </a:bodyPr>
+          <a:lstStyle/>
           <a:p>
             <a:pPr indent="0">
               <a:spcBef>
@@ -4660,7 +4918,7 @@
               </a:spcBef>
               <a:buNone/>
             </a:pPr>
-            <a:endParaRPr b="0" lang="pl-PL" sz="3200" spc="-1" strike="noStrike">
+            <a:endParaRPr lang="pl-PL" sz="3200" b="0" strike="noStrike" spc="-1">
               <a:solidFill>
                 <a:srgbClr val="000000"/>
               </a:solidFill>
@@ -4693,9 +4951,10 @@
           </a:ln>
         </p:spPr>
         <p:txBody>
-          <a:bodyPr lIns="0" rIns="0" tIns="0" bIns="0" anchor="t">
+          <a:bodyPr lIns="0" tIns="0" rIns="0" bIns="0" anchor="t">
             <a:normAutofit/>
           </a:bodyPr>
+          <a:lstStyle/>
           <a:p>
             <a:pPr indent="0">
               <a:spcBef>
@@ -4703,7 +4962,7 @@
               </a:spcBef>
               <a:buNone/>
             </a:pPr>
-            <a:endParaRPr b="0" lang="pl-PL" sz="3200" spc="-1" strike="noStrike">
+            <a:endParaRPr lang="pl-PL" sz="3200" b="0" strike="noStrike" spc="-1">
               <a:solidFill>
                 <a:srgbClr val="000000"/>
               </a:solidFill>
@@ -4725,6 +4984,7 @@
         <p:spPr/>
         <p:txBody>
           <a:bodyPr/>
+          <a:lstStyle/>
           <a:p>
             <a:r>
               <a:t>Footer</a:t>
@@ -4745,10 +5005,12 @@
         <p:spPr/>
         <p:txBody>
           <a:bodyPr/>
+          <a:lstStyle/>
           <a:p>
             <a:fld id="{AE633909-A7B0-43F4-BC21-81FBFCD9DE49}" type="slidenum">
-              <a:t>&lt;#&gt;</a:t>
+              <a:t>‹#›</a:t>
             </a:fld>
+            <a:endParaRPr/>
           </a:p>
         </p:txBody>
       </p:sp>
@@ -4765,21 +5027,22 @@
         <p:spPr/>
         <p:txBody>
           <a:bodyPr/>
-          <a:p>
-            <a:r>
-              <a:rPr lang="pl-PL"/>
-              <a:t/>
-            </a:r>
+          <a:lstStyle/>
+          <a:p>
+            <a:endParaRPr/>
           </a:p>
         </p:txBody>
       </p:sp>
     </p:spTree>
   </p:cSld>
+  <p:clrMapOvr>
+    <a:masterClrMapping/>
+  </p:clrMapOvr>
 </p:sldLayout>
 </file>
 
 <file path=ppt/slideLayouts/slideLayout9.xml><?xml version="1.0" encoding="utf-8"?>
-<p:sldLayout xmlns:a="http://schemas.openxmlformats.org/drawingml/2006/main" xmlns:p="http://schemas.openxmlformats.org/presentationml/2006/main" xmlns:r="http://schemas.openxmlformats.org/officeDocument/2006/relationships" xmlns:p14="http://schemas.microsoft.com/office/powerpoint/2010/main" xmlns:p15="http://schemas.microsoft.com/office/powerpoint/2012/main" xmlns:mc="http://schemas.openxmlformats.org/markup-compatibility/2006" type="twoObjOverTx" preserve="1">
+<p:sldLayout xmlns:a="http://schemas.openxmlformats.org/drawingml/2006/main" xmlns:r="http://schemas.openxmlformats.org/officeDocument/2006/relationships" xmlns:p="http://schemas.openxmlformats.org/presentationml/2006/main" type="twoObjOverTx" preserve="1">
   <p:cSld name="Title, 2 Content over Content">
     <p:spTree>
       <p:nvGrpSpPr>
@@ -4819,14 +5082,15 @@
           </a:ln>
         </p:spPr>
         <p:txBody>
-          <a:bodyPr lIns="0" rIns="0" tIns="0" bIns="0" anchor="ctr">
+          <a:bodyPr lIns="0" tIns="0" rIns="0" bIns="0" anchor="ctr">
             <a:noAutofit/>
           </a:bodyPr>
+          <a:lstStyle/>
           <a:p>
             <a:pPr indent="0" algn="ctr">
               <a:buNone/>
             </a:pPr>
-            <a:endParaRPr b="0" lang="pl-PL" sz="4400" spc="-1" strike="noStrike">
+            <a:endParaRPr lang="pl-PL" sz="4400" b="0" strike="noStrike" spc="-1">
               <a:solidFill>
                 <a:srgbClr val="000000"/>
               </a:solidFill>
@@ -4859,9 +5123,10 @@
           </a:ln>
         </p:spPr>
         <p:txBody>
-          <a:bodyPr lIns="0" rIns="0" tIns="0" bIns="0" anchor="t">
+          <a:bodyPr lIns="0" tIns="0" rIns="0" bIns="0" anchor="t">
             <a:normAutofit/>
           </a:bodyPr>
+          <a:lstStyle/>
           <a:p>
             <a:pPr indent="0">
               <a:spcBef>
@@ -4869,7 +5134,7 @@
               </a:spcBef>
               <a:buNone/>
             </a:pPr>
-            <a:endParaRPr b="0" lang="pl-PL" sz="3200" spc="-1" strike="noStrike">
+            <a:endParaRPr lang="pl-PL" sz="3200" b="0" strike="noStrike" spc="-1">
               <a:solidFill>
                 <a:srgbClr val="000000"/>
               </a:solidFill>
@@ -4902,9 +5167,10 @@
           </a:ln>
         </p:spPr>
         <p:txBody>
-          <a:bodyPr lIns="0" rIns="0" tIns="0" bIns="0" anchor="t">
+          <a:bodyPr lIns="0" tIns="0" rIns="0" bIns="0" anchor="t">
             <a:normAutofit/>
           </a:bodyPr>
+          <a:lstStyle/>
           <a:p>
             <a:pPr indent="0">
               <a:spcBef>
@@ -4912,7 +5178,7 @@
               </a:spcBef>
               <a:buNone/>
             </a:pPr>
-            <a:endParaRPr b="0" lang="pl-PL" sz="3200" spc="-1" strike="noStrike">
+            <a:endParaRPr lang="pl-PL" sz="3200" b="0" strike="noStrike" spc="-1">
               <a:solidFill>
                 <a:srgbClr val="000000"/>
               </a:solidFill>
@@ -4945,9 +5211,10 @@
           </a:ln>
         </p:spPr>
         <p:txBody>
-          <a:bodyPr lIns="0" rIns="0" tIns="0" bIns="0" anchor="t">
+          <a:bodyPr lIns="0" tIns="0" rIns="0" bIns="0" anchor="t">
             <a:normAutofit/>
           </a:bodyPr>
+          <a:lstStyle/>
           <a:p>
             <a:pPr indent="0">
               <a:spcBef>
@@ -4955,7 +5222,7 @@
               </a:spcBef>
               <a:buNone/>
             </a:pPr>
-            <a:endParaRPr b="0" lang="pl-PL" sz="3200" spc="-1" strike="noStrike">
+            <a:endParaRPr lang="pl-PL" sz="3200" b="0" strike="noStrike" spc="-1">
               <a:solidFill>
                 <a:srgbClr val="000000"/>
               </a:solidFill>
@@ -4977,6 +5244,7 @@
         <p:spPr/>
         <p:txBody>
           <a:bodyPr/>
+          <a:lstStyle/>
           <a:p>
             <a:r>
               <a:t>Footer</a:t>
@@ -4997,10 +5265,12 @@
         <p:spPr/>
         <p:txBody>
           <a:bodyPr/>
+          <a:lstStyle/>
           <a:p>
             <a:fld id="{21472D44-4726-4646-8384-4E1C1A15BEC1}" type="slidenum">
-              <a:t>&lt;#&gt;</a:t>
+              <a:t>‹#›</a:t>
             </a:fld>
+            <a:endParaRPr/>
           </a:p>
         </p:txBody>
       </p:sp>
@@ -5017,27 +5287,29 @@
         <p:spPr/>
         <p:txBody>
           <a:bodyPr/>
-          <a:p>
-            <a:r>
-              <a:rPr lang="pl-PL"/>
-              <a:t/>
-            </a:r>
+          <a:lstStyle/>
+          <a:p>
+            <a:endParaRPr/>
           </a:p>
         </p:txBody>
       </p:sp>
     </p:spTree>
   </p:cSld>
+  <p:clrMapOvr>
+    <a:masterClrMapping/>
+  </p:clrMapOvr>
 </p:sldLayout>
 </file>
 
 <file path=ppt/slideMasters/slideMaster1.xml><?xml version="1.0" encoding="utf-8"?>
-<p:sldMaster xmlns:a="http://schemas.openxmlformats.org/drawingml/2006/main" xmlns:p="http://schemas.openxmlformats.org/presentationml/2006/main" xmlns:r="http://schemas.openxmlformats.org/officeDocument/2006/relationships" xmlns:p14="http://schemas.microsoft.com/office/powerpoint/2010/main" xmlns:p15="http://schemas.microsoft.com/office/powerpoint/2012/main" xmlns:mc="http://schemas.openxmlformats.org/markup-compatibility/2006">
+<p:sldMaster xmlns:a="http://schemas.openxmlformats.org/drawingml/2006/main" xmlns:r="http://schemas.openxmlformats.org/officeDocument/2006/relationships" xmlns:p="http://schemas.openxmlformats.org/presentationml/2006/main">
   <p:cSld>
     <p:bg>
       <p:bgPr>
         <a:solidFill>
-          <a:srgbClr val="ffffff"/>
+          <a:srgbClr val="FFFFFF"/>
         </a:solidFill>
+        <a:effectLst/>
       </p:bgPr>
     </p:bg>
     <p:spTree>
@@ -5056,7 +5328,7 @@
       </p:grpSpPr>
       <p:sp>
         <p:nvSpPr>
-          <p:cNvPr id="0" name="PlaceHolder 1"/>
+          <p:cNvPr id="5" name="PlaceHolder 1"/>
           <p:cNvSpPr>
             <a:spLocks noGrp="1"/>
           </p:cNvSpPr>
@@ -5078,15 +5350,16 @@
           </a:ln>
         </p:spPr>
         <p:txBody>
-          <a:bodyPr lIns="0" rIns="0" tIns="0" bIns="0" anchor="ctr">
+          <a:bodyPr lIns="0" tIns="0" rIns="0" bIns="0" anchor="ctr">
             <a:noAutofit/>
           </a:bodyPr>
+          <a:lstStyle/>
           <a:p>
             <a:pPr indent="0">
               <a:buNone/>
             </a:pPr>
             <a:r>
-              <a:rPr b="0" lang="pl-PL" sz="1800" spc="-1" strike="noStrike">
+              <a:rPr lang="pl-PL" sz="1800" b="0" strike="noStrike" spc="-1">
                 <a:solidFill>
                   <a:srgbClr val="000000"/>
                 </a:solidFill>
@@ -5094,18 +5367,12 @@
               </a:rPr>
               <a:t>Kliknij, aby edytować format tekstu tytułu</a:t>
             </a:r>
-            <a:endParaRPr b="0" lang="pl-PL" sz="1800" spc="-1" strike="noStrike">
-              <a:solidFill>
-                <a:srgbClr val="000000"/>
-              </a:solidFill>
-              <a:latin typeface="Arial"/>
-            </a:endParaRPr>
-          </a:p>
-        </p:txBody>
-      </p:sp>
-      <p:sp>
-        <p:nvSpPr>
-          <p:cNvPr id="1" name="PlaceHolder 2"/>
+          </a:p>
+        </p:txBody>
+      </p:sp>
+      <p:sp>
+        <p:nvSpPr>
+          <p:cNvPr id="6" name="PlaceHolder 2"/>
           <p:cNvSpPr>
             <a:spLocks noGrp="1"/>
           </p:cNvSpPr>
@@ -5127,7 +5394,7 @@
           </a:ln>
         </p:spPr>
         <p:txBody>
-          <a:bodyPr lIns="91440" rIns="91440" tIns="45720" bIns="45720" anchor="ctr">
+          <a:bodyPr lIns="91440" tIns="45720" rIns="91440" bIns="45720" anchor="ctr">
             <a:noAutofit/>
           </a:bodyPr>
           <a:lstStyle>
@@ -5137,9 +5404,9 @@
               </a:lnSpc>
               <a:buNone/>
               <a:tabLst>
-                <a:tab algn="l" pos="0"/>
+                <a:tab pos="0" algn="l"/>
               </a:tabLst>
-              <a:defRPr b="0" lang="pl-PL" sz="1400" spc="-1" strike="noStrike">
+              <a:defRPr lang="pl-PL" sz="1400" b="0" strike="noStrike" spc="-1">
                 <a:solidFill>
                   <a:srgbClr val="000000"/>
                 </a:solidFill>
@@ -5154,11 +5421,11 @@
               </a:lnSpc>
               <a:buNone/>
               <a:tabLst>
-                <a:tab algn="l" pos="0"/>
+                <a:tab pos="0" algn="l"/>
               </a:tabLst>
             </a:pPr>
             <a:r>
-              <a:rPr b="0" lang="pl-PL" sz="1400" spc="-1" strike="noStrike">
+              <a:rPr lang="pl-PL" sz="1400" b="0" strike="noStrike" spc="-1">
                 <a:solidFill>
                   <a:srgbClr val="000000"/>
                 </a:solidFill>
@@ -5166,12 +5433,6 @@
               </a:rPr>
               <a:t>&lt;stopka&gt;</a:t>
             </a:r>
-            <a:endParaRPr b="0" lang="pl-PL" sz="1400" spc="-1" strike="noStrike">
-              <a:solidFill>
-                <a:srgbClr val="000000"/>
-              </a:solidFill>
-              <a:latin typeface="Times New Roman"/>
-            </a:endParaRPr>
           </a:p>
         </p:txBody>
       </p:sp>
@@ -5199,7 +5460,7 @@
           </a:ln>
         </p:spPr>
         <p:txBody>
-          <a:bodyPr lIns="91440" rIns="91440" tIns="45720" bIns="45720" anchor="ctr">
+          <a:bodyPr lIns="91440" tIns="45720" rIns="91440" bIns="45720" anchor="ctr">
             <a:noAutofit/>
           </a:bodyPr>
           <a:lstStyle>
@@ -5209,9 +5470,9 @@
               </a:lnSpc>
               <a:buNone/>
               <a:tabLst>
-                <a:tab algn="l" pos="0"/>
+                <a:tab pos="0" algn="l"/>
               </a:tabLst>
-              <a:defRPr b="0" lang="pl-PL" sz="1200" spc="-1" strike="noStrike">
+              <a:defRPr lang="pl-PL" sz="1200" b="0" strike="noStrike" spc="-1">
                 <a:solidFill>
                   <a:schemeClr val="dk1">
                     <a:tint val="82000"/>
@@ -5228,11 +5489,11 @@
               </a:lnSpc>
               <a:buNone/>
               <a:tabLst>
-                <a:tab algn="l" pos="0"/>
+                <a:tab pos="0" algn="l"/>
               </a:tabLst>
             </a:pPr>
             <a:fld id="{9948411F-142D-47C7-B85C-0803625121DB}" type="slidenum">
-              <a:rPr b="0" lang="pl-PL" sz="1200" spc="-1" strike="noStrike">
+              <a:rPr lang="pl-PL" sz="1200" b="0" strike="noStrike" spc="-1">
                 <a:solidFill>
                   <a:schemeClr val="dk1">
                     <a:tint val="82000"/>
@@ -5240,9 +5501,9 @@
                 </a:solidFill>
                 <a:latin typeface="Aptos"/>
               </a:rPr>
-              <a:t>&lt;numer&gt;</a:t>
+              <a:t>‹#›</a:t>
             </a:fld>
-            <a:endParaRPr b="0" lang="pl-PL" sz="1200" spc="-1" strike="noStrike">
+            <a:endParaRPr lang="pl-PL" sz="1200" b="0" strike="noStrike" spc="-1">
               <a:solidFill>
                 <a:srgbClr val="000000"/>
               </a:solidFill>
@@ -5275,13 +5536,13 @@
           </a:ln>
         </p:spPr>
         <p:txBody>
-          <a:bodyPr lIns="91440" rIns="91440" tIns="45720" bIns="45720" anchor="ctr">
+          <a:bodyPr lIns="91440" tIns="45720" rIns="91440" bIns="45720" anchor="ctr">
             <a:noAutofit/>
           </a:bodyPr>
           <a:lstStyle>
             <a:lvl1pPr indent="0">
               <a:buNone/>
-              <a:defRPr b="0" lang="pl-PL" sz="1400" spc="-1" strike="noStrike">
+              <a:defRPr lang="pl-PL" sz="1400" b="0" strike="noStrike" spc="-1">
                 <a:solidFill>
                   <a:srgbClr val="000000"/>
                 </a:solidFill>
@@ -5294,7 +5555,7 @@
               <a:buNone/>
             </a:pPr>
             <a:r>
-              <a:rPr b="0" lang="pl-PL" sz="1400" spc="-1" strike="noStrike">
+              <a:rPr lang="pl-PL" sz="1400" b="0" strike="noStrike" spc="-1">
                 <a:solidFill>
                   <a:srgbClr val="000000"/>
                 </a:solidFill>
@@ -5302,12 +5563,6 @@
               </a:rPr>
               <a:t>&lt;data/godzina&gt;</a:t>
             </a:r>
-            <a:endParaRPr b="0" lang="pl-PL" sz="1400" spc="-1" strike="noStrike">
-              <a:solidFill>
-                <a:srgbClr val="000000"/>
-              </a:solidFill>
-              <a:latin typeface="Times New Roman"/>
-            </a:endParaRPr>
           </a:p>
         </p:txBody>
       </p:sp>
@@ -5335,9 +5590,10 @@
           </a:ln>
         </p:spPr>
         <p:txBody>
-          <a:bodyPr lIns="0" rIns="0" tIns="0" bIns="0" anchor="t">
+          <a:bodyPr lIns="0" tIns="0" rIns="0" bIns="0" anchor="t">
             <a:normAutofit/>
           </a:bodyPr>
+          <a:lstStyle/>
           <a:p>
             <a:pPr marL="432000" indent="-324000">
               <a:spcBef>
@@ -5351,7 +5607,7 @@
               <a:buChar char=""/>
             </a:pPr>
             <a:r>
-              <a:rPr b="0" lang="pl-PL" sz="3200" spc="-1" strike="noStrike">
+              <a:rPr lang="pl-PL" sz="3200" b="0" strike="noStrike" spc="-1">
                 <a:solidFill>
                   <a:srgbClr val="000000"/>
                 </a:solidFill>
@@ -5359,15 +5615,9 @@
               </a:rPr>
               <a:t>Kliknij, aby edytować format tekstu konspektu</a:t>
             </a:r>
-            <a:endParaRPr b="0" lang="pl-PL" sz="3200" spc="-1" strike="noStrike">
-              <a:solidFill>
-                <a:srgbClr val="000000"/>
-              </a:solidFill>
-              <a:latin typeface="Arial"/>
-            </a:endParaRPr>
-          </a:p>
-          <a:p>
-            <a:pPr lvl="1" marL="864000" indent="-324000">
+          </a:p>
+          <a:p>
+            <a:pPr marL="864000" lvl="1" indent="-324000">
               <a:spcBef>
                 <a:spcPts val="1134"/>
               </a:spcBef>
@@ -5379,7 +5629,7 @@
               <a:buChar char=""/>
             </a:pPr>
             <a:r>
-              <a:rPr b="0" lang="pl-PL" sz="2800" spc="-1" strike="noStrike">
+              <a:rPr lang="pl-PL" sz="2800" b="0" strike="noStrike" spc="-1">
                 <a:solidFill>
                   <a:srgbClr val="000000"/>
                 </a:solidFill>
@@ -5387,15 +5637,9 @@
               </a:rPr>
               <a:t>Drugi poziom konspektu</a:t>
             </a:r>
-            <a:endParaRPr b="0" lang="pl-PL" sz="2800" spc="-1" strike="noStrike">
-              <a:solidFill>
-                <a:srgbClr val="000000"/>
-              </a:solidFill>
-              <a:latin typeface="Arial"/>
-            </a:endParaRPr>
-          </a:p>
-          <a:p>
-            <a:pPr lvl="2" marL="1296000" indent="-288000">
+          </a:p>
+          <a:p>
+            <a:pPr marL="1296000" lvl="2" indent="-288000">
               <a:spcBef>
                 <a:spcPts val="850"/>
               </a:spcBef>
@@ -5407,7 +5651,7 @@
               <a:buChar char=""/>
             </a:pPr>
             <a:r>
-              <a:rPr b="0" lang="pl-PL" sz="2400" spc="-1" strike="noStrike">
+              <a:rPr lang="pl-PL" sz="2400" b="0" strike="noStrike" spc="-1">
                 <a:solidFill>
                   <a:srgbClr val="000000"/>
                 </a:solidFill>
@@ -5415,15 +5659,9 @@
               </a:rPr>
               <a:t>Trzeci poziom konspektu</a:t>
             </a:r>
-            <a:endParaRPr b="0" lang="pl-PL" sz="2400" spc="-1" strike="noStrike">
-              <a:solidFill>
-                <a:srgbClr val="000000"/>
-              </a:solidFill>
-              <a:latin typeface="Arial"/>
-            </a:endParaRPr>
-          </a:p>
-          <a:p>
-            <a:pPr lvl="3" marL="1728000" indent="-216000">
+          </a:p>
+          <a:p>
+            <a:pPr marL="1728000" lvl="3" indent="-216000">
               <a:spcBef>
                 <a:spcPts val="567"/>
               </a:spcBef>
@@ -5435,7 +5673,7 @@
               <a:buChar char=""/>
             </a:pPr>
             <a:r>
-              <a:rPr b="0" lang="pl-PL" sz="2000" spc="-1" strike="noStrike">
+              <a:rPr lang="pl-PL" sz="2000" b="0" strike="noStrike" spc="-1">
                 <a:solidFill>
                   <a:srgbClr val="000000"/>
                 </a:solidFill>
@@ -5443,15 +5681,9 @@
               </a:rPr>
               <a:t>Czwarty poziom konspektu</a:t>
             </a:r>
-            <a:endParaRPr b="0" lang="pl-PL" sz="2000" spc="-1" strike="noStrike">
-              <a:solidFill>
-                <a:srgbClr val="000000"/>
-              </a:solidFill>
-              <a:latin typeface="Arial"/>
-            </a:endParaRPr>
-          </a:p>
-          <a:p>
-            <a:pPr lvl="4" marL="2160000" indent="-216000">
+          </a:p>
+          <a:p>
+            <a:pPr marL="2160000" lvl="4" indent="-216000">
               <a:spcBef>
                 <a:spcPts val="283"/>
               </a:spcBef>
@@ -5463,7 +5695,7 @@
               <a:buChar char=""/>
             </a:pPr>
             <a:r>
-              <a:rPr b="0" lang="pl-PL" sz="2000" spc="-1" strike="noStrike">
+              <a:rPr lang="pl-PL" sz="2000" b="0" strike="noStrike" spc="-1">
                 <a:solidFill>
                   <a:srgbClr val="000000"/>
                 </a:solidFill>
@@ -5471,15 +5703,9 @@
               </a:rPr>
               <a:t>Piąty poziom konspektu</a:t>
             </a:r>
-            <a:endParaRPr b="0" lang="pl-PL" sz="2000" spc="-1" strike="noStrike">
-              <a:solidFill>
-                <a:srgbClr val="000000"/>
-              </a:solidFill>
-              <a:latin typeface="Arial"/>
-            </a:endParaRPr>
-          </a:p>
-          <a:p>
-            <a:pPr lvl="5" marL="2592000" indent="-216000">
+          </a:p>
+          <a:p>
+            <a:pPr marL="2592000" lvl="5" indent="-216000">
               <a:spcBef>
                 <a:spcPts val="283"/>
               </a:spcBef>
@@ -5491,7 +5717,7 @@
               <a:buChar char=""/>
             </a:pPr>
             <a:r>
-              <a:rPr b="0" lang="pl-PL" sz="2000" spc="-1" strike="noStrike">
+              <a:rPr lang="pl-PL" sz="2000" b="0" strike="noStrike" spc="-1">
                 <a:solidFill>
                   <a:srgbClr val="000000"/>
                 </a:solidFill>
@@ -5499,15 +5725,9 @@
               </a:rPr>
               <a:t>Szósty poziom konspektu</a:t>
             </a:r>
-            <a:endParaRPr b="0" lang="pl-PL" sz="2000" spc="-1" strike="noStrike">
-              <a:solidFill>
-                <a:srgbClr val="000000"/>
-              </a:solidFill>
-              <a:latin typeface="Arial"/>
-            </a:endParaRPr>
-          </a:p>
-          <a:p>
-            <a:pPr lvl="6" marL="3024000" indent="-216000">
+          </a:p>
+          <a:p>
+            <a:pPr marL="3024000" lvl="6" indent="-216000">
               <a:spcBef>
                 <a:spcPts val="283"/>
               </a:spcBef>
@@ -5519,7 +5739,7 @@
               <a:buChar char=""/>
             </a:pPr>
             <a:r>
-              <a:rPr b="0" lang="pl-PL" sz="2000" spc="-1" strike="noStrike">
+              <a:rPr lang="pl-PL" sz="2000" b="0" strike="noStrike" spc="-1">
                 <a:solidFill>
                   <a:srgbClr val="000000"/>
                 </a:solidFill>
@@ -5527,43 +5747,318 @@
               </a:rPr>
               <a:t>Siódmy poziom konspektu</a:t>
             </a:r>
-            <a:endParaRPr b="0" lang="pl-PL" sz="2000" spc="-1" strike="noStrike">
-              <a:solidFill>
-                <a:srgbClr val="000000"/>
-              </a:solidFill>
-              <a:latin typeface="Arial"/>
-            </a:endParaRPr>
           </a:p>
         </p:txBody>
       </p:sp>
     </p:spTree>
   </p:cSld>
-  <p:clrMap bg1="lt1" bg2="lt2" tx1="dk1" tx2="dk2" accent1="accent1" accent2="accent2" accent3="accent3" accent4="accent4" accent5="accent5" accent6="accent6" hlink="hlink" folHlink="folHlink"/>
+  <p:clrMap bg1="lt1" tx1="dk1" bg2="lt2" tx2="dk2" accent1="accent1" accent2="accent2" accent3="accent3" accent4="accent4" accent5="accent5" accent6="accent6" hlink="hlink" folHlink="folHlink"/>
   <p:sldLayoutIdLst>
-    <p:sldLayoutId id="2147483649" r:id="rId2"/>
-    <p:sldLayoutId id="2147483650" r:id="rId3"/>
-    <p:sldLayoutId id="2147483651" r:id="rId4"/>
-    <p:sldLayoutId id="2147483652" r:id="rId5"/>
-    <p:sldLayoutId id="2147483653" r:id="rId6"/>
-    <p:sldLayoutId id="2147483654" r:id="rId7"/>
-    <p:sldLayoutId id="2147483655" r:id="rId8"/>
-    <p:sldLayoutId id="2147483656" r:id="rId9"/>
-    <p:sldLayoutId id="2147483657" r:id="rId10"/>
-    <p:sldLayoutId id="2147483658" r:id="rId11"/>
-    <p:sldLayoutId id="2147483659" r:id="rId12"/>
-    <p:sldLayoutId id="2147483660" r:id="rId13"/>
+    <p:sldLayoutId id="2147483649" r:id="rId1"/>
+    <p:sldLayoutId id="2147483650" r:id="rId2"/>
+    <p:sldLayoutId id="2147483651" r:id="rId3"/>
+    <p:sldLayoutId id="2147483652" r:id="rId4"/>
+    <p:sldLayoutId id="2147483653" r:id="rId5"/>
+    <p:sldLayoutId id="2147483654" r:id="rId6"/>
+    <p:sldLayoutId id="2147483655" r:id="rId7"/>
+    <p:sldLayoutId id="2147483656" r:id="rId8"/>
+    <p:sldLayoutId id="2147483657" r:id="rId9"/>
+    <p:sldLayoutId id="2147483658" r:id="rId10"/>
+    <p:sldLayoutId id="2147483659" r:id="rId11"/>
+    <p:sldLayoutId id="2147483660" r:id="rId12"/>
   </p:sldLayoutIdLst>
+  <p:txStyles>
+    <p:titleStyle>
+      <a:lvl1pPr algn="l" defTabSz="914400" rtl="0" eaLnBrk="1" latinLnBrk="0" hangingPunct="1">
+        <a:lnSpc>
+          <a:spcPct val="90000"/>
+        </a:lnSpc>
+        <a:spcBef>
+          <a:spcPct val="0"/>
+        </a:spcBef>
+        <a:buNone/>
+        <a:defRPr sz="4400" kern="1200">
+          <a:solidFill>
+            <a:schemeClr val="tx1"/>
+          </a:solidFill>
+          <a:latin typeface="+mj-lt"/>
+          <a:ea typeface="+mj-ea"/>
+          <a:cs typeface="+mj-cs"/>
+        </a:defRPr>
+      </a:lvl1pPr>
+    </p:titleStyle>
+    <p:bodyStyle>
+      <a:lvl1pPr marL="228600" indent="-228600" algn="l" defTabSz="914400" rtl="0" eaLnBrk="1" latinLnBrk="0" hangingPunct="1">
+        <a:lnSpc>
+          <a:spcPct val="90000"/>
+        </a:lnSpc>
+        <a:spcBef>
+          <a:spcPts val="1000"/>
+        </a:spcBef>
+        <a:buFont typeface="Arial" panose="020B0604020202020204" pitchFamily="34" charset="0"/>
+        <a:buChar char="•"/>
+        <a:defRPr sz="2800" kern="1200">
+          <a:solidFill>
+            <a:schemeClr val="tx1"/>
+          </a:solidFill>
+          <a:latin typeface="+mn-lt"/>
+          <a:ea typeface="+mn-ea"/>
+          <a:cs typeface="+mn-cs"/>
+        </a:defRPr>
+      </a:lvl1pPr>
+      <a:lvl2pPr marL="685800" indent="-228600" algn="l" defTabSz="914400" rtl="0" eaLnBrk="1" latinLnBrk="0" hangingPunct="1">
+        <a:lnSpc>
+          <a:spcPct val="90000"/>
+        </a:lnSpc>
+        <a:spcBef>
+          <a:spcPts val="500"/>
+        </a:spcBef>
+        <a:buFont typeface="Arial" panose="020B0604020202020204" pitchFamily="34" charset="0"/>
+        <a:buChar char="•"/>
+        <a:defRPr sz="2400" kern="1200">
+          <a:solidFill>
+            <a:schemeClr val="tx1"/>
+          </a:solidFill>
+          <a:latin typeface="+mn-lt"/>
+          <a:ea typeface="+mn-ea"/>
+          <a:cs typeface="+mn-cs"/>
+        </a:defRPr>
+      </a:lvl2pPr>
+      <a:lvl3pPr marL="1143000" indent="-228600" algn="l" defTabSz="914400" rtl="0" eaLnBrk="1" latinLnBrk="0" hangingPunct="1">
+        <a:lnSpc>
+          <a:spcPct val="90000"/>
+        </a:lnSpc>
+        <a:spcBef>
+          <a:spcPts val="500"/>
+        </a:spcBef>
+        <a:buFont typeface="Arial" panose="020B0604020202020204" pitchFamily="34" charset="0"/>
+        <a:buChar char="•"/>
+        <a:defRPr sz="2000" kern="1200">
+          <a:solidFill>
+            <a:schemeClr val="tx1"/>
+          </a:solidFill>
+          <a:latin typeface="+mn-lt"/>
+          <a:ea typeface="+mn-ea"/>
+          <a:cs typeface="+mn-cs"/>
+        </a:defRPr>
+      </a:lvl3pPr>
+      <a:lvl4pPr marL="1600200" indent="-228600" algn="l" defTabSz="914400" rtl="0" eaLnBrk="1" latinLnBrk="0" hangingPunct="1">
+        <a:lnSpc>
+          <a:spcPct val="90000"/>
+        </a:lnSpc>
+        <a:spcBef>
+          <a:spcPts val="500"/>
+        </a:spcBef>
+        <a:buFont typeface="Arial" panose="020B0604020202020204" pitchFamily="34" charset="0"/>
+        <a:buChar char="•"/>
+        <a:defRPr sz="1800" kern="1200">
+          <a:solidFill>
+            <a:schemeClr val="tx1"/>
+          </a:solidFill>
+          <a:latin typeface="+mn-lt"/>
+          <a:ea typeface="+mn-ea"/>
+          <a:cs typeface="+mn-cs"/>
+        </a:defRPr>
+      </a:lvl4pPr>
+      <a:lvl5pPr marL="2057400" indent="-228600" algn="l" defTabSz="914400" rtl="0" eaLnBrk="1" latinLnBrk="0" hangingPunct="1">
+        <a:lnSpc>
+          <a:spcPct val="90000"/>
+        </a:lnSpc>
+        <a:spcBef>
+          <a:spcPts val="500"/>
+        </a:spcBef>
+        <a:buFont typeface="Arial" panose="020B0604020202020204" pitchFamily="34" charset="0"/>
+        <a:buChar char="•"/>
+        <a:defRPr sz="1800" kern="1200">
+          <a:solidFill>
+            <a:schemeClr val="tx1"/>
+          </a:solidFill>
+          <a:latin typeface="+mn-lt"/>
+          <a:ea typeface="+mn-ea"/>
+          <a:cs typeface="+mn-cs"/>
+        </a:defRPr>
+      </a:lvl5pPr>
+      <a:lvl6pPr marL="2514600" indent="-228600" algn="l" defTabSz="914400" rtl="0" eaLnBrk="1" latinLnBrk="0" hangingPunct="1">
+        <a:lnSpc>
+          <a:spcPct val="90000"/>
+        </a:lnSpc>
+        <a:spcBef>
+          <a:spcPts val="500"/>
+        </a:spcBef>
+        <a:buFont typeface="Arial" panose="020B0604020202020204" pitchFamily="34" charset="0"/>
+        <a:buChar char="•"/>
+        <a:defRPr sz="1800" kern="1200">
+          <a:solidFill>
+            <a:schemeClr val="tx1"/>
+          </a:solidFill>
+          <a:latin typeface="+mn-lt"/>
+          <a:ea typeface="+mn-ea"/>
+          <a:cs typeface="+mn-cs"/>
+        </a:defRPr>
+      </a:lvl6pPr>
+      <a:lvl7pPr marL="2971800" indent="-228600" algn="l" defTabSz="914400" rtl="0" eaLnBrk="1" latinLnBrk="0" hangingPunct="1">
+        <a:lnSpc>
+          <a:spcPct val="90000"/>
+        </a:lnSpc>
+        <a:spcBef>
+          <a:spcPts val="500"/>
+        </a:spcBef>
+        <a:buFont typeface="Arial" panose="020B0604020202020204" pitchFamily="34" charset="0"/>
+        <a:buChar char="•"/>
+        <a:defRPr sz="1800" kern="1200">
+          <a:solidFill>
+            <a:schemeClr val="tx1"/>
+          </a:solidFill>
+          <a:latin typeface="+mn-lt"/>
+          <a:ea typeface="+mn-ea"/>
+          <a:cs typeface="+mn-cs"/>
+        </a:defRPr>
+      </a:lvl7pPr>
+      <a:lvl8pPr marL="3429000" indent="-228600" algn="l" defTabSz="914400" rtl="0" eaLnBrk="1" latinLnBrk="0" hangingPunct="1">
+        <a:lnSpc>
+          <a:spcPct val="90000"/>
+        </a:lnSpc>
+        <a:spcBef>
+          <a:spcPts val="500"/>
+        </a:spcBef>
+        <a:buFont typeface="Arial" panose="020B0604020202020204" pitchFamily="34" charset="0"/>
+        <a:buChar char="•"/>
+        <a:defRPr sz="1800" kern="1200">
+          <a:solidFill>
+            <a:schemeClr val="tx1"/>
+          </a:solidFill>
+          <a:latin typeface="+mn-lt"/>
+          <a:ea typeface="+mn-ea"/>
+          <a:cs typeface="+mn-cs"/>
+        </a:defRPr>
+      </a:lvl8pPr>
+      <a:lvl9pPr marL="3886200" indent="-228600" algn="l" defTabSz="914400" rtl="0" eaLnBrk="1" latinLnBrk="0" hangingPunct="1">
+        <a:lnSpc>
+          <a:spcPct val="90000"/>
+        </a:lnSpc>
+        <a:spcBef>
+          <a:spcPts val="500"/>
+        </a:spcBef>
+        <a:buFont typeface="Arial" panose="020B0604020202020204" pitchFamily="34" charset="0"/>
+        <a:buChar char="•"/>
+        <a:defRPr sz="1800" kern="1200">
+          <a:solidFill>
+            <a:schemeClr val="tx1"/>
+          </a:solidFill>
+          <a:latin typeface="+mn-lt"/>
+          <a:ea typeface="+mn-ea"/>
+          <a:cs typeface="+mn-cs"/>
+        </a:defRPr>
+      </a:lvl9pPr>
+    </p:bodyStyle>
+    <p:otherStyle>
+      <a:defPPr>
+        <a:defRPr lang="pl-PL"/>
+      </a:defPPr>
+      <a:lvl1pPr marL="0" algn="l" defTabSz="914400" rtl="0" eaLnBrk="1" latinLnBrk="0" hangingPunct="1">
+        <a:defRPr sz="1800" kern="1200">
+          <a:solidFill>
+            <a:schemeClr val="tx1"/>
+          </a:solidFill>
+          <a:latin typeface="+mn-lt"/>
+          <a:ea typeface="+mn-ea"/>
+          <a:cs typeface="+mn-cs"/>
+        </a:defRPr>
+      </a:lvl1pPr>
+      <a:lvl2pPr marL="457200" algn="l" defTabSz="914400" rtl="0" eaLnBrk="1" latinLnBrk="0" hangingPunct="1">
+        <a:defRPr sz="1800" kern="1200">
+          <a:solidFill>
+            <a:schemeClr val="tx1"/>
+          </a:solidFill>
+          <a:latin typeface="+mn-lt"/>
+          <a:ea typeface="+mn-ea"/>
+          <a:cs typeface="+mn-cs"/>
+        </a:defRPr>
+      </a:lvl2pPr>
+      <a:lvl3pPr marL="914400" algn="l" defTabSz="914400" rtl="0" eaLnBrk="1" latinLnBrk="0" hangingPunct="1">
+        <a:defRPr sz="1800" kern="1200">
+          <a:solidFill>
+            <a:schemeClr val="tx1"/>
+          </a:solidFill>
+          <a:latin typeface="+mn-lt"/>
+          <a:ea typeface="+mn-ea"/>
+          <a:cs typeface="+mn-cs"/>
+        </a:defRPr>
+      </a:lvl3pPr>
+      <a:lvl4pPr marL="1371600" algn="l" defTabSz="914400" rtl="0" eaLnBrk="1" latinLnBrk="0" hangingPunct="1">
+        <a:defRPr sz="1800" kern="1200">
+          <a:solidFill>
+            <a:schemeClr val="tx1"/>
+          </a:solidFill>
+          <a:latin typeface="+mn-lt"/>
+          <a:ea typeface="+mn-ea"/>
+          <a:cs typeface="+mn-cs"/>
+        </a:defRPr>
+      </a:lvl4pPr>
+      <a:lvl5pPr marL="1828800" algn="l" defTabSz="914400" rtl="0" eaLnBrk="1" latinLnBrk="0" hangingPunct="1">
+        <a:defRPr sz="1800" kern="1200">
+          <a:solidFill>
+            <a:schemeClr val="tx1"/>
+          </a:solidFill>
+          <a:latin typeface="+mn-lt"/>
+          <a:ea typeface="+mn-ea"/>
+          <a:cs typeface="+mn-cs"/>
+        </a:defRPr>
+      </a:lvl5pPr>
+      <a:lvl6pPr marL="2286000" algn="l" defTabSz="914400" rtl="0" eaLnBrk="1" latinLnBrk="0" hangingPunct="1">
+        <a:defRPr sz="1800" kern="1200">
+          <a:solidFill>
+            <a:schemeClr val="tx1"/>
+          </a:solidFill>
+          <a:latin typeface="+mn-lt"/>
+          <a:ea typeface="+mn-ea"/>
+          <a:cs typeface="+mn-cs"/>
+        </a:defRPr>
+      </a:lvl6pPr>
+      <a:lvl7pPr marL="2743200" algn="l" defTabSz="914400" rtl="0" eaLnBrk="1" latinLnBrk="0" hangingPunct="1">
+        <a:defRPr sz="1800" kern="1200">
+          <a:solidFill>
+            <a:schemeClr val="tx1"/>
+          </a:solidFill>
+          <a:latin typeface="+mn-lt"/>
+          <a:ea typeface="+mn-ea"/>
+          <a:cs typeface="+mn-cs"/>
+        </a:defRPr>
+      </a:lvl7pPr>
+      <a:lvl8pPr marL="3200400" algn="l" defTabSz="914400" rtl="0" eaLnBrk="1" latinLnBrk="0" hangingPunct="1">
+        <a:defRPr sz="1800" kern="1200">
+          <a:solidFill>
+            <a:schemeClr val="tx1"/>
+          </a:solidFill>
+          <a:latin typeface="+mn-lt"/>
+          <a:ea typeface="+mn-ea"/>
+          <a:cs typeface="+mn-cs"/>
+        </a:defRPr>
+      </a:lvl8pPr>
+      <a:lvl9pPr marL="3657600" algn="l" defTabSz="914400" rtl="0" eaLnBrk="1" latinLnBrk="0" hangingPunct="1">
+        <a:defRPr sz="1800" kern="1200">
+          <a:solidFill>
+            <a:schemeClr val="tx1"/>
+          </a:solidFill>
+          <a:latin typeface="+mn-lt"/>
+          <a:ea typeface="+mn-ea"/>
+          <a:cs typeface="+mn-cs"/>
+        </a:defRPr>
+      </a:lvl9pPr>
+    </p:otherStyle>
+  </p:txStyles>
 </p:sldMaster>
 </file>
 
 <file path=ppt/slideMasters/slideMaster2.xml><?xml version="1.0" encoding="utf-8"?>
-<p:sldMaster xmlns:a="http://schemas.openxmlformats.org/drawingml/2006/main" xmlns:p="http://schemas.openxmlformats.org/presentationml/2006/main" xmlns:r="http://schemas.openxmlformats.org/officeDocument/2006/relationships" xmlns:p14="http://schemas.microsoft.com/office/powerpoint/2010/main" xmlns:p15="http://schemas.microsoft.com/office/powerpoint/2012/main" xmlns:mc="http://schemas.openxmlformats.org/markup-compatibility/2006">
+<p:sldMaster xmlns:a="http://schemas.openxmlformats.org/drawingml/2006/main" xmlns:r="http://schemas.openxmlformats.org/officeDocument/2006/relationships" xmlns:p="http://schemas.openxmlformats.org/presentationml/2006/main">
   <p:cSld>
     <p:bg>
       <p:bgPr>
         <a:solidFill>
-          <a:srgbClr val="ffffff"/>
+          <a:srgbClr val="FFFFFF"/>
         </a:solidFill>
+        <a:effectLst/>
       </p:bgPr>
     </p:bg>
     <p:spTree>
@@ -5604,7 +6099,7 @@
           </a:ln>
         </p:spPr>
         <p:txBody>
-          <a:bodyPr lIns="91440" rIns="91440" tIns="45720" bIns="45720" anchor="ctr">
+          <a:bodyPr lIns="91440" tIns="45720" rIns="91440" bIns="45720" anchor="ctr">
             <a:noAutofit/>
           </a:bodyPr>
           <a:lstStyle>
@@ -5614,9 +6109,9 @@
               </a:lnSpc>
               <a:buNone/>
               <a:tabLst>
-                <a:tab algn="l" pos="0"/>
+                <a:tab pos="0" algn="l"/>
               </a:tabLst>
-              <a:defRPr b="0" lang="pl-PL" sz="1400" spc="-1" strike="noStrike">
+              <a:defRPr lang="pl-PL" sz="1400" b="0" strike="noStrike" spc="-1">
                 <a:solidFill>
                   <a:srgbClr val="000000"/>
                 </a:solidFill>
@@ -5631,11 +6126,11 @@
               </a:lnSpc>
               <a:buNone/>
               <a:tabLst>
-                <a:tab algn="l" pos="0"/>
+                <a:tab pos="0" algn="l"/>
               </a:tabLst>
             </a:pPr>
             <a:r>
-              <a:rPr b="0" lang="pl-PL" sz="1400" spc="-1" strike="noStrike">
+              <a:rPr lang="pl-PL" sz="1400" b="0" strike="noStrike" spc="-1">
                 <a:solidFill>
                   <a:srgbClr val="000000"/>
                 </a:solidFill>
@@ -5643,12 +6138,6 @@
               </a:rPr>
               <a:t>&lt;stopka&gt;</a:t>
             </a:r>
-            <a:endParaRPr b="0" lang="pl-PL" sz="1400" spc="-1" strike="noStrike">
-              <a:solidFill>
-                <a:srgbClr val="000000"/>
-              </a:solidFill>
-              <a:latin typeface="Times New Roman"/>
-            </a:endParaRPr>
           </a:p>
         </p:txBody>
       </p:sp>
@@ -5676,7 +6165,7 @@
           </a:ln>
         </p:spPr>
         <p:txBody>
-          <a:bodyPr lIns="91440" rIns="91440" tIns="45720" bIns="45720" anchor="ctr">
+          <a:bodyPr lIns="91440" tIns="45720" rIns="91440" bIns="45720" anchor="ctr">
             <a:noAutofit/>
           </a:bodyPr>
           <a:lstStyle>
@@ -5686,9 +6175,9 @@
               </a:lnSpc>
               <a:buNone/>
               <a:tabLst>
-                <a:tab algn="l" pos="0"/>
+                <a:tab pos="0" algn="l"/>
               </a:tabLst>
-              <a:defRPr b="0" lang="pl-PL" sz="1200" spc="-1" strike="noStrike">
+              <a:defRPr lang="pl-PL" sz="1200" b="0" strike="noStrike" spc="-1">
                 <a:solidFill>
                   <a:schemeClr val="dk1">
                     <a:tint val="82000"/>
@@ -5705,11 +6194,11 @@
               </a:lnSpc>
               <a:buNone/>
               <a:tabLst>
-                <a:tab algn="l" pos="0"/>
+                <a:tab pos="0" algn="l"/>
               </a:tabLst>
             </a:pPr>
             <a:fld id="{1441DED5-A9F4-47E2-A6A2-22F94EF75ACA}" type="slidenum">
-              <a:rPr b="0" lang="pl-PL" sz="1200" spc="-1" strike="noStrike">
+              <a:rPr lang="pl-PL" sz="1200" b="0" strike="noStrike" spc="-1">
                 <a:solidFill>
                   <a:schemeClr val="dk1">
                     <a:tint val="82000"/>
@@ -5717,9 +6206,9 @@
                 </a:solidFill>
                 <a:latin typeface="Aptos"/>
               </a:rPr>
-              <a:t>&lt;numer&gt;</a:t>
+              <a:t>‹#›</a:t>
             </a:fld>
-            <a:endParaRPr b="0" lang="pl-PL" sz="1200" spc="-1" strike="noStrike">
+            <a:endParaRPr lang="pl-PL" sz="1200" b="0" strike="noStrike" spc="-1">
               <a:solidFill>
                 <a:srgbClr val="000000"/>
               </a:solidFill>
@@ -5752,13 +6241,13 @@
           </a:ln>
         </p:spPr>
         <p:txBody>
-          <a:bodyPr lIns="91440" rIns="91440" tIns="45720" bIns="45720" anchor="ctr">
+          <a:bodyPr lIns="91440" tIns="45720" rIns="91440" bIns="45720" anchor="ctr">
             <a:noAutofit/>
           </a:bodyPr>
           <a:lstStyle>
             <a:lvl1pPr indent="0">
               <a:buNone/>
-              <a:defRPr b="0" lang="pl-PL" sz="1400" spc="-1" strike="noStrike">
+              <a:defRPr lang="pl-PL" sz="1400" b="0" strike="noStrike" spc="-1">
                 <a:solidFill>
                   <a:srgbClr val="000000"/>
                 </a:solidFill>
@@ -5771,7 +6260,7 @@
               <a:buNone/>
             </a:pPr>
             <a:r>
-              <a:rPr b="0" lang="pl-PL" sz="1400" spc="-1" strike="noStrike">
+              <a:rPr lang="pl-PL" sz="1400" b="0" strike="noStrike" spc="-1">
                 <a:solidFill>
                   <a:srgbClr val="000000"/>
                 </a:solidFill>
@@ -5779,12 +6268,6 @@
               </a:rPr>
               <a:t>&lt;data/godzina&gt;</a:t>
             </a:r>
-            <a:endParaRPr b="0" lang="pl-PL" sz="1400" spc="-1" strike="noStrike">
-              <a:solidFill>
-                <a:srgbClr val="000000"/>
-              </a:solidFill>
-              <a:latin typeface="Times New Roman"/>
-            </a:endParaRPr>
           </a:p>
         </p:txBody>
       </p:sp>
@@ -5812,15 +6295,16 @@
           </a:ln>
         </p:spPr>
         <p:txBody>
-          <a:bodyPr lIns="0" rIns="0" tIns="0" bIns="0" anchor="ctr">
+          <a:bodyPr lIns="0" tIns="0" rIns="0" bIns="0" anchor="ctr">
             <a:noAutofit/>
           </a:bodyPr>
+          <a:lstStyle/>
           <a:p>
             <a:pPr indent="0" algn="ctr">
               <a:buNone/>
             </a:pPr>
             <a:r>
-              <a:rPr b="0" lang="pl-PL" sz="4400" spc="-1" strike="noStrike">
+              <a:rPr lang="pl-PL" sz="4400" b="0" strike="noStrike" spc="-1">
                 <a:solidFill>
                   <a:srgbClr val="000000"/>
                 </a:solidFill>
@@ -5828,12 +6312,6 @@
               </a:rPr>
               <a:t>Kliknij, aby edytować format tekstu tytułu</a:t>
             </a:r>
-            <a:endParaRPr b="0" lang="pl-PL" sz="4400" spc="-1" strike="noStrike">
-              <a:solidFill>
-                <a:srgbClr val="000000"/>
-              </a:solidFill>
-              <a:latin typeface="Arial"/>
-            </a:endParaRPr>
           </a:p>
         </p:txBody>
       </p:sp>
@@ -5861,9 +6339,10 @@
           </a:ln>
         </p:spPr>
         <p:txBody>
-          <a:bodyPr lIns="0" rIns="0" tIns="0" bIns="0" anchor="t">
+          <a:bodyPr lIns="0" tIns="0" rIns="0" bIns="0" anchor="t">
             <a:normAutofit/>
           </a:bodyPr>
+          <a:lstStyle/>
           <a:p>
             <a:pPr marL="432000" indent="-324000">
               <a:spcBef>
@@ -5877,7 +6356,7 @@
               <a:buChar char=""/>
             </a:pPr>
             <a:r>
-              <a:rPr b="0" lang="pl-PL" sz="3200" spc="-1" strike="noStrike">
+              <a:rPr lang="pl-PL" sz="3200" b="0" strike="noStrike" spc="-1">
                 <a:solidFill>
                   <a:srgbClr val="000000"/>
                 </a:solidFill>
@@ -5885,15 +6364,9 @@
               </a:rPr>
               <a:t>Kliknij, aby edytować format tekstu konspektu</a:t>
             </a:r>
-            <a:endParaRPr b="0" lang="pl-PL" sz="3200" spc="-1" strike="noStrike">
-              <a:solidFill>
-                <a:srgbClr val="000000"/>
-              </a:solidFill>
-              <a:latin typeface="Arial"/>
-            </a:endParaRPr>
-          </a:p>
-          <a:p>
-            <a:pPr lvl="1" marL="864000" indent="-324000">
+          </a:p>
+          <a:p>
+            <a:pPr marL="864000" lvl="1" indent="-324000">
               <a:spcBef>
                 <a:spcPts val="1134"/>
               </a:spcBef>
@@ -5905,7 +6378,7 @@
               <a:buChar char=""/>
             </a:pPr>
             <a:r>
-              <a:rPr b="0" lang="pl-PL" sz="2800" spc="-1" strike="noStrike">
+              <a:rPr lang="pl-PL" sz="2800" b="0" strike="noStrike" spc="-1">
                 <a:solidFill>
                   <a:srgbClr val="000000"/>
                 </a:solidFill>
@@ -5913,15 +6386,9 @@
               </a:rPr>
               <a:t>Drugi poziom konspektu</a:t>
             </a:r>
-            <a:endParaRPr b="0" lang="pl-PL" sz="2800" spc="-1" strike="noStrike">
-              <a:solidFill>
-                <a:srgbClr val="000000"/>
-              </a:solidFill>
-              <a:latin typeface="Arial"/>
-            </a:endParaRPr>
-          </a:p>
-          <a:p>
-            <a:pPr lvl="2" marL="1296000" indent="-288000">
+          </a:p>
+          <a:p>
+            <a:pPr marL="1296000" lvl="2" indent="-288000">
               <a:spcBef>
                 <a:spcPts val="850"/>
               </a:spcBef>
@@ -5933,7 +6400,7 @@
               <a:buChar char=""/>
             </a:pPr>
             <a:r>
-              <a:rPr b="0" lang="pl-PL" sz="2400" spc="-1" strike="noStrike">
+              <a:rPr lang="pl-PL" sz="2400" b="0" strike="noStrike" spc="-1">
                 <a:solidFill>
                   <a:srgbClr val="000000"/>
                 </a:solidFill>
@@ -5941,15 +6408,9 @@
               </a:rPr>
               <a:t>Trzeci poziom konspektu</a:t>
             </a:r>
-            <a:endParaRPr b="0" lang="pl-PL" sz="2400" spc="-1" strike="noStrike">
-              <a:solidFill>
-                <a:srgbClr val="000000"/>
-              </a:solidFill>
-              <a:latin typeface="Arial"/>
-            </a:endParaRPr>
-          </a:p>
-          <a:p>
-            <a:pPr lvl="3" marL="1728000" indent="-216000">
+          </a:p>
+          <a:p>
+            <a:pPr marL="1728000" lvl="3" indent="-216000">
               <a:spcBef>
                 <a:spcPts val="567"/>
               </a:spcBef>
@@ -5961,7 +6422,7 @@
               <a:buChar char=""/>
             </a:pPr>
             <a:r>
-              <a:rPr b="0" lang="pl-PL" sz="2000" spc="-1" strike="noStrike">
+              <a:rPr lang="pl-PL" sz="2000" b="0" strike="noStrike" spc="-1">
                 <a:solidFill>
                   <a:srgbClr val="000000"/>
                 </a:solidFill>
@@ -5969,15 +6430,9 @@
               </a:rPr>
               <a:t>Czwarty poziom konspektu</a:t>
             </a:r>
-            <a:endParaRPr b="0" lang="pl-PL" sz="2000" spc="-1" strike="noStrike">
-              <a:solidFill>
-                <a:srgbClr val="000000"/>
-              </a:solidFill>
-              <a:latin typeface="Arial"/>
-            </a:endParaRPr>
-          </a:p>
-          <a:p>
-            <a:pPr lvl="4" marL="2160000" indent="-216000">
+          </a:p>
+          <a:p>
+            <a:pPr marL="2160000" lvl="4" indent="-216000">
               <a:spcBef>
                 <a:spcPts val="283"/>
               </a:spcBef>
@@ -5989,7 +6444,7 @@
               <a:buChar char=""/>
             </a:pPr>
             <a:r>
-              <a:rPr b="0" lang="pl-PL" sz="2000" spc="-1" strike="noStrike">
+              <a:rPr lang="pl-PL" sz="2000" b="0" strike="noStrike" spc="-1">
                 <a:solidFill>
                   <a:srgbClr val="000000"/>
                 </a:solidFill>
@@ -5997,15 +6452,9 @@
               </a:rPr>
               <a:t>Piąty poziom konspektu</a:t>
             </a:r>
-            <a:endParaRPr b="0" lang="pl-PL" sz="2000" spc="-1" strike="noStrike">
-              <a:solidFill>
-                <a:srgbClr val="000000"/>
-              </a:solidFill>
-              <a:latin typeface="Arial"/>
-            </a:endParaRPr>
-          </a:p>
-          <a:p>
-            <a:pPr lvl="5" marL="2592000" indent="-216000">
+          </a:p>
+          <a:p>
+            <a:pPr marL="2592000" lvl="5" indent="-216000">
               <a:spcBef>
                 <a:spcPts val="283"/>
               </a:spcBef>
@@ -6017,7 +6466,7 @@
               <a:buChar char=""/>
             </a:pPr>
             <a:r>
-              <a:rPr b="0" lang="pl-PL" sz="2000" spc="-1" strike="noStrike">
+              <a:rPr lang="pl-PL" sz="2000" b="0" strike="noStrike" spc="-1">
                 <a:solidFill>
                   <a:srgbClr val="000000"/>
                 </a:solidFill>
@@ -6025,15 +6474,9 @@
               </a:rPr>
               <a:t>Szósty poziom konspektu</a:t>
             </a:r>
-            <a:endParaRPr b="0" lang="pl-PL" sz="2000" spc="-1" strike="noStrike">
-              <a:solidFill>
-                <a:srgbClr val="000000"/>
-              </a:solidFill>
-              <a:latin typeface="Arial"/>
-            </a:endParaRPr>
-          </a:p>
-          <a:p>
-            <a:pPr lvl="6" marL="3024000" indent="-216000">
+          </a:p>
+          <a:p>
+            <a:pPr marL="3024000" lvl="6" indent="-216000">
               <a:spcBef>
                 <a:spcPts val="283"/>
               </a:spcBef>
@@ -6045,7 +6488,7 @@
               <a:buChar char=""/>
             </a:pPr>
             <a:r>
-              <a:rPr b="0" lang="pl-PL" sz="2000" spc="-1" strike="noStrike">
+              <a:rPr lang="pl-PL" sz="2000" b="0" strike="noStrike" spc="-1">
                 <a:solidFill>
                   <a:srgbClr val="000000"/>
                 </a:solidFill>
@@ -6053,37 +6496,311 @@
               </a:rPr>
               <a:t>Siódmy poziom konspektu</a:t>
             </a:r>
-            <a:endParaRPr b="0" lang="pl-PL" sz="2000" spc="-1" strike="noStrike">
-              <a:solidFill>
-                <a:srgbClr val="000000"/>
-              </a:solidFill>
-              <a:latin typeface="Arial"/>
-            </a:endParaRPr>
           </a:p>
         </p:txBody>
       </p:sp>
     </p:spTree>
   </p:cSld>
-  <p:clrMap bg1="lt1" bg2="lt2" tx1="dk1" tx2="dk2" accent1="accent1" accent2="accent2" accent3="accent3" accent4="accent4" accent5="accent5" accent6="accent6" hlink="hlink" folHlink="folHlink"/>
+  <p:clrMap bg1="lt1" tx1="dk1" bg2="lt2" tx2="dk2" accent1="accent1" accent2="accent2" accent3="accent3" accent4="accent4" accent5="accent5" accent6="accent6" hlink="hlink" folHlink="folHlink"/>
   <p:sldLayoutIdLst>
-    <p:sldLayoutId id="2147483662" r:id="rId2"/>
-    <p:sldLayoutId id="2147483663" r:id="rId3"/>
-    <p:sldLayoutId id="2147483664" r:id="rId4"/>
-    <p:sldLayoutId id="2147483665" r:id="rId5"/>
-    <p:sldLayoutId id="2147483666" r:id="rId6"/>
-    <p:sldLayoutId id="2147483667" r:id="rId7"/>
-    <p:sldLayoutId id="2147483668" r:id="rId8"/>
-    <p:sldLayoutId id="2147483669" r:id="rId9"/>
-    <p:sldLayoutId id="2147483670" r:id="rId10"/>
-    <p:sldLayoutId id="2147483671" r:id="rId11"/>
-    <p:sldLayoutId id="2147483672" r:id="rId12"/>
-    <p:sldLayoutId id="2147483673" r:id="rId13"/>
+    <p:sldLayoutId id="2147483662" r:id="rId1"/>
+    <p:sldLayoutId id="2147483663" r:id="rId2"/>
+    <p:sldLayoutId id="2147483664" r:id="rId3"/>
+    <p:sldLayoutId id="2147483665" r:id="rId4"/>
+    <p:sldLayoutId id="2147483666" r:id="rId5"/>
+    <p:sldLayoutId id="2147483667" r:id="rId6"/>
+    <p:sldLayoutId id="2147483668" r:id="rId7"/>
+    <p:sldLayoutId id="2147483669" r:id="rId8"/>
+    <p:sldLayoutId id="2147483670" r:id="rId9"/>
+    <p:sldLayoutId id="2147483671" r:id="rId10"/>
+    <p:sldLayoutId id="2147483672" r:id="rId11"/>
+    <p:sldLayoutId id="2147483673" r:id="rId12"/>
   </p:sldLayoutIdLst>
+  <p:txStyles>
+    <p:titleStyle>
+      <a:lvl1pPr algn="l" defTabSz="914400" rtl="0" eaLnBrk="1" latinLnBrk="0" hangingPunct="1">
+        <a:lnSpc>
+          <a:spcPct val="90000"/>
+        </a:lnSpc>
+        <a:spcBef>
+          <a:spcPct val="0"/>
+        </a:spcBef>
+        <a:buNone/>
+        <a:defRPr sz="4400" kern="1200">
+          <a:solidFill>
+            <a:schemeClr val="tx1"/>
+          </a:solidFill>
+          <a:latin typeface="+mj-lt"/>
+          <a:ea typeface="+mj-ea"/>
+          <a:cs typeface="+mj-cs"/>
+        </a:defRPr>
+      </a:lvl1pPr>
+    </p:titleStyle>
+    <p:bodyStyle>
+      <a:lvl1pPr marL="228600" indent="-228600" algn="l" defTabSz="914400" rtl="0" eaLnBrk="1" latinLnBrk="0" hangingPunct="1">
+        <a:lnSpc>
+          <a:spcPct val="90000"/>
+        </a:lnSpc>
+        <a:spcBef>
+          <a:spcPts val="1000"/>
+        </a:spcBef>
+        <a:buFont typeface="Arial" panose="020B0604020202020204" pitchFamily="34" charset="0"/>
+        <a:buChar char="•"/>
+        <a:defRPr sz="2800" kern="1200">
+          <a:solidFill>
+            <a:schemeClr val="tx1"/>
+          </a:solidFill>
+          <a:latin typeface="+mn-lt"/>
+          <a:ea typeface="+mn-ea"/>
+          <a:cs typeface="+mn-cs"/>
+        </a:defRPr>
+      </a:lvl1pPr>
+      <a:lvl2pPr marL="685800" indent="-228600" algn="l" defTabSz="914400" rtl="0" eaLnBrk="1" latinLnBrk="0" hangingPunct="1">
+        <a:lnSpc>
+          <a:spcPct val="90000"/>
+        </a:lnSpc>
+        <a:spcBef>
+          <a:spcPts val="500"/>
+        </a:spcBef>
+        <a:buFont typeface="Arial" panose="020B0604020202020204" pitchFamily="34" charset="0"/>
+        <a:buChar char="•"/>
+        <a:defRPr sz="2400" kern="1200">
+          <a:solidFill>
+            <a:schemeClr val="tx1"/>
+          </a:solidFill>
+          <a:latin typeface="+mn-lt"/>
+          <a:ea typeface="+mn-ea"/>
+          <a:cs typeface="+mn-cs"/>
+        </a:defRPr>
+      </a:lvl2pPr>
+      <a:lvl3pPr marL="1143000" indent="-228600" algn="l" defTabSz="914400" rtl="0" eaLnBrk="1" latinLnBrk="0" hangingPunct="1">
+        <a:lnSpc>
+          <a:spcPct val="90000"/>
+        </a:lnSpc>
+        <a:spcBef>
+          <a:spcPts val="500"/>
+        </a:spcBef>
+        <a:buFont typeface="Arial" panose="020B0604020202020204" pitchFamily="34" charset="0"/>
+        <a:buChar char="•"/>
+        <a:defRPr sz="2000" kern="1200">
+          <a:solidFill>
+            <a:schemeClr val="tx1"/>
+          </a:solidFill>
+          <a:latin typeface="+mn-lt"/>
+          <a:ea typeface="+mn-ea"/>
+          <a:cs typeface="+mn-cs"/>
+        </a:defRPr>
+      </a:lvl3pPr>
+      <a:lvl4pPr marL="1600200" indent="-228600" algn="l" defTabSz="914400" rtl="0" eaLnBrk="1" latinLnBrk="0" hangingPunct="1">
+        <a:lnSpc>
+          <a:spcPct val="90000"/>
+        </a:lnSpc>
+        <a:spcBef>
+          <a:spcPts val="500"/>
+        </a:spcBef>
+        <a:buFont typeface="Arial" panose="020B0604020202020204" pitchFamily="34" charset="0"/>
+        <a:buChar char="•"/>
+        <a:defRPr sz="1800" kern="1200">
+          <a:solidFill>
+            <a:schemeClr val="tx1"/>
+          </a:solidFill>
+          <a:latin typeface="+mn-lt"/>
+          <a:ea typeface="+mn-ea"/>
+          <a:cs typeface="+mn-cs"/>
+        </a:defRPr>
+      </a:lvl4pPr>
+      <a:lvl5pPr marL="2057400" indent="-228600" algn="l" defTabSz="914400" rtl="0" eaLnBrk="1" latinLnBrk="0" hangingPunct="1">
+        <a:lnSpc>
+          <a:spcPct val="90000"/>
+        </a:lnSpc>
+        <a:spcBef>
+          <a:spcPts val="500"/>
+        </a:spcBef>
+        <a:buFont typeface="Arial" panose="020B0604020202020204" pitchFamily="34" charset="0"/>
+        <a:buChar char="•"/>
+        <a:defRPr sz="1800" kern="1200">
+          <a:solidFill>
+            <a:schemeClr val="tx1"/>
+          </a:solidFill>
+          <a:latin typeface="+mn-lt"/>
+          <a:ea typeface="+mn-ea"/>
+          <a:cs typeface="+mn-cs"/>
+        </a:defRPr>
+      </a:lvl5pPr>
+      <a:lvl6pPr marL="2514600" indent="-228600" algn="l" defTabSz="914400" rtl="0" eaLnBrk="1" latinLnBrk="0" hangingPunct="1">
+        <a:lnSpc>
+          <a:spcPct val="90000"/>
+        </a:lnSpc>
+        <a:spcBef>
+          <a:spcPts val="500"/>
+        </a:spcBef>
+        <a:buFont typeface="Arial" panose="020B0604020202020204" pitchFamily="34" charset="0"/>
+        <a:buChar char="•"/>
+        <a:defRPr sz="1800" kern="1200">
+          <a:solidFill>
+            <a:schemeClr val="tx1"/>
+          </a:solidFill>
+          <a:latin typeface="+mn-lt"/>
+          <a:ea typeface="+mn-ea"/>
+          <a:cs typeface="+mn-cs"/>
+        </a:defRPr>
+      </a:lvl6pPr>
+      <a:lvl7pPr marL="2971800" indent="-228600" algn="l" defTabSz="914400" rtl="0" eaLnBrk="1" latinLnBrk="0" hangingPunct="1">
+        <a:lnSpc>
+          <a:spcPct val="90000"/>
+        </a:lnSpc>
+        <a:spcBef>
+          <a:spcPts val="500"/>
+        </a:spcBef>
+        <a:buFont typeface="Arial" panose="020B0604020202020204" pitchFamily="34" charset="0"/>
+        <a:buChar char="•"/>
+        <a:defRPr sz="1800" kern="1200">
+          <a:solidFill>
+            <a:schemeClr val="tx1"/>
+          </a:solidFill>
+          <a:latin typeface="+mn-lt"/>
+          <a:ea typeface="+mn-ea"/>
+          <a:cs typeface="+mn-cs"/>
+        </a:defRPr>
+      </a:lvl7pPr>
+      <a:lvl8pPr marL="3429000" indent="-228600" algn="l" defTabSz="914400" rtl="0" eaLnBrk="1" latinLnBrk="0" hangingPunct="1">
+        <a:lnSpc>
+          <a:spcPct val="90000"/>
+        </a:lnSpc>
+        <a:spcBef>
+          <a:spcPts val="500"/>
+        </a:spcBef>
+        <a:buFont typeface="Arial" panose="020B0604020202020204" pitchFamily="34" charset="0"/>
+        <a:buChar char="•"/>
+        <a:defRPr sz="1800" kern="1200">
+          <a:solidFill>
+            <a:schemeClr val="tx1"/>
+          </a:solidFill>
+          <a:latin typeface="+mn-lt"/>
+          <a:ea typeface="+mn-ea"/>
+          <a:cs typeface="+mn-cs"/>
+        </a:defRPr>
+      </a:lvl8pPr>
+      <a:lvl9pPr marL="3886200" indent="-228600" algn="l" defTabSz="914400" rtl="0" eaLnBrk="1" latinLnBrk="0" hangingPunct="1">
+        <a:lnSpc>
+          <a:spcPct val="90000"/>
+        </a:lnSpc>
+        <a:spcBef>
+          <a:spcPts val="500"/>
+        </a:spcBef>
+        <a:buFont typeface="Arial" panose="020B0604020202020204" pitchFamily="34" charset="0"/>
+        <a:buChar char="•"/>
+        <a:defRPr sz="1800" kern="1200">
+          <a:solidFill>
+            <a:schemeClr val="tx1"/>
+          </a:solidFill>
+          <a:latin typeface="+mn-lt"/>
+          <a:ea typeface="+mn-ea"/>
+          <a:cs typeface="+mn-cs"/>
+        </a:defRPr>
+      </a:lvl9pPr>
+    </p:bodyStyle>
+    <p:otherStyle>
+      <a:defPPr>
+        <a:defRPr lang="pl-PL"/>
+      </a:defPPr>
+      <a:lvl1pPr marL="0" algn="l" defTabSz="914400" rtl="0" eaLnBrk="1" latinLnBrk="0" hangingPunct="1">
+        <a:defRPr sz="1800" kern="1200">
+          <a:solidFill>
+            <a:schemeClr val="tx1"/>
+          </a:solidFill>
+          <a:latin typeface="+mn-lt"/>
+          <a:ea typeface="+mn-ea"/>
+          <a:cs typeface="+mn-cs"/>
+        </a:defRPr>
+      </a:lvl1pPr>
+      <a:lvl2pPr marL="457200" algn="l" defTabSz="914400" rtl="0" eaLnBrk="1" latinLnBrk="0" hangingPunct="1">
+        <a:defRPr sz="1800" kern="1200">
+          <a:solidFill>
+            <a:schemeClr val="tx1"/>
+          </a:solidFill>
+          <a:latin typeface="+mn-lt"/>
+          <a:ea typeface="+mn-ea"/>
+          <a:cs typeface="+mn-cs"/>
+        </a:defRPr>
+      </a:lvl2pPr>
+      <a:lvl3pPr marL="914400" algn="l" defTabSz="914400" rtl="0" eaLnBrk="1" latinLnBrk="0" hangingPunct="1">
+        <a:defRPr sz="1800" kern="1200">
+          <a:solidFill>
+            <a:schemeClr val="tx1"/>
+          </a:solidFill>
+          <a:latin typeface="+mn-lt"/>
+          <a:ea typeface="+mn-ea"/>
+          <a:cs typeface="+mn-cs"/>
+        </a:defRPr>
+      </a:lvl3pPr>
+      <a:lvl4pPr marL="1371600" algn="l" defTabSz="914400" rtl="0" eaLnBrk="1" latinLnBrk="0" hangingPunct="1">
+        <a:defRPr sz="1800" kern="1200">
+          <a:solidFill>
+            <a:schemeClr val="tx1"/>
+          </a:solidFill>
+          <a:latin typeface="+mn-lt"/>
+          <a:ea typeface="+mn-ea"/>
+          <a:cs typeface="+mn-cs"/>
+        </a:defRPr>
+      </a:lvl4pPr>
+      <a:lvl5pPr marL="1828800" algn="l" defTabSz="914400" rtl="0" eaLnBrk="1" latinLnBrk="0" hangingPunct="1">
+        <a:defRPr sz="1800" kern="1200">
+          <a:solidFill>
+            <a:schemeClr val="tx1"/>
+          </a:solidFill>
+          <a:latin typeface="+mn-lt"/>
+          <a:ea typeface="+mn-ea"/>
+          <a:cs typeface="+mn-cs"/>
+        </a:defRPr>
+      </a:lvl5pPr>
+      <a:lvl6pPr marL="2286000" algn="l" defTabSz="914400" rtl="0" eaLnBrk="1" latinLnBrk="0" hangingPunct="1">
+        <a:defRPr sz="1800" kern="1200">
+          <a:solidFill>
+            <a:schemeClr val="tx1"/>
+          </a:solidFill>
+          <a:latin typeface="+mn-lt"/>
+          <a:ea typeface="+mn-ea"/>
+          <a:cs typeface="+mn-cs"/>
+        </a:defRPr>
+      </a:lvl6pPr>
+      <a:lvl7pPr marL="2743200" algn="l" defTabSz="914400" rtl="0" eaLnBrk="1" latinLnBrk="0" hangingPunct="1">
+        <a:defRPr sz="1800" kern="1200">
+          <a:solidFill>
+            <a:schemeClr val="tx1"/>
+          </a:solidFill>
+          <a:latin typeface="+mn-lt"/>
+          <a:ea typeface="+mn-ea"/>
+          <a:cs typeface="+mn-cs"/>
+        </a:defRPr>
+      </a:lvl7pPr>
+      <a:lvl8pPr marL="3200400" algn="l" defTabSz="914400" rtl="0" eaLnBrk="1" latinLnBrk="0" hangingPunct="1">
+        <a:defRPr sz="1800" kern="1200">
+          <a:solidFill>
+            <a:schemeClr val="tx1"/>
+          </a:solidFill>
+          <a:latin typeface="+mn-lt"/>
+          <a:ea typeface="+mn-ea"/>
+          <a:cs typeface="+mn-cs"/>
+        </a:defRPr>
+      </a:lvl8pPr>
+      <a:lvl9pPr marL="3657600" algn="l" defTabSz="914400" rtl="0" eaLnBrk="1" latinLnBrk="0" hangingPunct="1">
+        <a:defRPr sz="1800" kern="1200">
+          <a:solidFill>
+            <a:schemeClr val="tx1"/>
+          </a:solidFill>
+          <a:latin typeface="+mn-lt"/>
+          <a:ea typeface="+mn-ea"/>
+          <a:cs typeface="+mn-cs"/>
+        </a:defRPr>
+      </a:lvl9pPr>
+    </p:otherStyle>
+  </p:txStyles>
 </p:sldMaster>
 </file>
 
 <file path=ppt/slides/slide1.xml><?xml version="1.0" encoding="utf-8"?>
-<p:sld xmlns:a="http://schemas.openxmlformats.org/drawingml/2006/main" xmlns:p="http://schemas.openxmlformats.org/presentationml/2006/main" xmlns:r="http://schemas.openxmlformats.org/officeDocument/2006/relationships" xmlns:p14="http://schemas.microsoft.com/office/powerpoint/2010/main" xmlns:p15="http://schemas.microsoft.com/office/powerpoint/2012/main" xmlns:mc="http://schemas.openxmlformats.org/markup-compatibility/2006">
+<p:sld xmlns:a="http://schemas.openxmlformats.org/drawingml/2006/main" xmlns:r="http://schemas.openxmlformats.org/officeDocument/2006/relationships" xmlns:p="http://schemas.openxmlformats.org/presentationml/2006/main">
   <p:cSld>
     <p:spTree>
       <p:nvGrpSpPr>
@@ -6123,9 +6840,10 @@
           </a:ln>
         </p:spPr>
         <p:txBody>
-          <a:bodyPr lIns="91440" rIns="91440" tIns="45720" bIns="45720" anchor="b">
+          <a:bodyPr lIns="91440" tIns="45720" rIns="91440" bIns="45720" anchor="b">
             <a:noAutofit/>
           </a:bodyPr>
+          <a:lstStyle/>
           <a:p>
             <a:pPr indent="0" algn="ctr" defTabSz="914400">
               <a:lnSpc>
@@ -6133,11 +6851,11 @@
               </a:lnSpc>
               <a:buNone/>
               <a:tabLst>
-                <a:tab algn="l" pos="0"/>
+                <a:tab pos="0" algn="l"/>
               </a:tabLst>
             </a:pPr>
             <a:r>
-              <a:rPr b="0" lang="pl-PL" sz="6000" spc="-1" strike="noStrike">
+              <a:rPr lang="pl-PL" sz="6000" b="0" strike="noStrike" spc="-1">
                 <a:solidFill>
                   <a:schemeClr val="dk1"/>
                 </a:solidFill>
@@ -6145,7 +6863,7 @@
               </a:rPr>
               <a:t>Stronicowanie</a:t>
             </a:r>
-            <a:endParaRPr b="0" lang="pl-PL" sz="6000" spc="-1" strike="noStrike">
+            <a:endParaRPr lang="pl-PL" sz="6000" b="0" strike="noStrike" spc="-1">
               <a:solidFill>
                 <a:srgbClr val="000000"/>
               </a:solidFill>
@@ -6156,6 +6874,9 @@
       </p:sp>
     </p:spTree>
   </p:cSld>
+  <p:clrMapOvr>
+    <a:masterClrMapping/>
+  </p:clrMapOvr>
   <p:transition spd="slow">
     <p:fade/>
   </p:transition>
@@ -6163,7 +6884,7 @@
 </file>
 
 <file path=ppt/slides/slide2.xml><?xml version="1.0" encoding="utf-8"?>
-<p:sld xmlns:a="http://schemas.openxmlformats.org/drawingml/2006/main" xmlns:p="http://schemas.openxmlformats.org/presentationml/2006/main" xmlns:r="http://schemas.openxmlformats.org/officeDocument/2006/relationships" xmlns:p14="http://schemas.microsoft.com/office/powerpoint/2010/main" xmlns:p15="http://schemas.microsoft.com/office/powerpoint/2012/main" xmlns:mc="http://schemas.openxmlformats.org/markup-compatibility/2006">
+<p:sld xmlns:a="http://schemas.openxmlformats.org/drawingml/2006/main" xmlns:r="http://schemas.openxmlformats.org/officeDocument/2006/relationships" xmlns:p="http://schemas.openxmlformats.org/presentationml/2006/main">
   <p:cSld>
     <p:spTree>
       <p:nvGrpSpPr>
@@ -6203,9 +6924,10 @@
           </a:ln>
         </p:spPr>
         <p:txBody>
-          <a:bodyPr lIns="91440" rIns="91440" tIns="45720" bIns="45720" anchor="ctr">
+          <a:bodyPr lIns="91440" tIns="45720" rIns="91440" bIns="45720" anchor="ctr">
             <a:noAutofit/>
           </a:bodyPr>
+          <a:lstStyle/>
           <a:p>
             <a:pPr indent="0" defTabSz="914400">
               <a:lnSpc>
@@ -6213,11 +6935,11 @@
               </a:lnSpc>
               <a:buNone/>
               <a:tabLst>
-                <a:tab algn="l" pos="0"/>
+                <a:tab pos="0" algn="l"/>
               </a:tabLst>
             </a:pPr>
             <a:r>
-              <a:rPr b="0" lang="pl-PL" sz="4400" spc="-1" strike="noStrike">
+              <a:rPr lang="pl-PL" sz="4400" b="0" strike="noStrike" spc="-1">
                 <a:solidFill>
                   <a:schemeClr val="dk1"/>
                 </a:solidFill>
@@ -6226,7 +6948,7 @@
               </a:rPr>
               <a:t>Czym jest stronicowanie ?</a:t>
             </a:r>
-            <a:endParaRPr b="0" lang="pl-PL" sz="4400" spc="-1" strike="noStrike">
+            <a:endParaRPr lang="pl-PL" sz="4400" b="0" strike="noStrike" spc="-1">
               <a:solidFill>
                 <a:srgbClr val="000000"/>
               </a:solidFill>
@@ -6259,9 +6981,10 @@
           </a:ln>
         </p:spPr>
         <p:txBody>
-          <a:bodyPr lIns="91440" rIns="91440" tIns="45720" bIns="45720" anchor="t">
+          <a:bodyPr lIns="91440" tIns="45720" rIns="91440" bIns="45720" anchor="t">
             <a:normAutofit/>
           </a:bodyPr>
+          <a:lstStyle/>
           <a:p>
             <a:pPr indent="0" defTabSz="914400">
               <a:lnSpc>
@@ -6272,11 +6995,11 @@
               </a:spcBef>
               <a:buNone/>
               <a:tabLst>
-                <a:tab algn="l" pos="0"/>
+                <a:tab pos="0" algn="l"/>
               </a:tabLst>
             </a:pPr>
             <a:r>
-              <a:rPr b="0" lang="pl-PL" sz="3200" spc="-1" strike="noStrike">
+              <a:rPr lang="pl-PL" sz="3200" b="0" strike="noStrike" spc="-1">
                 <a:solidFill>
                   <a:schemeClr val="dk1"/>
                 </a:solidFill>
@@ -6285,7 +7008,7 @@
               </a:rPr>
               <a:t>Stronicowanie (ang. pagination) to technika dzielenia dużej ilości danych na mniejsze porcje (strony), które są prezentowane użytkownikowi .</a:t>
             </a:r>
-            <a:endParaRPr b="0" lang="pl-PL" sz="3200" spc="-1" strike="noStrike">
+            <a:endParaRPr lang="pl-PL" sz="3200" b="0" strike="noStrike" spc="-1">
               <a:solidFill>
                 <a:srgbClr val="000000"/>
               </a:solidFill>
@@ -6296,6 +7019,9 @@
       </p:sp>
     </p:spTree>
   </p:cSld>
+  <p:clrMapOvr>
+    <a:masterClrMapping/>
+  </p:clrMapOvr>
   <p:transition spd="slow">
     <p:fade/>
   </p:transition>
@@ -6303,7 +7029,7 @@
 </file>
 
 <file path=ppt/slides/slide3.xml><?xml version="1.0" encoding="utf-8"?>
-<p:sld xmlns:a="http://schemas.openxmlformats.org/drawingml/2006/main" xmlns:p="http://schemas.openxmlformats.org/presentationml/2006/main" xmlns:r="http://schemas.openxmlformats.org/officeDocument/2006/relationships" xmlns:p14="http://schemas.microsoft.com/office/powerpoint/2010/main" xmlns:p15="http://schemas.microsoft.com/office/powerpoint/2012/main" xmlns:mc="http://schemas.openxmlformats.org/markup-compatibility/2006">
+<p:sld xmlns:a="http://schemas.openxmlformats.org/drawingml/2006/main" xmlns:r="http://schemas.openxmlformats.org/officeDocument/2006/relationships" xmlns:p="http://schemas.openxmlformats.org/presentationml/2006/main">
   <p:cSld>
     <p:spTree>
       <p:nvGrpSpPr>
@@ -6343,9 +7069,10 @@
           </a:ln>
         </p:spPr>
         <p:txBody>
-          <a:bodyPr lIns="91440" rIns="91440" tIns="45720" bIns="45720" anchor="ctr">
+          <a:bodyPr lIns="91440" tIns="45720" rIns="91440" bIns="45720" anchor="ctr">
             <a:noAutofit/>
           </a:bodyPr>
+          <a:lstStyle/>
           <a:p>
             <a:pPr indent="0" defTabSz="914400">
               <a:lnSpc>
@@ -6353,11 +7080,11 @@
               </a:lnSpc>
               <a:buNone/>
               <a:tabLst>
-                <a:tab algn="l" pos="0"/>
+                <a:tab pos="0" algn="l"/>
               </a:tabLst>
             </a:pPr>
             <a:r>
-              <a:rPr b="0" lang="pl-PL" sz="4400" spc="-1" strike="noStrike">
+              <a:rPr lang="pl-PL" sz="4400" b="0" strike="noStrike" spc="-1">
                 <a:solidFill>
                   <a:schemeClr val="dk1"/>
                 </a:solidFill>
@@ -6365,7 +7092,7 @@
               </a:rPr>
               <a:t>Typy stronicowania:</a:t>
             </a:r>
-            <a:endParaRPr b="0" lang="pl-PL" sz="4400" spc="-1" strike="noStrike">
+            <a:endParaRPr lang="pl-PL" sz="4400" b="0" strike="noStrike" spc="-1">
               <a:solidFill>
                 <a:srgbClr val="000000"/>
               </a:solidFill>
@@ -6398,9 +7125,10 @@
           </a:ln>
         </p:spPr>
         <p:txBody>
-          <a:bodyPr lIns="91440" rIns="91440" tIns="45720" bIns="45720" anchor="t">
+          <a:bodyPr lIns="91440" tIns="45720" rIns="91440" bIns="45720" anchor="t">
             <a:normAutofit/>
           </a:bodyPr>
+          <a:lstStyle/>
           <a:p>
             <a:pPr indent="0" defTabSz="914400">
               <a:lnSpc>
@@ -6411,10 +7139,10 @@
               </a:spcBef>
               <a:buNone/>
               <a:tabLst>
-                <a:tab algn="l" pos="0"/>
+                <a:tab pos="0" algn="l"/>
               </a:tabLst>
             </a:pPr>
-            <a:endParaRPr b="0" lang="pl-PL" sz="2800" spc="-1" strike="noStrike">
+            <a:endParaRPr lang="pl-PL" sz="2800" b="0" strike="noStrike" spc="-1">
               <a:solidFill>
                 <a:srgbClr val="000000"/>
               </a:solidFill>
@@ -6435,11 +7163,11 @@
               <a:buFont typeface="Arial"/>
               <a:buChar char="•"/>
               <a:tabLst>
-                <a:tab algn="l" pos="0"/>
+                <a:tab pos="0" algn="l"/>
               </a:tabLst>
             </a:pPr>
             <a:r>
-              <a:rPr b="1" lang="pl-PL" sz="2800" spc="-1" strike="noStrike">
+              <a:rPr lang="pl-PL" sz="2800" b="1" strike="noStrike" spc="-1">
                 <a:solidFill>
                   <a:schemeClr val="dk1"/>
                 </a:solidFill>
@@ -6449,7 +7177,7 @@
               <a:t>Frontend </a:t>
             </a:r>
             <a:r>
-              <a:rPr b="0" lang="pl-PL" sz="2800" spc="-1" strike="noStrike">
+              <a:rPr lang="pl-PL" sz="2800" b="0" strike="noStrike" spc="-1">
                 <a:solidFill>
                   <a:schemeClr val="dk1"/>
                 </a:solidFill>
@@ -6458,7 +7186,7 @@
               </a:rPr>
               <a:t>– wszystkie dane są już załadowane i dzielone na stronie.</a:t>
             </a:r>
-            <a:endParaRPr b="0" lang="pl-PL" sz="2800" spc="-1" strike="noStrike">
+            <a:endParaRPr lang="pl-PL" sz="2800" b="0" strike="noStrike" spc="-1">
               <a:solidFill>
                 <a:srgbClr val="000000"/>
               </a:solidFill>
@@ -6479,11 +7207,11 @@
               <a:buFont typeface="Arial"/>
               <a:buChar char="•"/>
               <a:tabLst>
-                <a:tab algn="l" pos="0"/>
+                <a:tab pos="0" algn="l"/>
               </a:tabLst>
             </a:pPr>
             <a:r>
-              <a:rPr b="1" lang="pl-PL" sz="2800" spc="-1" strike="noStrike">
+              <a:rPr lang="pl-PL" sz="2800" b="1" strike="noStrike" spc="-1">
                 <a:solidFill>
                   <a:schemeClr val="dk1"/>
                 </a:solidFill>
@@ -6493,7 +7221,7 @@
               <a:t>Backend </a:t>
             </a:r>
             <a:r>
-              <a:rPr b="0" lang="pl-PL" sz="2800" spc="-1" strike="noStrike">
+              <a:rPr lang="pl-PL" sz="2800" b="0" strike="noStrike" spc="-1">
                 <a:solidFill>
                   <a:schemeClr val="dk1"/>
                 </a:solidFill>
@@ -6503,7 +7231,7 @@
               <a:t>– frontend wysyła zapytania z parametrami (np. </a:t>
             </a:r>
             <a:r>
-              <a:rPr b="0" lang="pl-PL" sz="2800" spc="-1" strike="noStrike">
+              <a:rPr lang="pl-PL" sz="2800" b="0" strike="noStrike" spc="-1">
                 <a:solidFill>
                   <a:schemeClr val="dk1"/>
                 </a:solidFill>
@@ -6513,7 +7241,7 @@
               <a:t>?page=2&amp;pageSize=10</a:t>
             </a:r>
             <a:r>
-              <a:rPr b="0" lang="pl-PL" sz="2800" spc="-1" strike="noStrike">
+              <a:rPr lang="pl-PL" sz="2800" b="0" strike="noStrike" spc="-1">
                 <a:solidFill>
                   <a:schemeClr val="dk1"/>
                 </a:solidFill>
@@ -6522,7 +7250,7 @@
               </a:rPr>
               <a:t>) i backend zwraca tylko dane z danej strony.</a:t>
             </a:r>
-            <a:endParaRPr b="0" lang="pl-PL" sz="2800" spc="-1" strike="noStrike">
+            <a:endParaRPr lang="pl-PL" sz="2800" b="0" strike="noStrike" spc="-1">
               <a:solidFill>
                 <a:srgbClr val="000000"/>
               </a:solidFill>
@@ -6539,10 +7267,10 @@
               </a:spcBef>
               <a:buNone/>
               <a:tabLst>
-                <a:tab algn="l" pos="0"/>
+                <a:tab pos="0" algn="l"/>
               </a:tabLst>
             </a:pPr>
-            <a:endParaRPr b="0" lang="pl-PL" sz="2800" spc="-1" strike="noStrike">
+            <a:endParaRPr lang="pl-PL" sz="2800" b="0" strike="noStrike" spc="-1">
               <a:solidFill>
                 <a:srgbClr val="000000"/>
               </a:solidFill>
@@ -6553,6 +7281,9 @@
       </p:sp>
     </p:spTree>
   </p:cSld>
+  <p:clrMapOvr>
+    <a:masterClrMapping/>
+  </p:clrMapOvr>
   <p:transition spd="slow">
     <p:fade/>
   </p:transition>
@@ -6560,7 +7291,7 @@
 </file>
 
 <file path=ppt/slides/slide4.xml><?xml version="1.0" encoding="utf-8"?>
-<p:sld xmlns:a="http://schemas.openxmlformats.org/drawingml/2006/main" xmlns:p="http://schemas.openxmlformats.org/presentationml/2006/main" xmlns:r="http://schemas.openxmlformats.org/officeDocument/2006/relationships" xmlns:p14="http://schemas.microsoft.com/office/powerpoint/2010/main" xmlns:p15="http://schemas.microsoft.com/office/powerpoint/2012/main" xmlns:mc="http://schemas.openxmlformats.org/markup-compatibility/2006">
+<p:sld xmlns:a="http://schemas.openxmlformats.org/drawingml/2006/main" xmlns:r="http://schemas.openxmlformats.org/officeDocument/2006/relationships" xmlns:p="http://schemas.openxmlformats.org/presentationml/2006/main">
   <p:cSld>
     <p:spTree>
       <p:nvGrpSpPr>
@@ -6600,9 +7331,10 @@
           </a:ln>
         </p:spPr>
         <p:txBody>
-          <a:bodyPr lIns="91440" rIns="91440" tIns="45720" bIns="45720" anchor="ctr">
+          <a:bodyPr lIns="91440" tIns="45720" rIns="91440" bIns="45720" anchor="ctr">
             <a:noAutofit/>
           </a:bodyPr>
+          <a:lstStyle/>
           <a:p>
             <a:pPr indent="0" defTabSz="914400">
               <a:lnSpc>
@@ -6610,11 +7342,11 @@
               </a:lnSpc>
               <a:buNone/>
               <a:tabLst>
-                <a:tab algn="l" pos="0"/>
+                <a:tab pos="0" algn="l"/>
               </a:tabLst>
             </a:pPr>
             <a:r>
-              <a:rPr b="0" lang="pl-PL" sz="4400" spc="-1" strike="noStrike">
+              <a:rPr lang="pl-PL" sz="4400" b="0" strike="noStrike" spc="-1">
                 <a:solidFill>
                   <a:schemeClr val="dk1"/>
                 </a:solidFill>
@@ -6622,7 +7354,7 @@
               </a:rPr>
               <a:t>Dlaczego warto stosować stronicowanie na froncie?</a:t>
             </a:r>
-            <a:endParaRPr b="0" lang="pl-PL" sz="4400" spc="-1" strike="noStrike">
+            <a:endParaRPr lang="pl-PL" sz="4400" b="0" strike="noStrike" spc="-1">
               <a:solidFill>
                 <a:srgbClr val="000000"/>
               </a:solidFill>
@@ -6655,9 +7387,10 @@
           </a:ln>
         </p:spPr>
         <p:txBody>
-          <a:bodyPr lIns="91440" rIns="91440" tIns="45720" bIns="45720" anchor="t">
+          <a:bodyPr lIns="91440" tIns="45720" rIns="91440" bIns="45720" anchor="t">
             <a:normAutofit/>
           </a:bodyPr>
+          <a:lstStyle/>
           <a:p>
             <a:pPr marL="228600" indent="-228600" defTabSz="914400">
               <a:lnSpc>
@@ -6673,7 +7406,7 @@
               <a:buChar char="•"/>
             </a:pPr>
             <a:r>
-              <a:rPr b="1" lang="pl-PL" sz="2800" spc="-1" strike="noStrike">
+              <a:rPr lang="pl-PL" sz="2800" b="1" strike="noStrike" spc="-1">
                 <a:solidFill>
                   <a:schemeClr val="dk1"/>
                 </a:solidFill>
@@ -6683,7 +7416,7 @@
               <a:t>Wydajność</a:t>
             </a:r>
             <a:r>
-              <a:rPr b="0" lang="pl-PL" sz="2800" spc="-1" strike="noStrike">
+              <a:rPr lang="pl-PL" sz="2800" b="0" strike="noStrike" spc="-1">
                 <a:solidFill>
                   <a:schemeClr val="dk1"/>
                 </a:solidFill>
@@ -6692,7 +7425,7 @@
               </a:rPr>
               <a:t>: nie trzeba renderować tysięcy elementów naraz.</a:t>
             </a:r>
-            <a:endParaRPr b="0" lang="pl-PL" sz="2800" spc="-1" strike="noStrike">
+            <a:endParaRPr lang="pl-PL" sz="2800" b="0" strike="noStrike" spc="-1">
               <a:solidFill>
                 <a:srgbClr val="000000"/>
               </a:solidFill>
@@ -6714,7 +7447,7 @@
               <a:buChar char="•"/>
             </a:pPr>
             <a:r>
-              <a:rPr b="1" lang="pl-PL" sz="2800" spc="-1" strike="noStrike">
+              <a:rPr lang="pl-PL" sz="2800" b="1" strike="noStrike" spc="-1">
                 <a:solidFill>
                   <a:schemeClr val="dk1"/>
                 </a:solidFill>
@@ -6724,7 +7457,7 @@
               <a:t>UX/UI</a:t>
             </a:r>
             <a:r>
-              <a:rPr b="0" lang="pl-PL" sz="2800" spc="-1" strike="noStrike">
+              <a:rPr lang="pl-PL" sz="2800" b="0" strike="noStrike" spc="-1">
                 <a:solidFill>
                   <a:schemeClr val="dk1"/>
                 </a:solidFill>
@@ -6733,7 +7466,7 @@
               </a:rPr>
               <a:t>: użytkownik nie czuje się przytłoczony zbyt dużą ilością danych.</a:t>
             </a:r>
-            <a:endParaRPr b="0" lang="pl-PL" sz="2800" spc="-1" strike="noStrike">
+            <a:endParaRPr lang="pl-PL" sz="2800" b="0" strike="noStrike" spc="-1">
               <a:solidFill>
                 <a:srgbClr val="000000"/>
               </a:solidFill>
@@ -6755,7 +7488,7 @@
               <a:buChar char="•"/>
             </a:pPr>
             <a:r>
-              <a:rPr b="1" lang="pl-PL" sz="2800" spc="-1" strike="noStrike">
+              <a:rPr lang="pl-PL" sz="2800" b="1" strike="noStrike" spc="-1">
                 <a:solidFill>
                   <a:schemeClr val="dk1"/>
                 </a:solidFill>
@@ -6765,7 +7498,7 @@
               <a:t>Skalowalność</a:t>
             </a:r>
             <a:r>
-              <a:rPr b="0" lang="pl-PL" sz="2800" spc="-1" strike="noStrike">
+              <a:rPr lang="pl-PL" sz="2800" b="0" strike="noStrike" spc="-1">
                 <a:solidFill>
                   <a:schemeClr val="dk1"/>
                 </a:solidFill>
@@ -6774,7 +7507,7 @@
               </a:rPr>
               <a:t>: Wraz ze wzrostem liczby danych nie trzeba zmieniać struktury interfejsu – wystarczy dostosować stronicowanie.</a:t>
             </a:r>
-            <a:endParaRPr b="0" lang="pl-PL" sz="2800" spc="-1" strike="noStrike">
+            <a:endParaRPr lang="pl-PL" sz="2800" b="0" strike="noStrike" spc="-1">
               <a:solidFill>
                 <a:srgbClr val="000000"/>
               </a:solidFill>
@@ -6785,6 +7518,9 @@
       </p:sp>
     </p:spTree>
   </p:cSld>
+  <p:clrMapOvr>
+    <a:masterClrMapping/>
+  </p:clrMapOvr>
   <p:transition spd="slow">
     <p:fade/>
   </p:transition>
@@ -6792,7 +7528,7 @@
 </file>
 
 <file path=ppt/slides/slide5.xml><?xml version="1.0" encoding="utf-8"?>
-<p:sld xmlns:a="http://schemas.openxmlformats.org/drawingml/2006/main" xmlns:p="http://schemas.openxmlformats.org/presentationml/2006/main" xmlns:r="http://schemas.openxmlformats.org/officeDocument/2006/relationships" xmlns:p14="http://schemas.microsoft.com/office/powerpoint/2010/main" xmlns:p15="http://schemas.microsoft.com/office/powerpoint/2012/main" xmlns:mc="http://schemas.openxmlformats.org/markup-compatibility/2006">
+<p:sld xmlns:a="http://schemas.openxmlformats.org/drawingml/2006/main" xmlns:r="http://schemas.openxmlformats.org/officeDocument/2006/relationships" xmlns:p="http://schemas.openxmlformats.org/presentationml/2006/main">
   <p:cSld>
     <p:spTree>
       <p:nvGrpSpPr>
@@ -6832,31 +7568,18 @@
           </a:ln>
         </p:spPr>
         <p:txBody>
-          <a:bodyPr lIns="91440" rIns="91440" tIns="45720" bIns="45720" anchor="ctr">
+          <a:bodyPr lIns="91440" tIns="45720" rIns="91440" bIns="45720" anchor="ctr">
             <a:noAutofit/>
           </a:bodyPr>
-          <a:p>
-            <a:pPr indent="0" defTabSz="914400">
-              <a:lnSpc>
-                <a:spcPct val="90000"/>
-              </a:lnSpc>
-              <a:buNone/>
+          <a:lstStyle/>
+          <a:p>
+            <a:pPr>
               <a:tabLst>
-                <a:tab algn="l" pos="0"/>
+                <a:tab pos="0" algn="l"/>
               </a:tabLst>
             </a:pPr>
             <a:r>
-              <a:rPr b="0" lang="pl-PL" sz="4400" spc="-1" strike="noStrike">
-                <a:solidFill>
-                  <a:schemeClr val="dk1"/>
-                </a:solidFill>
-                <a:latin typeface="Aptos Display"/>
-                <a:ea typeface="Aptos Display"/>
-              </a:rPr>
-              <a:t>	</a:t>
-            </a:r>
-            <a:r>
-              <a:rPr b="0" lang="pl-PL" sz="4400" spc="-1" strike="noStrike">
+              <a:rPr lang="pl-PL" sz="4400" b="0" strike="noStrike" spc="-1" dirty="0">
                 <a:solidFill>
                   <a:schemeClr val="dk1"/>
                 </a:solidFill>
@@ -6866,26 +7589,88 @@
               <a:t> </a:t>
             </a:r>
             <a:r>
-              <a:rPr b="0" lang="pl-PL" sz="4400" spc="-1" strike="noStrike">
+              <a:rPr lang="pl-PL" spc="-1" dirty="0">
                 <a:solidFill>
                   <a:schemeClr val="dk1"/>
                 </a:solidFill>
                 <a:latin typeface="Aptos Display"/>
                 <a:ea typeface="Aptos Display"/>
               </a:rPr>
-              <a:t>Stronicowanie w React </a:t>
+              <a:t>                </a:t>
             </a:r>
-            <a:endParaRPr b="0" lang="pl-PL" sz="4400" spc="-1" strike="noStrike">
-              <a:solidFill>
-                <a:srgbClr val="000000"/>
-              </a:solidFill>
-              <a:latin typeface="Arial"/>
+            <a:r>
+              <a:rPr lang="pl-PL" sz="4400" b="0" strike="noStrike" spc="-1" dirty="0">
+                <a:solidFill>
+                  <a:schemeClr val="dk1"/>
+                </a:solidFill>
+                <a:latin typeface="Aptos Display"/>
+                <a:ea typeface="Aptos Display"/>
+              </a:rPr>
+              <a:t>Stronicowanie w </a:t>
+            </a:r>
+            <a:r>
+              <a:rPr lang="pl-PL" sz="4400" b="0" strike="noStrike" spc="-1" dirty="0" err="1">
+                <a:solidFill>
+                  <a:schemeClr val="dk1"/>
+                </a:solidFill>
+                <a:latin typeface="Aptos Display"/>
+                <a:ea typeface="Aptos Display"/>
+              </a:rPr>
+              <a:t>React</a:t>
+            </a:r>
+            <a:r>
+              <a:rPr lang="pl-PL" sz="4400" b="0" strike="noStrike" spc="-1" dirty="0">
+                <a:solidFill>
+                  <a:schemeClr val="dk1"/>
+                </a:solidFill>
+                <a:latin typeface="Aptos Display"/>
+                <a:ea typeface="Aptos Display"/>
+              </a:rPr>
+              <a:t> </a:t>
+            </a:r>
+            <a:br>
+              <a:rPr lang="en-US" dirty="0"/>
+            </a:br>
+            <a:r>
+              <a:rPr lang="pl-PL" sz="2800" dirty="0">
+                <a:solidFill>
+                  <a:schemeClr val="dk1"/>
+                </a:solidFill>
+                <a:ea typeface="+mj-lt"/>
+                <a:cs typeface="+mj-lt"/>
+              </a:rPr>
+              <a:t>                        </a:t>
+            </a:r>
+            <a:r>
+              <a:rPr lang="pl-PL" sz="2800" dirty="0">
+                <a:solidFill>
+                  <a:schemeClr val="dk1"/>
+                </a:solidFill>
+                <a:ea typeface="+mj-lt"/>
+                <a:cs typeface="+mj-lt"/>
+                <a:hlinkClick r:id="rId2">
+                  <a:extLst>
+                    <a:ext uri="{A12FA001-AC4F-418D-AE19-62706E023703}">
+                      <ahyp:hlinkClr xmlns:ahyp="http://schemas.microsoft.com/office/drawing/2018/hyperlinkcolor" val="tx"/>
+                    </a:ext>
+                  </a:extLst>
+                </a:hlinkClick>
+              </a:rPr>
+              <a:t>https://github.com/iProXDPL/Pagination</a:t>
+            </a:r>
+            <a:endParaRPr lang="pl-PL">
+              <a:solidFill>
+                <a:schemeClr val="dk1"/>
+              </a:solidFill>
             </a:endParaRPr>
           </a:p>
         </p:txBody>
       </p:sp>
     </p:spTree>
   </p:cSld>
+  <p:clrMapOvr>
+    <a:masterClrMapping/>
+  </p:clrMapOvr>
   <p:transition spd="slow">
     <p:fade/>
   </p:transition>
@@ -6893,7 +7678,7 @@
 </file>
 
 <file path=ppt/slides/slide6.xml><?xml version="1.0" encoding="utf-8"?>
-<p:sld xmlns:a="http://schemas.openxmlformats.org/drawingml/2006/main" xmlns:p="http://schemas.openxmlformats.org/presentationml/2006/main" xmlns:r="http://schemas.openxmlformats.org/officeDocument/2006/relationships" xmlns:p14="http://schemas.microsoft.com/office/powerpoint/2010/main" xmlns:p15="http://schemas.microsoft.com/office/powerpoint/2012/main" xmlns:mc="http://schemas.openxmlformats.org/markup-compatibility/2006">
+<p:sld xmlns:a="http://schemas.openxmlformats.org/drawingml/2006/main" xmlns:r="http://schemas.openxmlformats.org/officeDocument/2006/relationships" xmlns:p="http://schemas.openxmlformats.org/presentationml/2006/main">
   <p:cSld>
     <p:spTree>
       <p:nvGrpSpPr>
@@ -6933,9 +7718,10 @@
           </a:ln>
         </p:spPr>
         <p:txBody>
-          <a:bodyPr lIns="91440" rIns="91440" tIns="45720" bIns="45720" anchor="ctr">
+          <a:bodyPr lIns="91440" tIns="45720" rIns="91440" bIns="45720" anchor="ctr">
             <a:noAutofit/>
           </a:bodyPr>
+          <a:lstStyle/>
           <a:p>
             <a:pPr indent="0" algn="ctr" defTabSz="914400">
               <a:lnSpc>
@@ -6943,11 +7729,11 @@
               </a:lnSpc>
               <a:buNone/>
               <a:tabLst>
-                <a:tab algn="l" pos="0"/>
+                <a:tab pos="0" algn="l"/>
               </a:tabLst>
             </a:pPr>
             <a:r>
-              <a:rPr b="0" lang="pl-PL" sz="4400" spc="-1" strike="noStrike">
+              <a:rPr lang="pl-PL" sz="4400" b="0" strike="noStrike" spc="-1">
                 <a:solidFill>
                   <a:schemeClr val="dk1"/>
                 </a:solidFill>
@@ -6955,7 +7741,7 @@
               </a:rPr>
               <a:t>Dziękuję za wysłuchanie</a:t>
             </a:r>
-            <a:endParaRPr b="0" lang="pl-PL" sz="4400" spc="-1" strike="noStrike">
+            <a:endParaRPr lang="pl-PL" sz="4400" b="0" strike="noStrike" spc="-1">
               <a:solidFill>
                 <a:srgbClr val="000000"/>
               </a:solidFill>
@@ -6966,6 +7752,9 @@
       </p:sp>
     </p:spTree>
   </p:cSld>
+  <p:clrMapOvr>
+    <a:masterClrMapping/>
+  </p:clrMapOvr>
   <p:transition spd="slow">
     <p:fade/>
   </p:transition>
@@ -6973,54 +7762,54 @@
 </file>
 
 <file path=ppt/theme/theme1.xml><?xml version="1.0" encoding="utf-8"?>
-<a:theme xmlns:a="http://schemas.openxmlformats.org/drawingml/2006/main" xmlns:r="http://schemas.openxmlformats.org/officeDocument/2006/relationships" name="Motyw pakietu Office">
+<a:theme xmlns:a="http://schemas.openxmlformats.org/drawingml/2006/main" name="Motyw pakietu Office">
   <a:themeElements>
     <a:clrScheme name="Office">
       <a:dk1>
         <a:srgbClr val="000000"/>
       </a:dk1>
       <a:lt1>
-        <a:srgbClr val="ffffff"/>
+        <a:srgbClr val="FFFFFF"/>
       </a:lt1>
       <a:dk2>
-        <a:srgbClr val="0e2841"/>
+        <a:srgbClr val="0E2841"/>
       </a:dk2>
       <a:lt2>
-        <a:srgbClr val="e8e8e8"/>
+        <a:srgbClr val="E8E8E8"/>
       </a:lt2>
       <a:accent1>
         <a:srgbClr val="156082"/>
       </a:accent1>
       <a:accent2>
-        <a:srgbClr val="e97132"/>
+        <a:srgbClr val="E97132"/>
       </a:accent2>
       <a:accent3>
-        <a:srgbClr val="196b24"/>
+        <a:srgbClr val="196B24"/>
       </a:accent3>
       <a:accent4>
-        <a:srgbClr val="0f9ed5"/>
+        <a:srgbClr val="0F9ED5"/>
       </a:accent4>
       <a:accent5>
-        <a:srgbClr val="a02b93"/>
+        <a:srgbClr val="A02B93"/>
       </a:accent5>
       <a:accent6>
-        <a:srgbClr val="4ea72e"/>
+        <a:srgbClr val="4EA72E"/>
       </a:accent6>
       <a:hlink>
         <a:srgbClr val="467886"/>
       </a:hlink>
       <a:folHlink>
-        <a:srgbClr val="96607d"/>
+        <a:srgbClr val="96607D"/>
       </a:folHlink>
     </a:clrScheme>
     <a:fontScheme name="Pakiet Office">
       <a:majorFont>
-        <a:latin typeface="Aptos Display" panose="020F0302020204030204" pitchFamily="0" charset="1"/>
+        <a:latin typeface="Aptos Display" panose="020F0302020204030204"/>
         <a:ea typeface=""/>
         <a:cs typeface=""/>
       </a:majorFont>
       <a:minorFont>
-        <a:latin typeface="Aptos" panose="020B0004020202020204" pitchFamily="0" charset="1"/>
+        <a:latin typeface="Aptos" panose="020B0004020202020204"/>
         <a:ea typeface=""/>
         <a:cs typeface=""/>
       </a:minorFont>
@@ -7052,7 +7841,7 @@
             </a:gs>
           </a:gsLst>
           <a:lin ang="5400000" scaled="0"/>
-          <a:tileRect l="0" t="0" r="0" b="0"/>
+          <a:tileRect/>
         </a:gradFill>
         <a:gradFill>
           <a:gsLst>
@@ -7076,7 +7865,7 @@
             </a:gs>
           </a:gsLst>
           <a:lin ang="5400000" scaled="0"/>
-          <a:tileRect l="0" t="0" r="0" b="0"/>
+          <a:tileRect/>
         </a:gradFill>
       </a:fillStyleLst>
       <a:lnStyleLst>
@@ -7136,63 +7925,65 @@
             </a:gs>
           </a:gsLst>
           <a:lin ang="5400000" scaled="0"/>
-          <a:tileRect l="0" t="0" r="0" b="0"/>
+          <a:tileRect/>
         </a:gradFill>
       </a:bgFillStyleLst>
     </a:fmtScheme>
   </a:themeElements>
+  <a:objectDefaults/>
+  <a:extraClrSchemeLst/>
 </a:theme>
 </file>
 
 <file path=ppt/theme/theme2.xml><?xml version="1.0" encoding="utf-8"?>
-<a:theme xmlns:a="http://schemas.openxmlformats.org/drawingml/2006/main" xmlns:r="http://schemas.openxmlformats.org/officeDocument/2006/relationships" name="Motyw pakietu Office">
+<a:theme xmlns:a="http://schemas.openxmlformats.org/drawingml/2006/main" name="Motyw pakietu Office">
   <a:themeElements>
     <a:clrScheme name="Office">
       <a:dk1>
         <a:srgbClr val="000000"/>
       </a:dk1>
       <a:lt1>
-        <a:srgbClr val="ffffff"/>
+        <a:srgbClr val="FFFFFF"/>
       </a:lt1>
       <a:dk2>
-        <a:srgbClr val="0e2841"/>
+        <a:srgbClr val="0E2841"/>
       </a:dk2>
       <a:lt2>
-        <a:srgbClr val="e8e8e8"/>
+        <a:srgbClr val="E8E8E8"/>
       </a:lt2>
       <a:accent1>
         <a:srgbClr val="156082"/>
       </a:accent1>
       <a:accent2>
-        <a:srgbClr val="e97132"/>
+        <a:srgbClr val="E97132"/>
       </a:accent2>
       <a:accent3>
-        <a:srgbClr val="196b24"/>
+        <a:srgbClr val="196B24"/>
       </a:accent3>
       <a:accent4>
-        <a:srgbClr val="0f9ed5"/>
+        <a:srgbClr val="0F9ED5"/>
       </a:accent4>
       <a:accent5>
-        <a:srgbClr val="a02b93"/>
+        <a:srgbClr val="A02B93"/>
       </a:accent5>
       <a:accent6>
-        <a:srgbClr val="4ea72e"/>
+        <a:srgbClr val="4EA72E"/>
       </a:accent6>
       <a:hlink>
         <a:srgbClr val="467886"/>
       </a:hlink>
       <a:folHlink>
-        <a:srgbClr val="96607d"/>
+        <a:srgbClr val="96607D"/>
       </a:folHlink>
     </a:clrScheme>
     <a:fontScheme name="Pakiet Office">
       <a:majorFont>
-        <a:latin typeface="Aptos Display" panose="020F0302020204030204" pitchFamily="0" charset="1"/>
+        <a:latin typeface="Aptos Display" panose="020F0302020204030204"/>
         <a:ea typeface=""/>
         <a:cs typeface=""/>
       </a:majorFont>
       <a:minorFont>
-        <a:latin typeface="Aptos" panose="020B0004020202020204" pitchFamily="0" charset="1"/>
+        <a:latin typeface="Aptos" panose="020B0004020202020204"/>
         <a:ea typeface=""/>
         <a:cs typeface=""/>
       </a:minorFont>
@@ -7224,7 +8015,7 @@
             </a:gs>
           </a:gsLst>
           <a:lin ang="5400000" scaled="0"/>
-          <a:tileRect l="0" t="0" r="0" b="0"/>
+          <a:tileRect/>
         </a:gradFill>
         <a:gradFill>
           <a:gsLst>
@@ -7248,7 +8039,7 @@
             </a:gs>
           </a:gsLst>
           <a:lin ang="5400000" scaled="0"/>
-          <a:tileRect l="0" t="0" r="0" b="0"/>
+          <a:tileRect/>
         </a:gradFill>
       </a:fillStyleLst>
       <a:lnStyleLst>
@@ -7308,10 +8099,12 @@
             </a:gs>
           </a:gsLst>
           <a:lin ang="5400000" scaled="0"/>
-          <a:tileRect l="0" t="0" r="0" b="0"/>
+          <a:tileRect/>
         </a:gradFill>
       </a:bgFillStyleLst>
     </a:fmtScheme>
   </a:themeElements>
+  <a:objectDefaults/>
+  <a:extraClrSchemeLst/>
 </a:theme>
 </file>